--- a/TCL4_meeting_May4_2023.pptx
+++ b/TCL4_meeting_May4_2023.pptx
@@ -13,6 +13,7 @@
     <p:sldId id="261" r:id="rId7"/>
     <p:sldId id="264" r:id="rId8"/>
     <p:sldId id="265" r:id="rId9"/>
+    <p:sldId id="266" r:id="rId10"/>
   </p:sldIdLst>
   <p:sldSz cx="12192000" cy="6858000"/>
   <p:notesSz cx="6858000" cy="9144000"/>
@@ -266,7 +267,7 @@
           <a:p>
             <a:fld id="{01F51C05-5A15-514B-95E9-DD31B96F01AD}" type="datetimeFigureOut">
               <a:rPr lang="en-US" smtClean="0"/>
-              <a:t>5/4/23</a:t>
+              <a:t>5/25/23</a:t>
             </a:fld>
             <a:endParaRPr lang="en-US"/>
           </a:p>
@@ -464,7 +465,7 @@
           <a:p>
             <a:fld id="{01F51C05-5A15-514B-95E9-DD31B96F01AD}" type="datetimeFigureOut">
               <a:rPr lang="en-US" smtClean="0"/>
-              <a:t>5/4/23</a:t>
+              <a:t>5/25/23</a:t>
             </a:fld>
             <a:endParaRPr lang="en-US"/>
           </a:p>
@@ -672,7 +673,7 @@
           <a:p>
             <a:fld id="{01F51C05-5A15-514B-95E9-DD31B96F01AD}" type="datetimeFigureOut">
               <a:rPr lang="en-US" smtClean="0"/>
-              <a:t>5/4/23</a:t>
+              <a:t>5/25/23</a:t>
             </a:fld>
             <a:endParaRPr lang="en-US"/>
           </a:p>
@@ -870,7 +871,7 @@
           <a:p>
             <a:fld id="{01F51C05-5A15-514B-95E9-DD31B96F01AD}" type="datetimeFigureOut">
               <a:rPr lang="en-US" smtClean="0"/>
-              <a:t>5/4/23</a:t>
+              <a:t>5/25/23</a:t>
             </a:fld>
             <a:endParaRPr lang="en-US"/>
           </a:p>
@@ -1145,7 +1146,7 @@
           <a:p>
             <a:fld id="{01F51C05-5A15-514B-95E9-DD31B96F01AD}" type="datetimeFigureOut">
               <a:rPr lang="en-US" smtClean="0"/>
-              <a:t>5/4/23</a:t>
+              <a:t>5/25/23</a:t>
             </a:fld>
             <a:endParaRPr lang="en-US"/>
           </a:p>
@@ -1410,7 +1411,7 @@
           <a:p>
             <a:fld id="{01F51C05-5A15-514B-95E9-DD31B96F01AD}" type="datetimeFigureOut">
               <a:rPr lang="en-US" smtClean="0"/>
-              <a:t>5/4/23</a:t>
+              <a:t>5/25/23</a:t>
             </a:fld>
             <a:endParaRPr lang="en-US"/>
           </a:p>
@@ -1822,7 +1823,7 @@
           <a:p>
             <a:fld id="{01F51C05-5A15-514B-95E9-DD31B96F01AD}" type="datetimeFigureOut">
               <a:rPr lang="en-US" smtClean="0"/>
-              <a:t>5/4/23</a:t>
+              <a:t>5/25/23</a:t>
             </a:fld>
             <a:endParaRPr lang="en-US"/>
           </a:p>
@@ -1963,7 +1964,7 @@
           <a:p>
             <a:fld id="{01F51C05-5A15-514B-95E9-DD31B96F01AD}" type="datetimeFigureOut">
               <a:rPr lang="en-US" smtClean="0"/>
-              <a:t>5/4/23</a:t>
+              <a:t>5/25/23</a:t>
             </a:fld>
             <a:endParaRPr lang="en-US"/>
           </a:p>
@@ -2076,7 +2077,7 @@
           <a:p>
             <a:fld id="{01F51C05-5A15-514B-95E9-DD31B96F01AD}" type="datetimeFigureOut">
               <a:rPr lang="en-US" smtClean="0"/>
-              <a:t>5/4/23</a:t>
+              <a:t>5/25/23</a:t>
             </a:fld>
             <a:endParaRPr lang="en-US"/>
           </a:p>
@@ -2387,7 +2388,7 @@
           <a:p>
             <a:fld id="{01F51C05-5A15-514B-95E9-DD31B96F01AD}" type="datetimeFigureOut">
               <a:rPr lang="en-US" smtClean="0"/>
-              <a:t>5/4/23</a:t>
+              <a:t>5/25/23</a:t>
             </a:fld>
             <a:endParaRPr lang="en-US"/>
           </a:p>
@@ -2675,7 +2676,7 @@
           <a:p>
             <a:fld id="{01F51C05-5A15-514B-95E9-DD31B96F01AD}" type="datetimeFigureOut">
               <a:rPr lang="en-US" smtClean="0"/>
-              <a:t>5/4/23</a:t>
+              <a:t>5/25/23</a:t>
             </a:fld>
             <a:endParaRPr lang="en-US"/>
           </a:p>
@@ -2916,7 +2917,7 @@
           <a:p>
             <a:fld id="{01F51C05-5A15-514B-95E9-DD31B96F01AD}" type="datetimeFigureOut">
               <a:rPr lang="en-US" smtClean="0"/>
-              <a:t>5/4/23</a:t>
+              <a:t>5/25/23</a:t>
             </a:fld>
             <a:endParaRPr lang="en-US"/>
           </a:p>
@@ -3444,8 +3445,8 @@
           </a:p>
         </p:txBody>
       </p:sp>
-      <mc:AlternateContent xmlns:mc="http://schemas.openxmlformats.org/markup-compatibility/2006">
-        <mc:Choice xmlns:a14="http://schemas.microsoft.com/office/drawing/2010/main" Requires="a14">
+      <mc:AlternateContent xmlns:mc="http://schemas.openxmlformats.org/markup-compatibility/2006" xmlns:a14="http://schemas.microsoft.com/office/drawing/2010/main">
+        <mc:Choice Requires="a14">
           <p:sp>
             <p:nvSpPr>
               <p:cNvPr id="5" name="TextBox 4">
@@ -4485,7 +4486,7 @@
             </p:txBody>
           </p:sp>
         </mc:Choice>
-        <mc:Fallback>
+        <mc:Fallback xmlns="">
           <p:sp>
             <p:nvSpPr>
               <p:cNvPr id="5" name="TextBox 4">
@@ -5490,8 +5491,8 @@
           </a:p>
         </p:txBody>
       </p:sp>
-      <mc:AlternateContent xmlns:mc="http://schemas.openxmlformats.org/markup-compatibility/2006">
-        <mc:Choice xmlns:a14="http://schemas.microsoft.com/office/drawing/2010/main" Requires="a14">
+      <mc:AlternateContent xmlns:mc="http://schemas.openxmlformats.org/markup-compatibility/2006" xmlns:a14="http://schemas.microsoft.com/office/drawing/2010/main">
+        <mc:Choice Requires="a14">
           <p:sp>
             <p:nvSpPr>
               <p:cNvPr id="83" name="TextBox 82">
@@ -5563,7 +5564,7 @@
             </p:txBody>
           </p:sp>
         </mc:Choice>
-        <mc:Fallback>
+        <mc:Fallback xmlns="">
           <p:sp>
             <p:nvSpPr>
               <p:cNvPr id="83" name="TextBox 82">
@@ -5608,8 +5609,8 @@
           </p:sp>
         </mc:Fallback>
       </mc:AlternateContent>
-      <mc:AlternateContent xmlns:mc="http://schemas.openxmlformats.org/markup-compatibility/2006">
-        <mc:Choice xmlns:a14="http://schemas.microsoft.com/office/drawing/2010/main" Requires="a14">
+      <mc:AlternateContent xmlns:mc="http://schemas.openxmlformats.org/markup-compatibility/2006" xmlns:a14="http://schemas.microsoft.com/office/drawing/2010/main">
+        <mc:Choice Requires="a14">
           <p:sp>
             <p:nvSpPr>
               <p:cNvPr id="85" name="TextBox 84">
@@ -5681,7 +5682,7 @@
             </p:txBody>
           </p:sp>
         </mc:Choice>
-        <mc:Fallback>
+        <mc:Fallback xmlns="">
           <p:sp>
             <p:nvSpPr>
               <p:cNvPr id="85" name="TextBox 84">
@@ -5726,8 +5727,8 @@
           </p:sp>
         </mc:Fallback>
       </mc:AlternateContent>
-      <mc:AlternateContent xmlns:mc="http://schemas.openxmlformats.org/markup-compatibility/2006">
-        <mc:Choice xmlns:a14="http://schemas.microsoft.com/office/drawing/2010/main" Requires="a14">
+      <mc:AlternateContent xmlns:mc="http://schemas.openxmlformats.org/markup-compatibility/2006" xmlns:a14="http://schemas.microsoft.com/office/drawing/2010/main">
+        <mc:Choice Requires="a14">
           <p:sp>
             <p:nvSpPr>
               <p:cNvPr id="86" name="TextBox 85">
@@ -5797,7 +5798,7 @@
             </p:txBody>
           </p:sp>
         </mc:Choice>
-        <mc:Fallback>
+        <mc:Fallback xmlns="">
           <p:sp>
             <p:nvSpPr>
               <p:cNvPr id="86" name="TextBox 85">
@@ -5842,8 +5843,8 @@
           </p:sp>
         </mc:Fallback>
       </mc:AlternateContent>
-      <mc:AlternateContent xmlns:mc="http://schemas.openxmlformats.org/markup-compatibility/2006">
-        <mc:Choice xmlns:a14="http://schemas.microsoft.com/office/drawing/2010/main" Requires="a14">
+      <mc:AlternateContent xmlns:mc="http://schemas.openxmlformats.org/markup-compatibility/2006" xmlns:a14="http://schemas.microsoft.com/office/drawing/2010/main">
+        <mc:Choice Requires="a14">
           <p:sp>
             <p:nvSpPr>
               <p:cNvPr id="87" name="TextBox 86">
@@ -5913,7 +5914,7 @@
             </p:txBody>
           </p:sp>
         </mc:Choice>
-        <mc:Fallback>
+        <mc:Fallback xmlns="">
           <p:sp>
             <p:nvSpPr>
               <p:cNvPr id="87" name="TextBox 86">
@@ -5958,8 +5959,8 @@
           </p:sp>
         </mc:Fallback>
       </mc:AlternateContent>
-      <mc:AlternateContent xmlns:mc="http://schemas.openxmlformats.org/markup-compatibility/2006">
-        <mc:Choice xmlns:a14="http://schemas.microsoft.com/office/drawing/2010/main" Requires="a14">
+      <mc:AlternateContent xmlns:mc="http://schemas.openxmlformats.org/markup-compatibility/2006" xmlns:a14="http://schemas.microsoft.com/office/drawing/2010/main">
+        <mc:Choice Requires="a14">
           <p:sp>
             <p:nvSpPr>
               <p:cNvPr id="88" name="TextBox 87">
@@ -6029,7 +6030,7 @@
             </p:txBody>
           </p:sp>
         </mc:Choice>
-        <mc:Fallback>
+        <mc:Fallback xmlns="">
           <p:sp>
             <p:nvSpPr>
               <p:cNvPr id="88" name="TextBox 87">
@@ -6074,8 +6075,8 @@
           </p:sp>
         </mc:Fallback>
       </mc:AlternateContent>
-      <mc:AlternateContent xmlns:mc="http://schemas.openxmlformats.org/markup-compatibility/2006">
-        <mc:Choice xmlns:a14="http://schemas.microsoft.com/office/drawing/2010/main" Requires="a14">
+      <mc:AlternateContent xmlns:mc="http://schemas.openxmlformats.org/markup-compatibility/2006" xmlns:a14="http://schemas.microsoft.com/office/drawing/2010/main">
+        <mc:Choice Requires="a14">
           <p:sp>
             <p:nvSpPr>
               <p:cNvPr id="89" name="TextBox 88">
@@ -6145,7 +6146,7 @@
             </p:txBody>
           </p:sp>
         </mc:Choice>
-        <mc:Fallback>
+        <mc:Fallback xmlns="">
           <p:sp>
             <p:nvSpPr>
               <p:cNvPr id="89" name="TextBox 88">
@@ -6505,8 +6506,8 @@
           </a:p>
         </p:txBody>
       </p:sp>
-      <mc:AlternateContent xmlns:mc="http://schemas.openxmlformats.org/markup-compatibility/2006">
-        <mc:Choice xmlns:a14="http://schemas.microsoft.com/office/drawing/2010/main" Requires="a14">
+      <mc:AlternateContent xmlns:mc="http://schemas.openxmlformats.org/markup-compatibility/2006" xmlns:a14="http://schemas.microsoft.com/office/drawing/2010/main">
+        <mc:Choice Requires="a14">
           <p:sp>
             <p:nvSpPr>
               <p:cNvPr id="3" name="TextBox 2">
@@ -6755,7 +6756,7 @@
             </p:txBody>
           </p:sp>
         </mc:Choice>
-        <mc:Fallback>
+        <mc:Fallback xmlns="">
           <p:sp>
             <p:nvSpPr>
               <p:cNvPr id="3" name="TextBox 2">
@@ -6917,8 +6918,8 @@
           </a:p>
         </p:txBody>
       </p:sp>
-      <mc:AlternateContent xmlns:mc="http://schemas.openxmlformats.org/markup-compatibility/2006">
-        <mc:Choice xmlns:a14="http://schemas.microsoft.com/office/drawing/2010/main" Requires="a14">
+      <mc:AlternateContent xmlns:mc="http://schemas.openxmlformats.org/markup-compatibility/2006" xmlns:a14="http://schemas.microsoft.com/office/drawing/2010/main">
+        <mc:Choice Requires="a14">
           <p:sp>
             <p:nvSpPr>
               <p:cNvPr id="5" name="TextBox 4">
@@ -7143,7 +7144,7 @@
             </p:txBody>
           </p:sp>
         </mc:Choice>
-        <mc:Fallback>
+        <mc:Fallback xmlns="">
           <p:sp>
             <p:nvSpPr>
               <p:cNvPr id="5" name="TextBox 4">
@@ -8148,8 +8149,8 @@
           </a:p>
         </p:txBody>
       </p:sp>
-      <mc:AlternateContent xmlns:mc="http://schemas.openxmlformats.org/markup-compatibility/2006">
-        <mc:Choice xmlns:a14="http://schemas.microsoft.com/office/drawing/2010/main" Requires="a14">
+      <mc:AlternateContent xmlns:mc="http://schemas.openxmlformats.org/markup-compatibility/2006" xmlns:a14="http://schemas.microsoft.com/office/drawing/2010/main">
+        <mc:Choice Requires="a14">
           <p:sp>
             <p:nvSpPr>
               <p:cNvPr id="83" name="TextBox 82">
@@ -8219,7 +8220,7 @@
             </p:txBody>
           </p:sp>
         </mc:Choice>
-        <mc:Fallback>
+        <mc:Fallback xmlns="">
           <p:sp>
             <p:nvSpPr>
               <p:cNvPr id="83" name="TextBox 82">
@@ -8264,8 +8265,8 @@
           </p:sp>
         </mc:Fallback>
       </mc:AlternateContent>
-      <mc:AlternateContent xmlns:mc="http://schemas.openxmlformats.org/markup-compatibility/2006">
-        <mc:Choice xmlns:a14="http://schemas.microsoft.com/office/drawing/2010/main" Requires="a14">
+      <mc:AlternateContent xmlns:mc="http://schemas.openxmlformats.org/markup-compatibility/2006" xmlns:a14="http://schemas.microsoft.com/office/drawing/2010/main">
+        <mc:Choice Requires="a14">
           <p:sp>
             <p:nvSpPr>
               <p:cNvPr id="85" name="TextBox 84">
@@ -8335,7 +8336,7 @@
             </p:txBody>
           </p:sp>
         </mc:Choice>
-        <mc:Fallback>
+        <mc:Fallback xmlns="">
           <p:sp>
             <p:nvSpPr>
               <p:cNvPr id="85" name="TextBox 84">
@@ -8380,8 +8381,8 @@
           </p:sp>
         </mc:Fallback>
       </mc:AlternateContent>
-      <mc:AlternateContent xmlns:mc="http://schemas.openxmlformats.org/markup-compatibility/2006">
-        <mc:Choice xmlns:a14="http://schemas.microsoft.com/office/drawing/2010/main" Requires="a14">
+      <mc:AlternateContent xmlns:mc="http://schemas.openxmlformats.org/markup-compatibility/2006" xmlns:a14="http://schemas.microsoft.com/office/drawing/2010/main">
+        <mc:Choice Requires="a14">
           <p:sp>
             <p:nvSpPr>
               <p:cNvPr id="86" name="TextBox 85">
@@ -8451,7 +8452,7 @@
             </p:txBody>
           </p:sp>
         </mc:Choice>
-        <mc:Fallback>
+        <mc:Fallback xmlns="">
           <p:sp>
             <p:nvSpPr>
               <p:cNvPr id="86" name="TextBox 85">
@@ -8496,8 +8497,8 @@
           </p:sp>
         </mc:Fallback>
       </mc:AlternateContent>
-      <mc:AlternateContent xmlns:mc="http://schemas.openxmlformats.org/markup-compatibility/2006">
-        <mc:Choice xmlns:a14="http://schemas.microsoft.com/office/drawing/2010/main" Requires="a14">
+      <mc:AlternateContent xmlns:mc="http://schemas.openxmlformats.org/markup-compatibility/2006" xmlns:a14="http://schemas.microsoft.com/office/drawing/2010/main">
+        <mc:Choice Requires="a14">
           <p:sp>
             <p:nvSpPr>
               <p:cNvPr id="87" name="TextBox 86">
@@ -8567,7 +8568,7 @@
             </p:txBody>
           </p:sp>
         </mc:Choice>
-        <mc:Fallback>
+        <mc:Fallback xmlns="">
           <p:sp>
             <p:nvSpPr>
               <p:cNvPr id="87" name="TextBox 86">
@@ -8612,8 +8613,8 @@
           </p:sp>
         </mc:Fallback>
       </mc:AlternateContent>
-      <mc:AlternateContent xmlns:mc="http://schemas.openxmlformats.org/markup-compatibility/2006">
-        <mc:Choice xmlns:a14="http://schemas.microsoft.com/office/drawing/2010/main" Requires="a14">
+      <mc:AlternateContent xmlns:mc="http://schemas.openxmlformats.org/markup-compatibility/2006" xmlns:a14="http://schemas.microsoft.com/office/drawing/2010/main">
+        <mc:Choice Requires="a14">
           <p:sp>
             <p:nvSpPr>
               <p:cNvPr id="88" name="TextBox 87">
@@ -8683,7 +8684,7 @@
             </p:txBody>
           </p:sp>
         </mc:Choice>
-        <mc:Fallback>
+        <mc:Fallback xmlns="">
           <p:sp>
             <p:nvSpPr>
               <p:cNvPr id="88" name="TextBox 87">
@@ -8728,8 +8729,8 @@
           </p:sp>
         </mc:Fallback>
       </mc:AlternateContent>
-      <mc:AlternateContent xmlns:mc="http://schemas.openxmlformats.org/markup-compatibility/2006">
-        <mc:Choice xmlns:a14="http://schemas.microsoft.com/office/drawing/2010/main" Requires="a14">
+      <mc:AlternateContent xmlns:mc="http://schemas.openxmlformats.org/markup-compatibility/2006" xmlns:a14="http://schemas.microsoft.com/office/drawing/2010/main">
+        <mc:Choice Requires="a14">
           <p:sp>
             <p:nvSpPr>
               <p:cNvPr id="89" name="TextBox 88">
@@ -8799,7 +8800,7 @@
             </p:txBody>
           </p:sp>
         </mc:Choice>
-        <mc:Fallback>
+        <mc:Fallback xmlns="">
           <p:sp>
             <p:nvSpPr>
               <p:cNvPr id="89" name="TextBox 88">
@@ -9356,8 +9357,8 @@
           </a:fontRef>
         </p:style>
       </p:cxnSp>
-      <mc:AlternateContent xmlns:mc="http://schemas.openxmlformats.org/markup-compatibility/2006">
-        <mc:Choice xmlns:a14="http://schemas.microsoft.com/office/drawing/2010/main" Requires="a14">
+      <mc:AlternateContent xmlns:mc="http://schemas.openxmlformats.org/markup-compatibility/2006" xmlns:a14="http://schemas.microsoft.com/office/drawing/2010/main">
+        <mc:Choice Requires="a14">
           <p:sp>
             <p:nvSpPr>
               <p:cNvPr id="124" name="TextBox 123">
@@ -9414,7 +9415,7 @@
             </p:txBody>
           </p:sp>
         </mc:Choice>
-        <mc:Fallback>
+        <mc:Fallback xmlns="">
           <p:sp>
             <p:nvSpPr>
               <p:cNvPr id="124" name="TextBox 123">
@@ -9459,8 +9460,8 @@
           </p:sp>
         </mc:Fallback>
       </mc:AlternateContent>
-      <mc:AlternateContent xmlns:mc="http://schemas.openxmlformats.org/markup-compatibility/2006">
-        <mc:Choice xmlns:a14="http://schemas.microsoft.com/office/drawing/2010/main" Requires="a14">
+      <mc:AlternateContent xmlns:mc="http://schemas.openxmlformats.org/markup-compatibility/2006" xmlns:a14="http://schemas.microsoft.com/office/drawing/2010/main">
+        <mc:Choice Requires="a14">
           <p:sp>
             <p:nvSpPr>
               <p:cNvPr id="125" name="TextBox 124">
@@ -9517,7 +9518,7 @@
             </p:txBody>
           </p:sp>
         </mc:Choice>
-        <mc:Fallback>
+        <mc:Fallback xmlns="">
           <p:sp>
             <p:nvSpPr>
               <p:cNvPr id="125" name="TextBox 124">
@@ -9562,8 +9563,8 @@
           </p:sp>
         </mc:Fallback>
       </mc:AlternateContent>
-      <mc:AlternateContent xmlns:mc="http://schemas.openxmlformats.org/markup-compatibility/2006">
-        <mc:Choice xmlns:a14="http://schemas.microsoft.com/office/drawing/2010/main" Requires="a14">
+      <mc:AlternateContent xmlns:mc="http://schemas.openxmlformats.org/markup-compatibility/2006" xmlns:a14="http://schemas.microsoft.com/office/drawing/2010/main">
+        <mc:Choice Requires="a14">
           <p:sp>
             <p:nvSpPr>
               <p:cNvPr id="126" name="TextBox 125">
@@ -9620,7 +9621,7 @@
             </p:txBody>
           </p:sp>
         </mc:Choice>
-        <mc:Fallback>
+        <mc:Fallback xmlns="">
           <p:sp>
             <p:nvSpPr>
               <p:cNvPr id="126" name="TextBox 125">
@@ -9980,8 +9981,8 @@
           </a:p>
         </p:txBody>
       </p:sp>
-      <mc:AlternateContent xmlns:mc="http://schemas.openxmlformats.org/markup-compatibility/2006">
-        <mc:Choice xmlns:a14="http://schemas.microsoft.com/office/drawing/2010/main" Requires="a14">
+      <mc:AlternateContent xmlns:mc="http://schemas.openxmlformats.org/markup-compatibility/2006" xmlns:a14="http://schemas.microsoft.com/office/drawing/2010/main">
+        <mc:Choice Requires="a14">
           <p:graphicFrame>
             <p:nvGraphicFramePr>
               <p:cNvPr id="2" name="Table 8">
@@ -12659,7 +12660,7 @@
             </a:graphic>
           </p:graphicFrame>
         </mc:Choice>
-        <mc:Fallback>
+        <mc:Fallback xmlns="">
           <p:graphicFrame>
             <p:nvGraphicFramePr>
               <p:cNvPr id="2" name="Table 8">
@@ -16902,8 +16903,8 @@
           </a:fontRef>
         </p:style>
       </p:cxnSp>
-      <mc:AlternateContent xmlns:mc="http://schemas.openxmlformats.org/markup-compatibility/2006">
-        <mc:Choice xmlns:a14="http://schemas.microsoft.com/office/drawing/2010/main" Requires="a14">
+      <mc:AlternateContent xmlns:mc="http://schemas.openxmlformats.org/markup-compatibility/2006" xmlns:a14="http://schemas.microsoft.com/office/drawing/2010/main">
+        <mc:Choice Requires="a14">
           <p:sp>
             <p:nvSpPr>
               <p:cNvPr id="68" name="TextBox 67">
@@ -16977,7 +16978,7 @@
             </p:txBody>
           </p:sp>
         </mc:Choice>
-        <mc:Fallback>
+        <mc:Fallback xmlns="">
           <p:sp>
             <p:nvSpPr>
               <p:cNvPr id="68" name="TextBox 67">
@@ -17732,8 +17733,8 @@
           </p:sp>
         </mc:Fallback>
       </mc:AlternateContent>
-      <mc:AlternateContent xmlns:mc="http://schemas.openxmlformats.org/markup-compatibility/2006">
-        <mc:Choice xmlns:a14="http://schemas.microsoft.com/office/drawing/2010/main" Requires="a14">
+      <mc:AlternateContent xmlns:mc="http://schemas.openxmlformats.org/markup-compatibility/2006" xmlns:a14="http://schemas.microsoft.com/office/drawing/2010/main">
+        <mc:Choice Requires="a14">
           <p:sp>
             <p:nvSpPr>
               <p:cNvPr id="97" name="TextBox 96">
@@ -17788,7 +17789,7 @@
             </p:txBody>
           </p:sp>
         </mc:Choice>
-        <mc:Fallback>
+        <mc:Fallback xmlns="">
           <p:sp>
             <p:nvSpPr>
               <p:cNvPr id="97" name="TextBox 96">
@@ -18201,8 +18202,8 @@
           </p:sp>
         </mc:Fallback>
       </mc:AlternateContent>
-      <mc:AlternateContent xmlns:mc="http://schemas.openxmlformats.org/markup-compatibility/2006">
-        <mc:Choice xmlns:a14="http://schemas.microsoft.com/office/drawing/2010/main" Requires="a14">
+      <mc:AlternateContent xmlns:mc="http://schemas.openxmlformats.org/markup-compatibility/2006" xmlns:a14="http://schemas.microsoft.com/office/drawing/2010/main">
+        <mc:Choice Requires="a14">
           <p:sp>
             <p:nvSpPr>
               <p:cNvPr id="102" name="TextBox 101">
@@ -18283,7 +18284,7 @@
             </p:txBody>
           </p:sp>
         </mc:Choice>
-        <mc:Fallback>
+        <mc:Fallback xmlns="">
           <p:sp>
             <p:nvSpPr>
               <p:cNvPr id="102" name="TextBox 101">
@@ -18488,8 +18489,8 @@
           <a:chExt cx="0" cy="0"/>
         </a:xfrm>
       </p:grpSpPr>
-      <mc:AlternateContent xmlns:mc="http://schemas.openxmlformats.org/markup-compatibility/2006">
-        <mc:Choice xmlns:a14="http://schemas.microsoft.com/office/drawing/2010/main" Requires="a14">
+      <mc:AlternateContent xmlns:mc="http://schemas.openxmlformats.org/markup-compatibility/2006" xmlns:a14="http://schemas.microsoft.com/office/drawing/2010/main">
+        <mc:Choice Requires="a14">
           <p:sp>
             <p:nvSpPr>
               <p:cNvPr id="2" name="TextBox 1">
@@ -18889,7 +18890,7 @@
             </p:txBody>
           </p:sp>
         </mc:Choice>
-        <mc:Fallback>
+        <mc:Fallback xmlns="">
           <p:sp>
             <p:nvSpPr>
               <p:cNvPr id="2" name="TextBox 1">
@@ -18939,8 +18940,8 @@
           </p:sp>
         </mc:Fallback>
       </mc:AlternateContent>
-      <mc:AlternateContent xmlns:mc="http://schemas.openxmlformats.org/markup-compatibility/2006">
-        <mc:Choice xmlns:a14="http://schemas.microsoft.com/office/drawing/2010/main" Requires="a14">
+      <mc:AlternateContent xmlns:mc="http://schemas.openxmlformats.org/markup-compatibility/2006" xmlns:a14="http://schemas.microsoft.com/office/drawing/2010/main">
+        <mc:Choice Requires="a14">
           <p:sp>
             <p:nvSpPr>
               <p:cNvPr id="11" name="TextBox 10">
@@ -20230,7 +20231,7 @@
             </p:txBody>
           </p:sp>
         </mc:Choice>
-        <mc:Fallback>
+        <mc:Fallback xmlns="">
           <p:sp>
             <p:nvSpPr>
               <p:cNvPr id="11" name="TextBox 10">
@@ -20280,8 +20281,8 @@
           </p:sp>
         </mc:Fallback>
       </mc:AlternateContent>
-      <mc:AlternateContent xmlns:mc="http://schemas.openxmlformats.org/markup-compatibility/2006">
-        <mc:Choice xmlns:a14="http://schemas.microsoft.com/office/drawing/2010/main" Requires="a14">
+      <mc:AlternateContent xmlns:mc="http://schemas.openxmlformats.org/markup-compatibility/2006" xmlns:a14="http://schemas.microsoft.com/office/drawing/2010/main">
+        <mc:Choice Requires="a14">
           <p:sp>
             <p:nvSpPr>
               <p:cNvPr id="16" name="TextBox 15">
@@ -21675,7 +21676,7 @@
             </p:txBody>
           </p:sp>
         </mc:Choice>
-        <mc:Fallback>
+        <mc:Fallback xmlns="">
           <p:sp>
             <p:nvSpPr>
               <p:cNvPr id="16" name="TextBox 15">
@@ -21765,8 +21766,8 @@
           </a:p>
         </p:txBody>
       </p:sp>
-      <mc:AlternateContent xmlns:mc="http://schemas.openxmlformats.org/markup-compatibility/2006">
-        <mc:Choice xmlns:a14="http://schemas.microsoft.com/office/drawing/2010/main" Requires="a14">
+      <mc:AlternateContent xmlns:mc="http://schemas.openxmlformats.org/markup-compatibility/2006" xmlns:a14="http://schemas.microsoft.com/office/drawing/2010/main">
+        <mc:Choice Requires="a14">
           <p:sp>
             <p:nvSpPr>
               <p:cNvPr id="4" name="TextBox 3">
@@ -22217,7 +22218,7 @@
             </p:txBody>
           </p:sp>
         </mc:Choice>
-        <mc:Fallback>
+        <mc:Fallback xmlns="">
           <p:sp>
             <p:nvSpPr>
               <p:cNvPr id="4" name="TextBox 3">
@@ -22568,8 +22569,8 @@
           </a:p>
         </p:txBody>
       </p:sp>
-      <mc:AlternateContent xmlns:mc="http://schemas.openxmlformats.org/markup-compatibility/2006">
-        <mc:Choice xmlns:a14="http://schemas.microsoft.com/office/drawing/2010/main" Requires="a14">
+      <mc:AlternateContent xmlns:mc="http://schemas.openxmlformats.org/markup-compatibility/2006" xmlns:a14="http://schemas.microsoft.com/office/drawing/2010/main">
+        <mc:Choice Requires="a14">
           <p:graphicFrame>
             <p:nvGraphicFramePr>
               <p:cNvPr id="17" name="Table 8">
@@ -24086,7 +24087,7 @@
             </a:graphic>
           </p:graphicFrame>
         </mc:Choice>
-        <mc:Fallback>
+        <mc:Fallback xmlns="">
           <p:graphicFrame>
             <p:nvGraphicFramePr>
               <p:cNvPr id="17" name="Table 8">
@@ -25225,8 +25226,8 @@
           </p:graphicFrame>
         </mc:Fallback>
       </mc:AlternateContent>
-      <mc:AlternateContent xmlns:mc="http://schemas.openxmlformats.org/markup-compatibility/2006">
-        <mc:Choice xmlns:a14="http://schemas.microsoft.com/office/drawing/2010/main" Requires="a14">
+      <mc:AlternateContent xmlns:mc="http://schemas.openxmlformats.org/markup-compatibility/2006" xmlns:a14="http://schemas.microsoft.com/office/drawing/2010/main">
+        <mc:Choice Requires="a14">
           <p:sp>
             <p:nvSpPr>
               <p:cNvPr id="33" name="TextBox 32">
@@ -25509,7 +25510,7 @@
             </p:txBody>
           </p:sp>
         </mc:Choice>
-        <mc:Fallback>
+        <mc:Fallback xmlns="">
           <p:sp>
             <p:nvSpPr>
               <p:cNvPr id="33" name="TextBox 32">
@@ -25554,8 +25555,8 @@
           </p:sp>
         </mc:Fallback>
       </mc:AlternateContent>
-      <mc:AlternateContent xmlns:mc="http://schemas.openxmlformats.org/markup-compatibility/2006">
-        <mc:Choice xmlns:a14="http://schemas.microsoft.com/office/drawing/2010/main" Requires="a14">
+      <mc:AlternateContent xmlns:mc="http://schemas.openxmlformats.org/markup-compatibility/2006" xmlns:a14="http://schemas.microsoft.com/office/drawing/2010/main">
+        <mc:Choice Requires="a14">
           <p:sp>
             <p:nvSpPr>
               <p:cNvPr id="36" name="TextBox 35">
@@ -25835,7 +25836,7 @@
             </p:txBody>
           </p:sp>
         </mc:Choice>
-        <mc:Fallback>
+        <mc:Fallback xmlns="">
           <p:sp>
             <p:nvSpPr>
               <p:cNvPr id="36" name="TextBox 35">
@@ -25880,8 +25881,8 @@
           </p:sp>
         </mc:Fallback>
       </mc:AlternateContent>
-      <mc:AlternateContent xmlns:mc="http://schemas.openxmlformats.org/markup-compatibility/2006">
-        <mc:Choice xmlns:a14="http://schemas.microsoft.com/office/drawing/2010/main" Requires="a14">
+      <mc:AlternateContent xmlns:mc="http://schemas.openxmlformats.org/markup-compatibility/2006" xmlns:a14="http://schemas.microsoft.com/office/drawing/2010/main">
+        <mc:Choice Requires="a14">
           <p:sp>
             <p:nvSpPr>
               <p:cNvPr id="39" name="TextBox 38">
@@ -26063,7 +26064,7 @@
             </p:txBody>
           </p:sp>
         </mc:Choice>
-        <mc:Fallback>
+        <mc:Fallback xmlns="">
           <p:sp>
             <p:nvSpPr>
               <p:cNvPr id="39" name="TextBox 38">
@@ -26108,8 +26109,8 @@
           </p:sp>
         </mc:Fallback>
       </mc:AlternateContent>
-      <mc:AlternateContent xmlns:mc="http://schemas.openxmlformats.org/markup-compatibility/2006">
-        <mc:Choice xmlns:a14="http://schemas.microsoft.com/office/drawing/2010/main" Requires="a14">
+      <mc:AlternateContent xmlns:mc="http://schemas.openxmlformats.org/markup-compatibility/2006" xmlns:a14="http://schemas.microsoft.com/office/drawing/2010/main">
+        <mc:Choice Requires="a14">
           <p:sp>
             <p:nvSpPr>
               <p:cNvPr id="40" name="TextBox 39">
@@ -26253,7 +26254,7 @@
             </p:txBody>
           </p:sp>
         </mc:Choice>
-        <mc:Fallback>
+        <mc:Fallback xmlns="">
           <p:sp>
             <p:nvSpPr>
               <p:cNvPr id="40" name="TextBox 39">
@@ -26352,8 +26353,8 @@
           </a:p>
         </p:txBody>
       </p:sp>
-      <mc:AlternateContent xmlns:mc="http://schemas.openxmlformats.org/markup-compatibility/2006">
-        <mc:Choice xmlns:a14="http://schemas.microsoft.com/office/drawing/2010/main" Requires="a14">
+      <mc:AlternateContent xmlns:mc="http://schemas.openxmlformats.org/markup-compatibility/2006" xmlns:a14="http://schemas.microsoft.com/office/drawing/2010/main">
+        <mc:Choice Requires="a14">
           <p:sp>
             <p:nvSpPr>
               <p:cNvPr id="44" name="TextBox 43">
@@ -26423,7 +26424,7 @@
             </p:txBody>
           </p:sp>
         </mc:Choice>
-        <mc:Fallback>
+        <mc:Fallback xmlns="">
           <p:sp>
             <p:nvSpPr>
               <p:cNvPr id="44" name="TextBox 43">
@@ -26558,8 +26559,8 @@
           </a:fontRef>
         </p:style>
       </p:cxnSp>
-      <mc:AlternateContent xmlns:mc="http://schemas.openxmlformats.org/markup-compatibility/2006">
-        <mc:Choice xmlns:a14="http://schemas.microsoft.com/office/drawing/2010/main" Requires="a14">
+      <mc:AlternateContent xmlns:mc="http://schemas.openxmlformats.org/markup-compatibility/2006" xmlns:a14="http://schemas.microsoft.com/office/drawing/2010/main">
+        <mc:Choice Requires="a14">
           <p:sp>
             <p:nvSpPr>
               <p:cNvPr id="30" name="TextBox 29">
@@ -26588,6 +26589,7 @@
               </a:bodyPr>
               <a:lstStyle/>
               <a:p>
+                <a:pPr/>
                 <a14:m>
                   <m:oMathPara xmlns:m="http://schemas.openxmlformats.org/officeDocument/2006/math">
                     <m:oMathParaPr>
@@ -26633,7 +26635,7 @@
             </p:txBody>
           </p:sp>
         </mc:Choice>
-        <mc:Fallback>
+        <mc:Fallback xmlns="">
           <p:sp>
             <p:nvSpPr>
               <p:cNvPr id="30" name="TextBox 29">
@@ -26678,8 +26680,8 @@
           </p:sp>
         </mc:Fallback>
       </mc:AlternateContent>
-      <mc:AlternateContent xmlns:mc="http://schemas.openxmlformats.org/markup-compatibility/2006">
-        <mc:Choice xmlns:a14="http://schemas.microsoft.com/office/drawing/2010/main" Requires="a14">
+      <mc:AlternateContent xmlns:mc="http://schemas.openxmlformats.org/markup-compatibility/2006" xmlns:a14="http://schemas.microsoft.com/office/drawing/2010/main">
+        <mc:Choice Requires="a14">
           <p:sp>
             <p:nvSpPr>
               <p:cNvPr id="42" name="TextBox 41">
@@ -26708,6 +26710,7 @@
               </a:bodyPr>
               <a:lstStyle/>
               <a:p>
+                <a:pPr/>
                 <a14:m>
                   <m:oMathPara xmlns:m="http://schemas.openxmlformats.org/officeDocument/2006/math">
                     <m:oMathParaPr>
@@ -26753,7 +26756,7 @@
             </p:txBody>
           </p:sp>
         </mc:Choice>
-        <mc:Fallback>
+        <mc:Fallback xmlns="">
           <p:sp>
             <p:nvSpPr>
               <p:cNvPr id="42" name="TextBox 41">
@@ -26798,8 +26801,8 @@
           </p:sp>
         </mc:Fallback>
       </mc:AlternateContent>
-      <mc:AlternateContent xmlns:mc="http://schemas.openxmlformats.org/markup-compatibility/2006">
-        <mc:Choice xmlns:a14="http://schemas.microsoft.com/office/drawing/2010/main" Requires="a14">
+      <mc:AlternateContent xmlns:mc="http://schemas.openxmlformats.org/markup-compatibility/2006" xmlns:a14="http://schemas.microsoft.com/office/drawing/2010/main">
+        <mc:Choice Requires="a14">
           <p:sp>
             <p:nvSpPr>
               <p:cNvPr id="46" name="TextBox 45">
@@ -26828,6 +26831,7 @@
               </a:bodyPr>
               <a:lstStyle/>
               <a:p>
+                <a:pPr/>
                 <a14:m>
                   <m:oMathPara xmlns:m="http://schemas.openxmlformats.org/officeDocument/2006/math">
                     <m:oMathParaPr>
@@ -26873,7 +26877,7 @@
             </p:txBody>
           </p:sp>
         </mc:Choice>
-        <mc:Fallback>
+        <mc:Fallback xmlns="">
           <p:sp>
             <p:nvSpPr>
               <p:cNvPr id="46" name="TextBox 45">
@@ -26918,8 +26922,8 @@
           </p:sp>
         </mc:Fallback>
       </mc:AlternateContent>
-      <mc:AlternateContent xmlns:mc="http://schemas.openxmlformats.org/markup-compatibility/2006">
-        <mc:Choice xmlns:a14="http://schemas.microsoft.com/office/drawing/2010/main" Requires="a14">
+      <mc:AlternateContent xmlns:mc="http://schemas.openxmlformats.org/markup-compatibility/2006" xmlns:a14="http://schemas.microsoft.com/office/drawing/2010/main">
+        <mc:Choice Requires="a14">
           <p:sp>
             <p:nvSpPr>
               <p:cNvPr id="47" name="TextBox 46">
@@ -26948,6 +26952,7 @@
               </a:bodyPr>
               <a:lstStyle/>
               <a:p>
+                <a:pPr/>
                 <a14:m>
                   <m:oMathPara xmlns:m="http://schemas.openxmlformats.org/officeDocument/2006/math">
                     <m:oMathParaPr>
@@ -26993,7 +26998,7 @@
             </p:txBody>
           </p:sp>
         </mc:Choice>
-        <mc:Fallback>
+        <mc:Fallback xmlns="">
           <p:sp>
             <p:nvSpPr>
               <p:cNvPr id="47" name="TextBox 46">
@@ -27089,8 +27094,8 @@
           </a:p>
         </p:txBody>
       </p:sp>
-      <mc:AlternateContent xmlns:mc="http://schemas.openxmlformats.org/markup-compatibility/2006">
-        <mc:Choice xmlns:a14="http://schemas.microsoft.com/office/drawing/2010/main" Requires="a14">
+      <mc:AlternateContent xmlns:mc="http://schemas.openxmlformats.org/markup-compatibility/2006" xmlns:a14="http://schemas.microsoft.com/office/drawing/2010/main">
+        <mc:Choice Requires="a14">
           <p:sp>
             <p:nvSpPr>
               <p:cNvPr id="64" name="TextBox 63">
@@ -27188,7 +27193,7 @@
             </p:txBody>
           </p:sp>
         </mc:Choice>
-        <mc:Fallback>
+        <mc:Fallback xmlns="">
           <p:sp>
             <p:nvSpPr>
               <p:cNvPr id="64" name="TextBox 63">
@@ -27233,8 +27238,8 @@
           </p:sp>
         </mc:Fallback>
       </mc:AlternateContent>
-      <mc:AlternateContent xmlns:mc="http://schemas.openxmlformats.org/markup-compatibility/2006">
-        <mc:Choice xmlns:a14="http://schemas.microsoft.com/office/drawing/2010/main" Requires="a14">
+      <mc:AlternateContent xmlns:mc="http://schemas.openxmlformats.org/markup-compatibility/2006" xmlns:a14="http://schemas.microsoft.com/office/drawing/2010/main">
+        <mc:Choice Requires="a14">
           <p:sp>
             <p:nvSpPr>
               <p:cNvPr id="65" name="TextBox 64">
@@ -27332,7 +27337,7 @@
             </p:txBody>
           </p:sp>
         </mc:Choice>
-        <mc:Fallback>
+        <mc:Fallback xmlns="">
           <p:sp>
             <p:nvSpPr>
               <p:cNvPr id="65" name="TextBox 64">
@@ -27377,8 +27382,8 @@
           </p:sp>
         </mc:Fallback>
       </mc:AlternateContent>
-      <mc:AlternateContent xmlns:mc="http://schemas.openxmlformats.org/markup-compatibility/2006">
-        <mc:Choice xmlns:a14="http://schemas.microsoft.com/office/drawing/2010/main" Requires="a14">
+      <mc:AlternateContent xmlns:mc="http://schemas.openxmlformats.org/markup-compatibility/2006" xmlns:a14="http://schemas.microsoft.com/office/drawing/2010/main">
+        <mc:Choice Requires="a14">
           <p:sp>
             <p:nvSpPr>
               <p:cNvPr id="66" name="TextBox 65">
@@ -27476,7 +27481,7 @@
             </p:txBody>
           </p:sp>
         </mc:Choice>
-        <mc:Fallback>
+        <mc:Fallback xmlns="">
           <p:sp>
             <p:nvSpPr>
               <p:cNvPr id="66" name="TextBox 65">
@@ -27521,8 +27526,8 @@
           </p:sp>
         </mc:Fallback>
       </mc:AlternateContent>
-      <mc:AlternateContent xmlns:mc="http://schemas.openxmlformats.org/markup-compatibility/2006">
-        <mc:Choice xmlns:a14="http://schemas.microsoft.com/office/drawing/2010/main" Requires="a14">
+      <mc:AlternateContent xmlns:mc="http://schemas.openxmlformats.org/markup-compatibility/2006" xmlns:a14="http://schemas.microsoft.com/office/drawing/2010/main">
+        <mc:Choice Requires="a14">
           <p:sp>
             <p:nvSpPr>
               <p:cNvPr id="67" name="TextBox 66">
@@ -27585,7 +27590,7 @@
             </p:txBody>
           </p:sp>
         </mc:Choice>
-        <mc:Fallback>
+        <mc:Fallback xmlns="">
           <p:sp>
             <p:nvSpPr>
               <p:cNvPr id="67" name="TextBox 66">
@@ -27630,8 +27635,8 @@
           </p:sp>
         </mc:Fallback>
       </mc:AlternateContent>
-      <mc:AlternateContent xmlns:mc="http://schemas.openxmlformats.org/markup-compatibility/2006">
-        <mc:Choice xmlns:a14="http://schemas.microsoft.com/office/drawing/2010/main" Requires="a14">
+      <mc:AlternateContent xmlns:mc="http://schemas.openxmlformats.org/markup-compatibility/2006" xmlns:a14="http://schemas.microsoft.com/office/drawing/2010/main">
+        <mc:Choice Requires="a14">
           <p:sp>
             <p:nvSpPr>
               <p:cNvPr id="68" name="TextBox 67">
@@ -27738,7 +27743,7 @@
             </p:txBody>
           </p:sp>
         </mc:Choice>
-        <mc:Fallback>
+        <mc:Fallback xmlns="">
           <p:sp>
             <p:nvSpPr>
               <p:cNvPr id="68" name="TextBox 67">
@@ -27783,8 +27788,8 @@
           </p:sp>
         </mc:Fallback>
       </mc:AlternateContent>
-      <mc:AlternateContent xmlns:mc="http://schemas.openxmlformats.org/markup-compatibility/2006">
-        <mc:Choice xmlns:a14="http://schemas.microsoft.com/office/drawing/2010/main" Requires="a14">
+      <mc:AlternateContent xmlns:mc="http://schemas.openxmlformats.org/markup-compatibility/2006" xmlns:a14="http://schemas.microsoft.com/office/drawing/2010/main">
+        <mc:Choice Requires="a14">
           <p:sp>
             <p:nvSpPr>
               <p:cNvPr id="69" name="TextBox 68">
@@ -27891,7 +27896,7 @@
             </p:txBody>
           </p:sp>
         </mc:Choice>
-        <mc:Fallback>
+        <mc:Fallback xmlns="">
           <p:sp>
             <p:nvSpPr>
               <p:cNvPr id="69" name="TextBox 68">
@@ -27936,8 +27941,8 @@
           </p:sp>
         </mc:Fallback>
       </mc:AlternateContent>
-      <mc:AlternateContent xmlns:mc="http://schemas.openxmlformats.org/markup-compatibility/2006">
-        <mc:Choice xmlns:a14="http://schemas.microsoft.com/office/drawing/2010/main" Requires="a14">
+      <mc:AlternateContent xmlns:mc="http://schemas.openxmlformats.org/markup-compatibility/2006" xmlns:a14="http://schemas.microsoft.com/office/drawing/2010/main">
+        <mc:Choice Requires="a14">
           <p:sp>
             <p:nvSpPr>
               <p:cNvPr id="70" name="TextBox 69">
@@ -28038,7 +28043,7 @@
             </p:txBody>
           </p:sp>
         </mc:Choice>
-        <mc:Fallback>
+        <mc:Fallback xmlns="">
           <p:sp>
             <p:nvSpPr>
               <p:cNvPr id="70" name="TextBox 69">
@@ -28083,8 +28088,8 @@
           </p:sp>
         </mc:Fallback>
       </mc:AlternateContent>
-      <mc:AlternateContent xmlns:mc="http://schemas.openxmlformats.org/markup-compatibility/2006">
-        <mc:Choice xmlns:a14="http://schemas.microsoft.com/office/drawing/2010/main" Requires="a14">
+      <mc:AlternateContent xmlns:mc="http://schemas.openxmlformats.org/markup-compatibility/2006" xmlns:a14="http://schemas.microsoft.com/office/drawing/2010/main">
+        <mc:Choice Requires="a14">
           <p:sp>
             <p:nvSpPr>
               <p:cNvPr id="71" name="TextBox 70">
@@ -28150,13 +28155,7 @@
                             <a:rPr lang="en-US" sz="1200" b="0" i="1" smtClean="0">
                               <a:latin typeface="Cambria Math" panose="02040503050406030204" pitchFamily="18" charset="0"/>
                             </a:rPr>
-                            <m:t> 0.0</m:t>
-                          </m:r>
-                          <m:r>
-                            <a:rPr lang="en-US" sz="1200" b="0" i="1" smtClean="0">
-                              <a:latin typeface="Cambria Math" panose="02040503050406030204" pitchFamily="18" charset="0"/>
-                            </a:rPr>
-                            <m:t>4</m:t>
+                            <m:t> 0.04</m:t>
                           </m:r>
                         </m:e>
                       </m:d>
@@ -28168,7 +28167,7 @@
             </p:txBody>
           </p:sp>
         </mc:Choice>
-        <mc:Fallback>
+        <mc:Fallback xmlns="">
           <p:sp>
             <p:nvSpPr>
               <p:cNvPr id="71" name="TextBox 70">
@@ -28265,8 +28264,8 @@
           </a:p>
         </p:txBody>
       </p:sp>
-      <mc:AlternateContent xmlns:mc="http://schemas.openxmlformats.org/markup-compatibility/2006">
-        <mc:Choice xmlns:a14="http://schemas.microsoft.com/office/drawing/2010/main" Requires="a14">
+      <mc:AlternateContent xmlns:mc="http://schemas.openxmlformats.org/markup-compatibility/2006" xmlns:a14="http://schemas.microsoft.com/office/drawing/2010/main">
+        <mc:Choice Requires="a14">
           <p:sp>
             <p:nvSpPr>
               <p:cNvPr id="73" name="TextBox 72">
@@ -28334,7 +28333,7 @@
             </p:txBody>
           </p:sp>
         </mc:Choice>
-        <mc:Fallback>
+        <mc:Fallback xmlns="">
           <p:sp>
             <p:nvSpPr>
               <p:cNvPr id="73" name="TextBox 72">
@@ -28379,8 +28378,8 @@
           </p:sp>
         </mc:Fallback>
       </mc:AlternateContent>
-      <mc:AlternateContent xmlns:mc="http://schemas.openxmlformats.org/markup-compatibility/2006">
-        <mc:Choice xmlns:a14="http://schemas.microsoft.com/office/drawing/2010/main" Requires="a14">
+      <mc:AlternateContent xmlns:mc="http://schemas.openxmlformats.org/markup-compatibility/2006" xmlns:a14="http://schemas.microsoft.com/office/drawing/2010/main">
+        <mc:Choice Requires="a14">
           <p:sp>
             <p:nvSpPr>
               <p:cNvPr id="74" name="TextBox 73">
@@ -28409,6 +28408,7 @@
               </a:bodyPr>
               <a:lstStyle/>
               <a:p>
+                <a:pPr/>
                 <a14:m>
                   <m:oMathPara xmlns:m="http://schemas.openxmlformats.org/officeDocument/2006/math">
                     <m:oMathParaPr>
@@ -28435,7 +28435,7 @@
             </p:txBody>
           </p:sp>
         </mc:Choice>
-        <mc:Fallback>
+        <mc:Fallback xmlns="">
           <p:sp>
             <p:nvSpPr>
               <p:cNvPr id="74" name="TextBox 73">
@@ -28532,8 +28532,8 @@
           </a:p>
         </p:txBody>
       </p:sp>
-      <mc:AlternateContent xmlns:mc="http://schemas.openxmlformats.org/markup-compatibility/2006">
-        <mc:Choice xmlns:a14="http://schemas.microsoft.com/office/drawing/2010/main" Requires="a14">
+      <mc:AlternateContent xmlns:mc="http://schemas.openxmlformats.org/markup-compatibility/2006" xmlns:a14="http://schemas.microsoft.com/office/drawing/2010/main">
+        <mc:Choice Requires="a14">
           <p:sp>
             <p:nvSpPr>
               <p:cNvPr id="76" name="TextBox 75">
@@ -28711,13 +28711,7 @@
                           <a:rPr lang="en-US" sz="1200" i="1">
                             <a:latin typeface="Cambria Math" panose="02040503050406030204" pitchFamily="18" charset="0"/>
                           </a:rPr>
-                          <m:t>=</m:t>
-                        </m:r>
-                        <m:r>
-                          <a:rPr lang="en-US" sz="1200" i="1">
-                            <a:latin typeface="Cambria Math" panose="02040503050406030204" pitchFamily="18" charset="0"/>
-                          </a:rPr>
-                          <m:t>28. 4 </m:t>
+                          <m:t>=28. 4 </m:t>
                         </m:r>
                         <m:r>
                           <a:rPr lang="en-US" sz="1200" i="1">
@@ -28737,7 +28731,7 @@
             </p:txBody>
           </p:sp>
         </mc:Choice>
-        <mc:Fallback>
+        <mc:Fallback xmlns="">
           <p:sp>
             <p:nvSpPr>
               <p:cNvPr id="76" name="TextBox 75">
@@ -28782,8 +28776,8 @@
           </p:sp>
         </mc:Fallback>
       </mc:AlternateContent>
-      <mc:AlternateContent xmlns:mc="http://schemas.openxmlformats.org/markup-compatibility/2006">
-        <mc:Choice xmlns:a14="http://schemas.microsoft.com/office/drawing/2010/main" Requires="a14">
+      <mc:AlternateContent xmlns:mc="http://schemas.openxmlformats.org/markup-compatibility/2006" xmlns:a14="http://schemas.microsoft.com/office/drawing/2010/main">
+        <mc:Choice Requires="a14">
           <p:sp>
             <p:nvSpPr>
               <p:cNvPr id="77" name="TextBox 76">
@@ -28961,13 +28955,7 @@
                           <a:rPr lang="en-US" sz="1200" i="1">
                             <a:latin typeface="Cambria Math" panose="02040503050406030204" pitchFamily="18" charset="0"/>
                           </a:rPr>
-                          <m:t>=</m:t>
-                        </m:r>
-                        <m:r>
-                          <a:rPr lang="en-US" sz="1200" i="1">
-                            <a:latin typeface="Cambria Math" panose="02040503050406030204" pitchFamily="18" charset="0"/>
-                          </a:rPr>
-                          <m:t>2</m:t>
+                          <m:t>=2</m:t>
                         </m:r>
                         <m:r>
                           <a:rPr lang="en-US" sz="1200" b="0" i="1" smtClean="0">
@@ -29011,7 +28999,7 @@
             </p:txBody>
           </p:sp>
         </mc:Choice>
-        <mc:Fallback>
+        <mc:Fallback xmlns="">
           <p:sp>
             <p:nvSpPr>
               <p:cNvPr id="77" name="TextBox 76">
@@ -29102,8 +29090,8 @@
           </a:fontRef>
         </p:style>
       </p:cxnSp>
-      <mc:AlternateContent xmlns:mc="http://schemas.openxmlformats.org/markup-compatibility/2006">
-        <mc:Choice xmlns:a14="http://schemas.microsoft.com/office/drawing/2010/main" Requires="a14">
+      <mc:AlternateContent xmlns:mc="http://schemas.openxmlformats.org/markup-compatibility/2006" xmlns:a14="http://schemas.microsoft.com/office/drawing/2010/main">
+        <mc:Choice Requires="a14">
           <p:sp>
             <p:nvSpPr>
               <p:cNvPr id="79" name="TextBox 78">
@@ -29165,7 +29153,7 @@
             </p:txBody>
           </p:sp>
         </mc:Choice>
-        <mc:Fallback>
+        <mc:Fallback xmlns="">
           <p:sp>
             <p:nvSpPr>
               <p:cNvPr id="79" name="TextBox 78">
@@ -29398,8 +29386,8 @@
           </a:p>
         </p:txBody>
       </p:sp>
-      <mc:AlternateContent xmlns:mc="http://schemas.openxmlformats.org/markup-compatibility/2006">
-        <mc:Choice xmlns:a14="http://schemas.microsoft.com/office/drawing/2010/main" Requires="a14">
+      <mc:AlternateContent xmlns:mc="http://schemas.openxmlformats.org/markup-compatibility/2006" xmlns:a14="http://schemas.microsoft.com/office/drawing/2010/main">
+        <mc:Choice Requires="a14">
           <p:sp>
             <p:nvSpPr>
               <p:cNvPr id="5" name="TextBox 4">
@@ -29810,7 +29798,7 @@
             </p:txBody>
           </p:sp>
         </mc:Choice>
-        <mc:Fallback>
+        <mc:Fallback xmlns="">
           <p:sp>
             <p:nvSpPr>
               <p:cNvPr id="5" name="TextBox 4">
@@ -34804,8 +34792,8 @@
           </a:fontRef>
         </p:style>
       </p:cxnSp>
-      <mc:AlternateContent xmlns:mc="http://schemas.openxmlformats.org/markup-compatibility/2006">
-        <mc:Choice xmlns:a14="http://schemas.microsoft.com/office/drawing/2010/main" Requires="a14">
+      <mc:AlternateContent xmlns:mc="http://schemas.openxmlformats.org/markup-compatibility/2006" xmlns:a14="http://schemas.microsoft.com/office/drawing/2010/main">
+        <mc:Choice Requires="a14">
           <p:sp>
             <p:nvSpPr>
               <p:cNvPr id="67" name="TextBox 66">
@@ -34909,7 +34897,7 @@
             </p:txBody>
           </p:sp>
         </mc:Choice>
-        <mc:Fallback>
+        <mc:Fallback xmlns="">
           <p:sp>
             <p:nvSpPr>
               <p:cNvPr id="67" name="TextBox 66">
@@ -37729,8 +37717,8 @@
           </a:fontRef>
         </p:style>
       </p:cxnSp>
-      <mc:AlternateContent xmlns:mc="http://schemas.openxmlformats.org/markup-compatibility/2006">
-        <mc:Choice xmlns:a14="http://schemas.microsoft.com/office/drawing/2010/main" Requires="a14">
+      <mc:AlternateContent xmlns:mc="http://schemas.openxmlformats.org/markup-compatibility/2006" xmlns:a14="http://schemas.microsoft.com/office/drawing/2010/main">
+        <mc:Choice Requires="a14">
           <p:sp>
             <p:nvSpPr>
               <p:cNvPr id="144" name="TextBox 143">
@@ -37834,7 +37822,7 @@
             </p:txBody>
           </p:sp>
         </mc:Choice>
-        <mc:Fallback>
+        <mc:Fallback xmlns="">
           <p:sp>
             <p:nvSpPr>
               <p:cNvPr id="144" name="TextBox 143">
@@ -40352,6 +40340,5219 @@
 </p:sld>
 </file>
 
+<file path=ppt/slides/slide9.xml><?xml version="1.0" encoding="utf-8"?>
+<p:sld xmlns:a="http://schemas.openxmlformats.org/drawingml/2006/main" xmlns:r="http://schemas.openxmlformats.org/officeDocument/2006/relationships" xmlns:p="http://schemas.openxmlformats.org/presentationml/2006/main">
+  <p:cSld>
+    <p:spTree>
+      <p:nvGrpSpPr>
+        <p:cNvPr id="1" name=""/>
+        <p:cNvGrpSpPr/>
+        <p:nvPr/>
+      </p:nvGrpSpPr>
+      <p:grpSpPr>
+        <a:xfrm>
+          <a:off x="0" y="0"/>
+          <a:ext cx="0" cy="0"/>
+          <a:chOff x="0" y="0"/>
+          <a:chExt cx="0" cy="0"/>
+        </a:xfrm>
+      </p:grpSpPr>
+      <mc:AlternateContent xmlns:mc="http://schemas.openxmlformats.org/markup-compatibility/2006">
+        <mc:Choice xmlns:a14="http://schemas.microsoft.com/office/drawing/2010/main" Requires="a14">
+          <p:graphicFrame>
+            <p:nvGraphicFramePr>
+              <p:cNvPr id="2" name="Table 8">
+                <a:extLst>
+                  <a:ext uri="{FF2B5EF4-FFF2-40B4-BE49-F238E27FC236}">
+                    <a16:creationId xmlns:a16="http://schemas.microsoft.com/office/drawing/2014/main" id="{5F356976-A71F-9382-7599-8025E18E1010}"/>
+                  </a:ext>
+                </a:extLst>
+              </p:cNvPr>
+              <p:cNvGraphicFramePr>
+                <a:graphicFrameLocks noGrp="1"/>
+              </p:cNvGraphicFramePr>
+              <p:nvPr>
+                <p:extLst>
+                  <p:ext uri="{D42A27DB-BD31-4B8C-83A1-F6EECF244321}">
+                    <p14:modId xmlns:p14="http://schemas.microsoft.com/office/powerpoint/2010/main" val="4269996806"/>
+                  </p:ext>
+                </p:extLst>
+              </p:nvPr>
+            </p:nvGraphicFramePr>
+            <p:xfrm>
+              <a:off x="3277007" y="1270549"/>
+              <a:ext cx="5191381" cy="3256272"/>
+            </p:xfrm>
+            <a:graphic>
+              <a:graphicData uri="http://schemas.openxmlformats.org/drawingml/2006/table">
+                <a:tbl>
+                  <a:tblPr firstRow="1" bandRow="1">
+                    <a:tableStyleId>{2D5ABB26-0587-4C30-8999-92F81FD0307C}</a:tableStyleId>
+                  </a:tblPr>
+                  <a:tblGrid>
+                    <a:gridCol w="865230">
+                      <a:extLst>
+                        <a:ext uri="{9D8B030D-6E8A-4147-A177-3AD203B41FA5}">
+                          <a16:colId xmlns:a16="http://schemas.microsoft.com/office/drawing/2014/main" val="3229237253"/>
+                        </a:ext>
+                      </a:extLst>
+                    </a:gridCol>
+                    <a:gridCol w="865230">
+                      <a:extLst>
+                        <a:ext uri="{9D8B030D-6E8A-4147-A177-3AD203B41FA5}">
+                          <a16:colId xmlns:a16="http://schemas.microsoft.com/office/drawing/2014/main" val="1750414641"/>
+                        </a:ext>
+                      </a:extLst>
+                    </a:gridCol>
+                    <a:gridCol w="865230">
+                      <a:extLst>
+                        <a:ext uri="{9D8B030D-6E8A-4147-A177-3AD203B41FA5}">
+                          <a16:colId xmlns:a16="http://schemas.microsoft.com/office/drawing/2014/main" val="4125443327"/>
+                        </a:ext>
+                      </a:extLst>
+                    </a:gridCol>
+                    <a:gridCol w="910020">
+                      <a:extLst>
+                        <a:ext uri="{9D8B030D-6E8A-4147-A177-3AD203B41FA5}">
+                          <a16:colId xmlns:a16="http://schemas.microsoft.com/office/drawing/2014/main" val="2003575616"/>
+                        </a:ext>
+                      </a:extLst>
+                    </a:gridCol>
+                    <a:gridCol w="820441">
+                      <a:extLst>
+                        <a:ext uri="{9D8B030D-6E8A-4147-A177-3AD203B41FA5}">
+                          <a16:colId xmlns:a16="http://schemas.microsoft.com/office/drawing/2014/main" val="521839359"/>
+                        </a:ext>
+                      </a:extLst>
+                    </a:gridCol>
+                    <a:gridCol w="865230">
+                      <a:extLst>
+                        <a:ext uri="{9D8B030D-6E8A-4147-A177-3AD203B41FA5}">
+                          <a16:colId xmlns:a16="http://schemas.microsoft.com/office/drawing/2014/main" val="3160173626"/>
+                        </a:ext>
+                      </a:extLst>
+                    </a:gridCol>
+                  </a:tblGrid>
+                  <a:tr h="420415">
+                    <a:tc>
+                      <a:txBody>
+                        <a:bodyPr/>
+                        <a:lstStyle/>
+                        <a:p>
+                          <a:pPr/>
+                          <a14:m>
+                            <m:oMathPara xmlns:m="http://schemas.openxmlformats.org/officeDocument/2006/math">
+                              <m:oMathParaPr>
+                                <m:jc m:val="centerGroup"/>
+                              </m:oMathParaPr>
+                              <m:oMath xmlns:m="http://schemas.openxmlformats.org/officeDocument/2006/math">
+                                <m:sSub>
+                                  <m:sSubPr>
+                                    <m:ctrlPr>
+                                      <a:rPr lang="en-US" sz="1800" b="0" i="1" smtClean="0">
+                                        <a:latin typeface="Cambria Math" panose="02040503050406030204" pitchFamily="18" charset="0"/>
+                                      </a:rPr>
+                                    </m:ctrlPr>
+                                  </m:sSubPr>
+                                  <m:e>
+                                    <m:r>
+                                      <m:rPr>
+                                        <m:sty m:val="p"/>
+                                      </m:rPr>
+                                      <a:rPr lang="en-US" sz="1800" b="0" smtClean="0">
+                                        <a:latin typeface="Cambria Math" panose="02040503050406030204" pitchFamily="18" charset="0"/>
+                                      </a:rPr>
+                                      <m:t>Γ</m:t>
+                                    </m:r>
+                                  </m:e>
+                                  <m:sub>
+                                    <m:r>
+                                      <a:rPr lang="en-US" sz="1800" b="0" smtClean="0">
+                                        <a:latin typeface="Cambria Math" panose="02040503050406030204" pitchFamily="18" charset="0"/>
+                                      </a:rPr>
+                                      <m:t>0</m:t>
+                                    </m:r>
+                                  </m:sub>
+                                </m:sSub>
+                              </m:oMath>
+                            </m:oMathPara>
+                          </a14:m>
+                          <a:endParaRPr lang="en-US" sz="1800" dirty="0"/>
+                        </a:p>
+                      </a:txBody>
+                      <a:tcPr>
+                        <a:lnL w="12700" cap="flat" cmpd="sng" algn="ctr">
+                          <a:noFill/>
+                          <a:prstDash val="solid"/>
+                          <a:round/>
+                          <a:headEnd type="none" w="med" len="med"/>
+                          <a:tailEnd type="none" w="med" len="med"/>
+                        </a:lnL>
+                        <a:lnR>
+                          <a:noFill/>
+                        </a:lnR>
+                        <a:lnT w="12700" cap="flat" cmpd="sng" algn="ctr">
+                          <a:noFill/>
+                          <a:prstDash val="solid"/>
+                          <a:round/>
+                          <a:headEnd type="none" w="med" len="med"/>
+                          <a:tailEnd type="none" w="med" len="med"/>
+                        </a:lnT>
+                        <a:lnB>
+                          <a:noFill/>
+                        </a:lnB>
+                        <a:lnTlToBr w="12700" cmpd="sng">
+                          <a:noFill/>
+                          <a:prstDash val="solid"/>
+                        </a:lnTlToBr>
+                        <a:lnBlToTr w="12700" cmpd="sng">
+                          <a:noFill/>
+                          <a:prstDash val="solid"/>
+                        </a:lnBlToTr>
+                      </a:tcPr>
+                    </a:tc>
+                    <a:tc>
+                      <a:txBody>
+                        <a:bodyPr/>
+                        <a:lstStyle/>
+                        <a:p>
+                          <a:pPr/>
+                          <a14:m>
+                            <m:oMathPara xmlns:m="http://schemas.openxmlformats.org/officeDocument/2006/math">
+                              <m:oMathParaPr>
+                                <m:jc m:val="centerGroup"/>
+                              </m:oMathParaPr>
+                              <m:oMath xmlns:m="http://schemas.openxmlformats.org/officeDocument/2006/math">
+                                <m:sSub>
+                                  <m:sSubPr>
+                                    <m:ctrlPr>
+                                      <a:rPr lang="en-US" sz="1800" b="0" i="1" smtClean="0">
+                                        <a:latin typeface="Cambria Math" panose="02040503050406030204" pitchFamily="18" charset="0"/>
+                                      </a:rPr>
+                                    </m:ctrlPr>
+                                  </m:sSubPr>
+                                  <m:e>
+                                    <m:r>
+                                      <m:rPr>
+                                        <m:sty m:val="p"/>
+                                      </m:rPr>
+                                      <a:rPr lang="en-US" sz="1800" b="0" smtClean="0">
+                                        <a:latin typeface="Cambria Math" panose="02040503050406030204" pitchFamily="18" charset="0"/>
+                                      </a:rPr>
+                                      <m:t>Γ</m:t>
+                                    </m:r>
+                                  </m:e>
+                                  <m:sub>
+                                    <m:r>
+                                      <a:rPr lang="en-US" sz="1800" b="0" smtClean="0">
+                                        <a:latin typeface="Cambria Math" panose="02040503050406030204" pitchFamily="18" charset="0"/>
+                                      </a:rPr>
+                                      <m:t>1</m:t>
+                                    </m:r>
+                                  </m:sub>
+                                </m:sSub>
+                              </m:oMath>
+                            </m:oMathPara>
+                          </a14:m>
+                          <a:endParaRPr lang="en-US" sz="1800" dirty="0"/>
+                        </a:p>
+                      </a:txBody>
+                      <a:tcPr>
+                        <a:lnL>
+                          <a:noFill/>
+                        </a:lnL>
+                        <a:lnR>
+                          <a:noFill/>
+                        </a:lnR>
+                        <a:lnT w="12700" cap="flat" cmpd="sng" algn="ctr">
+                          <a:noFill/>
+                          <a:prstDash val="solid"/>
+                          <a:round/>
+                          <a:headEnd type="none" w="med" len="med"/>
+                          <a:tailEnd type="none" w="med" len="med"/>
+                        </a:lnT>
+                        <a:lnB>
+                          <a:noFill/>
+                        </a:lnB>
+                        <a:lnTlToBr w="12700" cmpd="sng">
+                          <a:noFill/>
+                          <a:prstDash val="solid"/>
+                        </a:lnTlToBr>
+                        <a:lnBlToTr w="12700" cmpd="sng">
+                          <a:noFill/>
+                          <a:prstDash val="solid"/>
+                        </a:lnBlToTr>
+                      </a:tcPr>
+                    </a:tc>
+                    <a:tc>
+                      <a:txBody>
+                        <a:bodyPr/>
+                        <a:lstStyle/>
+                        <a:p>
+                          <a:pPr/>
+                          <a14:m>
+                            <m:oMathPara xmlns:m="http://schemas.openxmlformats.org/officeDocument/2006/math">
+                              <m:oMathParaPr>
+                                <m:jc m:val="centerGroup"/>
+                              </m:oMathParaPr>
+                              <m:oMath xmlns:m="http://schemas.openxmlformats.org/officeDocument/2006/math">
+                                <m:sSub>
+                                  <m:sSubPr>
+                                    <m:ctrlPr>
+                                      <a:rPr lang="en-US" sz="1800" b="0" i="1" smtClean="0">
+                                        <a:latin typeface="Cambria Math" panose="02040503050406030204" pitchFamily="18" charset="0"/>
+                                      </a:rPr>
+                                    </m:ctrlPr>
+                                  </m:sSubPr>
+                                  <m:e>
+                                    <m:r>
+                                      <m:rPr>
+                                        <m:sty m:val="p"/>
+                                      </m:rPr>
+                                      <a:rPr lang="en-US" sz="1800" b="0" smtClean="0">
+                                        <a:latin typeface="Cambria Math" panose="02040503050406030204" pitchFamily="18" charset="0"/>
+                                      </a:rPr>
+                                      <m:t>Γ</m:t>
+                                    </m:r>
+                                  </m:e>
+                                  <m:sub>
+                                    <m:r>
+                                      <a:rPr lang="en-US" sz="1800" b="0" smtClean="0">
+                                        <a:latin typeface="Cambria Math" panose="02040503050406030204" pitchFamily="18" charset="0"/>
+                                      </a:rPr>
+                                      <m:t>2</m:t>
+                                    </m:r>
+                                  </m:sub>
+                                </m:sSub>
+                              </m:oMath>
+                            </m:oMathPara>
+                          </a14:m>
+                          <a:endParaRPr lang="en-US" sz="1800" dirty="0"/>
+                        </a:p>
+                      </a:txBody>
+                      <a:tcPr>
+                        <a:lnL>
+                          <a:noFill/>
+                        </a:lnL>
+                        <a:lnR>
+                          <a:noFill/>
+                        </a:lnR>
+                        <a:lnT w="12700" cap="flat" cmpd="sng" algn="ctr">
+                          <a:noFill/>
+                          <a:prstDash val="solid"/>
+                          <a:round/>
+                          <a:headEnd type="none" w="med" len="med"/>
+                          <a:tailEnd type="none" w="med" len="med"/>
+                        </a:lnT>
+                        <a:lnB>
+                          <a:noFill/>
+                        </a:lnB>
+                        <a:lnTlToBr w="12700" cmpd="sng">
+                          <a:noFill/>
+                          <a:prstDash val="solid"/>
+                        </a:lnTlToBr>
+                        <a:lnBlToTr w="12700" cmpd="sng">
+                          <a:noFill/>
+                          <a:prstDash val="solid"/>
+                        </a:lnBlToTr>
+                      </a:tcPr>
+                    </a:tc>
+                    <a:tc>
+                      <a:txBody>
+                        <a:bodyPr/>
+                        <a:lstStyle/>
+                        <a:p>
+                          <a:pPr/>
+                          <a14:m>
+                            <m:oMathPara xmlns:m="http://schemas.openxmlformats.org/officeDocument/2006/math">
+                              <m:oMathParaPr>
+                                <m:jc m:val="centerGroup"/>
+                              </m:oMathParaPr>
+                              <m:oMath xmlns:m="http://schemas.openxmlformats.org/officeDocument/2006/math">
+                                <m:r>
+                                  <a:rPr lang="en-US" sz="1800" b="0" smtClean="0">
+                                    <a:latin typeface="Cambria Math" panose="02040503050406030204" pitchFamily="18" charset="0"/>
+                                  </a:rPr>
+                                  <m:t>………</m:t>
+                                </m:r>
+                              </m:oMath>
+                            </m:oMathPara>
+                          </a14:m>
+                          <a:endParaRPr lang="en-US" sz="1800" dirty="0"/>
+                        </a:p>
+                      </a:txBody>
+                      <a:tcPr>
+                        <a:lnL>
+                          <a:noFill/>
+                        </a:lnL>
+                        <a:lnR>
+                          <a:noFill/>
+                        </a:lnR>
+                        <a:lnT w="12700" cap="flat" cmpd="sng" algn="ctr">
+                          <a:noFill/>
+                          <a:prstDash val="solid"/>
+                          <a:round/>
+                          <a:headEnd type="none" w="med" len="med"/>
+                          <a:tailEnd type="none" w="med" len="med"/>
+                        </a:lnT>
+                        <a:lnB>
+                          <a:noFill/>
+                        </a:lnB>
+                        <a:lnTlToBr w="12700" cmpd="sng">
+                          <a:noFill/>
+                          <a:prstDash val="solid"/>
+                        </a:lnTlToBr>
+                        <a:lnBlToTr w="12700" cmpd="sng">
+                          <a:noFill/>
+                          <a:prstDash val="solid"/>
+                        </a:lnBlToTr>
+                      </a:tcPr>
+                    </a:tc>
+                    <a:tc>
+                      <a:txBody>
+                        <a:bodyPr/>
+                        <a:lstStyle/>
+                        <a:p>
+                          <a:pPr/>
+                          <a14:m>
+                            <m:oMathPara xmlns:m="http://schemas.openxmlformats.org/officeDocument/2006/math">
+                              <m:oMathParaPr>
+                                <m:jc m:val="centerGroup"/>
+                              </m:oMathParaPr>
+                              <m:oMath xmlns:m="http://schemas.openxmlformats.org/officeDocument/2006/math">
+                                <m:sSub>
+                                  <m:sSubPr>
+                                    <m:ctrlPr>
+                                      <a:rPr lang="en-US" sz="1800" b="0" i="1" smtClean="0">
+                                        <a:latin typeface="Cambria Math" panose="02040503050406030204" pitchFamily="18" charset="0"/>
+                                      </a:rPr>
+                                    </m:ctrlPr>
+                                  </m:sSubPr>
+                                  <m:e>
+                                    <m:r>
+                                      <m:rPr>
+                                        <m:sty m:val="p"/>
+                                      </m:rPr>
+                                      <a:rPr lang="en-US" sz="1800" b="0" smtClean="0">
+                                        <a:latin typeface="Cambria Math" panose="02040503050406030204" pitchFamily="18" charset="0"/>
+                                      </a:rPr>
+                                      <m:t>Γ</m:t>
+                                    </m:r>
+                                  </m:e>
+                                  <m:sub>
+                                    <m:r>
+                                      <a:rPr lang="en-US" sz="1800" b="0" i="1" smtClean="0">
+                                        <a:latin typeface="Cambria Math" panose="02040503050406030204" pitchFamily="18" charset="0"/>
+                                      </a:rPr>
+                                      <m:t>𝑀</m:t>
+                                    </m:r>
+                                  </m:sub>
+                                </m:sSub>
+                              </m:oMath>
+                            </m:oMathPara>
+                          </a14:m>
+                          <a:endParaRPr lang="en-US" sz="1800" dirty="0"/>
+                        </a:p>
+                      </a:txBody>
+                      <a:tcPr>
+                        <a:lnL>
+                          <a:noFill/>
+                        </a:lnL>
+                        <a:lnR>
+                          <a:noFill/>
+                        </a:lnR>
+                        <a:lnT w="12700" cap="flat" cmpd="sng" algn="ctr">
+                          <a:noFill/>
+                          <a:prstDash val="solid"/>
+                          <a:round/>
+                          <a:headEnd type="none" w="med" len="med"/>
+                          <a:tailEnd type="none" w="med" len="med"/>
+                        </a:lnT>
+                        <a:lnB>
+                          <a:noFill/>
+                        </a:lnB>
+                        <a:lnTlToBr w="12700" cmpd="sng">
+                          <a:noFill/>
+                          <a:prstDash val="solid"/>
+                        </a:lnTlToBr>
+                        <a:lnBlToTr w="12700" cmpd="sng">
+                          <a:noFill/>
+                          <a:prstDash val="solid"/>
+                        </a:lnBlToTr>
+                      </a:tcPr>
+                    </a:tc>
+                    <a:tc>
+                      <a:txBody>
+                        <a:bodyPr/>
+                        <a:lstStyle/>
+                        <a:p>
+                          <a:pPr/>
+                          <a14:m>
+                            <m:oMathPara xmlns:m="http://schemas.openxmlformats.org/officeDocument/2006/math">
+                              <m:oMathParaPr>
+                                <m:jc m:val="centerGroup"/>
+                              </m:oMathParaPr>
+                              <m:oMath xmlns:m="http://schemas.openxmlformats.org/officeDocument/2006/math">
+                                <m:sSub>
+                                  <m:sSubPr>
+                                    <m:ctrlPr>
+                                      <a:rPr lang="en-US" sz="1800" b="0" i="1" smtClean="0">
+                                        <a:latin typeface="Cambria Math" panose="02040503050406030204" pitchFamily="18" charset="0"/>
+                                      </a:rPr>
+                                    </m:ctrlPr>
+                                  </m:sSubPr>
+                                  <m:e>
+                                    <m:r>
+                                      <m:rPr>
+                                        <m:sty m:val="p"/>
+                                      </m:rPr>
+                                      <a:rPr lang="en-US" sz="1800" b="0" smtClean="0">
+                                        <a:latin typeface="Cambria Math" panose="02040503050406030204" pitchFamily="18" charset="0"/>
+                                      </a:rPr>
+                                      <m:t>Γ</m:t>
+                                    </m:r>
+                                  </m:e>
+                                  <m:sub>
+                                    <m:r>
+                                      <a:rPr lang="en-US" sz="1800" b="0" i="1" smtClean="0">
+                                        <a:latin typeface="Cambria Math" panose="02040503050406030204" pitchFamily="18" charset="0"/>
+                                      </a:rPr>
+                                      <m:t>𝑀</m:t>
+                                    </m:r>
+                                    <m:r>
+                                      <a:rPr lang="en-US" sz="1800" b="0" i="1" smtClean="0">
+                                        <a:latin typeface="Cambria Math" panose="02040503050406030204" pitchFamily="18" charset="0"/>
+                                      </a:rPr>
+                                      <m:t>+1</m:t>
+                                    </m:r>
+                                  </m:sub>
+                                </m:sSub>
+                              </m:oMath>
+                            </m:oMathPara>
+                          </a14:m>
+                          <a:endParaRPr lang="en-US" sz="1800" dirty="0"/>
+                        </a:p>
+                      </a:txBody>
+                      <a:tcPr>
+                        <a:lnL>
+                          <a:noFill/>
+                        </a:lnL>
+                        <a:lnR w="12700" cap="flat" cmpd="sng" algn="ctr">
+                          <a:noFill/>
+                          <a:prstDash val="solid"/>
+                          <a:round/>
+                          <a:headEnd type="none" w="med" len="med"/>
+                          <a:tailEnd type="none" w="med" len="med"/>
+                        </a:lnR>
+                        <a:lnT w="12700" cap="flat" cmpd="sng" algn="ctr">
+                          <a:noFill/>
+                          <a:prstDash val="solid"/>
+                          <a:round/>
+                          <a:headEnd type="none" w="med" len="med"/>
+                          <a:tailEnd type="none" w="med" len="med"/>
+                        </a:lnT>
+                        <a:lnB>
+                          <a:noFill/>
+                        </a:lnB>
+                        <a:lnTlToBr w="12700" cmpd="sng">
+                          <a:noFill/>
+                          <a:prstDash val="solid"/>
+                        </a:lnTlToBr>
+                        <a:lnBlToTr w="12700" cmpd="sng">
+                          <a:noFill/>
+                          <a:prstDash val="solid"/>
+                        </a:lnBlToTr>
+                      </a:tcPr>
+                    </a:tc>
+                    <a:extLst>
+                      <a:ext uri="{0D108BD9-81ED-4DB2-BD59-A6C34878D82A}">
+                        <a16:rowId xmlns:a16="http://schemas.microsoft.com/office/drawing/2014/main" val="103027855"/>
+                      </a:ext>
+                    </a:extLst>
+                  </a:tr>
+                  <a:tr h="420415">
+                    <a:tc>
+                      <a:txBody>
+                        <a:bodyPr/>
+                        <a:lstStyle/>
+                        <a:p>
+                          <a:pPr/>
+                          <a:endParaRPr lang="en-US" sz="1800" dirty="0"/>
+                        </a:p>
+                      </a:txBody>
+                      <a:tcPr>
+                        <a:lnL w="12700" cap="flat" cmpd="sng" algn="ctr">
+                          <a:noFill/>
+                          <a:prstDash val="solid"/>
+                          <a:round/>
+                          <a:headEnd type="none" w="med" len="med"/>
+                          <a:tailEnd type="none" w="med" len="med"/>
+                        </a:lnL>
+                        <a:lnR>
+                          <a:noFill/>
+                        </a:lnR>
+                        <a:lnT>
+                          <a:noFill/>
+                        </a:lnT>
+                        <a:lnB>
+                          <a:noFill/>
+                        </a:lnB>
+                        <a:lnTlToBr w="12700" cmpd="sng">
+                          <a:noFill/>
+                          <a:prstDash val="solid"/>
+                        </a:lnTlToBr>
+                        <a:lnBlToTr w="12700" cmpd="sng">
+                          <a:noFill/>
+                          <a:prstDash val="solid"/>
+                        </a:lnBlToTr>
+                      </a:tcPr>
+                    </a:tc>
+                    <a:tc>
+                      <a:txBody>
+                        <a:bodyPr/>
+                        <a:lstStyle/>
+                        <a:p>
+                          <a:pPr/>
+                          <a14:m>
+                            <m:oMathPara xmlns:m="http://schemas.openxmlformats.org/officeDocument/2006/math">
+                              <m:oMathParaPr>
+                                <m:jc m:val="centerGroup"/>
+                              </m:oMathParaPr>
+                              <m:oMath xmlns:m="http://schemas.openxmlformats.org/officeDocument/2006/math">
+                                <m:r>
+                                  <a:rPr lang="en-US" sz="1800" b="0" smtClean="0">
+                                    <a:latin typeface="Cambria Math" panose="02040503050406030204" pitchFamily="18" charset="0"/>
+                                  </a:rPr>
+                                  <m:t>1</m:t>
+                                </m:r>
+                                <m:r>
+                                  <a:rPr lang="en-US" sz="1800" b="0" i="0" smtClean="0">
+                                    <a:latin typeface="Cambria Math" panose="02040503050406030204" pitchFamily="18" charset="0"/>
+                                  </a:rPr>
+                                  <m:t> </m:t>
+                                </m:r>
+                              </m:oMath>
+                            </m:oMathPara>
+                          </a14:m>
+                          <a:endParaRPr lang="en-US" sz="1800" dirty="0"/>
+                        </a:p>
+                      </a:txBody>
+                      <a:tcPr>
+                        <a:lnL>
+                          <a:noFill/>
+                        </a:lnL>
+                        <a:lnR>
+                          <a:noFill/>
+                        </a:lnR>
+                        <a:lnT>
+                          <a:noFill/>
+                        </a:lnT>
+                        <a:lnB>
+                          <a:noFill/>
+                        </a:lnB>
+                        <a:lnTlToBr w="12700" cmpd="sng">
+                          <a:noFill/>
+                          <a:prstDash val="solid"/>
+                        </a:lnTlToBr>
+                        <a:lnBlToTr w="12700" cmpd="sng">
+                          <a:noFill/>
+                          <a:prstDash val="solid"/>
+                        </a:lnBlToTr>
+                      </a:tcPr>
+                    </a:tc>
+                    <a:tc>
+                      <a:txBody>
+                        <a:bodyPr/>
+                        <a:lstStyle/>
+                        <a:p>
+                          <a:pPr/>
+                          <a14:m>
+                            <m:oMathPara xmlns:m="http://schemas.openxmlformats.org/officeDocument/2006/math">
+                              <m:oMathParaPr>
+                                <m:jc m:val="centerGroup"/>
+                              </m:oMathParaPr>
+                              <m:oMath xmlns:m="http://schemas.openxmlformats.org/officeDocument/2006/math">
+                                <m:r>
+                                  <a:rPr lang="en-US" sz="1800" b="0" smtClean="0">
+                                    <a:latin typeface="Cambria Math" panose="02040503050406030204" pitchFamily="18" charset="0"/>
+                                  </a:rPr>
+                                  <m:t>1</m:t>
+                                </m:r>
+                                <m:r>
+                                  <a:rPr lang="en-US" sz="1800" b="0" i="0" smtClean="0">
+                                    <a:latin typeface="Cambria Math" panose="02040503050406030204" pitchFamily="18" charset="0"/>
+                                  </a:rPr>
+                                  <m:t> </m:t>
+                                </m:r>
+                              </m:oMath>
+                            </m:oMathPara>
+                          </a14:m>
+                          <a:endParaRPr lang="en-US" sz="1800" dirty="0"/>
+                        </a:p>
+                      </a:txBody>
+                      <a:tcPr>
+                        <a:lnL>
+                          <a:noFill/>
+                        </a:lnL>
+                        <a:lnR>
+                          <a:noFill/>
+                        </a:lnR>
+                        <a:lnT>
+                          <a:noFill/>
+                        </a:lnT>
+                        <a:lnB>
+                          <a:noFill/>
+                        </a:lnB>
+                        <a:lnTlToBr w="12700" cmpd="sng">
+                          <a:noFill/>
+                          <a:prstDash val="solid"/>
+                        </a:lnTlToBr>
+                        <a:lnBlToTr w="12700" cmpd="sng">
+                          <a:noFill/>
+                          <a:prstDash val="solid"/>
+                        </a:lnBlToTr>
+                      </a:tcPr>
+                    </a:tc>
+                    <a:tc>
+                      <a:txBody>
+                        <a:bodyPr/>
+                        <a:lstStyle/>
+                        <a:p>
+                          <a:pPr/>
+                          <a14:m>
+                            <m:oMathPara xmlns:m="http://schemas.openxmlformats.org/officeDocument/2006/math">
+                              <m:oMathParaPr>
+                                <m:jc m:val="centerGroup"/>
+                              </m:oMathParaPr>
+                              <m:oMath xmlns:m="http://schemas.openxmlformats.org/officeDocument/2006/math">
+                                <m:r>
+                                  <a:rPr lang="en-US" sz="1800" b="0" smtClean="0">
+                                    <a:latin typeface="Cambria Math" panose="02040503050406030204" pitchFamily="18" charset="0"/>
+                                  </a:rPr>
+                                  <m:t>………</m:t>
+                                </m:r>
+                              </m:oMath>
+                            </m:oMathPara>
+                          </a14:m>
+                          <a:endParaRPr lang="en-US" sz="1800" dirty="0"/>
+                        </a:p>
+                      </a:txBody>
+                      <a:tcPr>
+                        <a:lnL>
+                          <a:noFill/>
+                        </a:lnL>
+                        <a:lnR>
+                          <a:noFill/>
+                        </a:lnR>
+                        <a:lnT>
+                          <a:noFill/>
+                        </a:lnT>
+                        <a:lnB>
+                          <a:noFill/>
+                        </a:lnB>
+                        <a:lnTlToBr w="12700" cmpd="sng">
+                          <a:noFill/>
+                          <a:prstDash val="solid"/>
+                        </a:lnTlToBr>
+                        <a:lnBlToTr w="12700" cmpd="sng">
+                          <a:noFill/>
+                          <a:prstDash val="solid"/>
+                        </a:lnBlToTr>
+                      </a:tcPr>
+                    </a:tc>
+                    <a:tc>
+                      <a:txBody>
+                        <a:bodyPr/>
+                        <a:lstStyle/>
+                        <a:p>
+                          <a:pPr/>
+                          <a14:m>
+                            <m:oMathPara xmlns:m="http://schemas.openxmlformats.org/officeDocument/2006/math">
+                              <m:oMathParaPr>
+                                <m:jc m:val="centerGroup"/>
+                              </m:oMathParaPr>
+                              <m:oMath xmlns:m="http://schemas.openxmlformats.org/officeDocument/2006/math">
+                                <m:r>
+                                  <a:rPr lang="en-US" sz="1800" b="0" smtClean="0">
+                                    <a:latin typeface="Cambria Math" panose="02040503050406030204" pitchFamily="18" charset="0"/>
+                                  </a:rPr>
+                                  <m:t>1</m:t>
+                                </m:r>
+                                <m:r>
+                                  <a:rPr lang="en-US" sz="1800" b="0" i="0" smtClean="0">
+                                    <a:latin typeface="Cambria Math" panose="02040503050406030204" pitchFamily="18" charset="0"/>
+                                  </a:rPr>
+                                  <m:t> </m:t>
+                                </m:r>
+                              </m:oMath>
+                            </m:oMathPara>
+                          </a14:m>
+                          <a:endParaRPr lang="en-US" sz="1800" dirty="0"/>
+                        </a:p>
+                      </a:txBody>
+                      <a:tcPr>
+                        <a:lnL>
+                          <a:noFill/>
+                        </a:lnL>
+                        <a:lnR>
+                          <a:noFill/>
+                        </a:lnR>
+                        <a:lnT>
+                          <a:noFill/>
+                        </a:lnT>
+                        <a:lnB>
+                          <a:noFill/>
+                        </a:lnB>
+                        <a:lnTlToBr w="12700" cmpd="sng">
+                          <a:noFill/>
+                          <a:prstDash val="solid"/>
+                        </a:lnTlToBr>
+                        <a:lnBlToTr w="12700" cmpd="sng">
+                          <a:noFill/>
+                          <a:prstDash val="solid"/>
+                        </a:lnBlToTr>
+                      </a:tcPr>
+                    </a:tc>
+                    <a:tc>
+                      <a:txBody>
+                        <a:bodyPr/>
+                        <a:lstStyle/>
+                        <a:p>
+                          <a:pPr marL="0" marR="0" lvl="0" indent="0" algn="l" defTabSz="914400" rtl="0" eaLnBrk="1" fontAlgn="auto" latinLnBrk="0" hangingPunct="1">
+                            <a:lnSpc>
+                              <a:spcPct val="100000"/>
+                            </a:lnSpc>
+                            <a:spcBef>
+                              <a:spcPts val="0"/>
+                            </a:spcBef>
+                            <a:spcAft>
+                              <a:spcPts val="0"/>
+                            </a:spcAft>
+                            <a:buClrTx/>
+                            <a:buSzTx/>
+                            <a:buFontTx/>
+                            <a:buNone/>
+                            <a:tabLst/>
+                            <a:defRPr/>
+                          </a:pPr>
+                          <a:endParaRPr lang="en-US" sz="1800" dirty="0"/>
+                        </a:p>
+                      </a:txBody>
+                      <a:tcPr>
+                        <a:lnL>
+                          <a:noFill/>
+                        </a:lnL>
+                        <a:lnR w="12700" cap="flat" cmpd="sng" algn="ctr">
+                          <a:noFill/>
+                          <a:prstDash val="solid"/>
+                          <a:round/>
+                          <a:headEnd type="none" w="med" len="med"/>
+                          <a:tailEnd type="none" w="med" len="med"/>
+                        </a:lnR>
+                        <a:lnT>
+                          <a:noFill/>
+                        </a:lnT>
+                        <a:lnB>
+                          <a:noFill/>
+                        </a:lnB>
+                        <a:lnTlToBr w="12700" cmpd="sng">
+                          <a:noFill/>
+                          <a:prstDash val="solid"/>
+                        </a:lnTlToBr>
+                        <a:lnBlToTr w="12700" cmpd="sng">
+                          <a:noFill/>
+                          <a:prstDash val="solid"/>
+                        </a:lnBlToTr>
+                      </a:tcPr>
+                    </a:tc>
+                    <a:extLst>
+                      <a:ext uri="{0D108BD9-81ED-4DB2-BD59-A6C34878D82A}">
+                        <a16:rowId xmlns:a16="http://schemas.microsoft.com/office/drawing/2014/main" val="580928055"/>
+                      </a:ext>
+                    </a:extLst>
+                  </a:tr>
+                  <a:tr h="393653">
+                    <a:tc>
+                      <a:txBody>
+                        <a:bodyPr/>
+                        <a:lstStyle/>
+                        <a:p>
+                          <a:pPr/>
+                          <a14:m>
+                            <m:oMathPara xmlns:m="http://schemas.openxmlformats.org/officeDocument/2006/math">
+                              <m:oMathParaPr>
+                                <m:jc m:val="centerGroup"/>
+                              </m:oMathParaPr>
+                              <m:oMath xmlns:m="http://schemas.openxmlformats.org/officeDocument/2006/math">
+                                <m:sSub>
+                                  <m:sSubPr>
+                                    <m:ctrlPr>
+                                      <a:rPr lang="en-US" sz="1800" b="0" i="1" smtClean="0">
+                                        <a:latin typeface="Cambria Math" panose="02040503050406030204" pitchFamily="18" charset="0"/>
+                                      </a:rPr>
+                                    </m:ctrlPr>
+                                  </m:sSubPr>
+                                  <m:e>
+                                    <m:r>
+                                      <a:rPr lang="en-US" sz="1800" b="0" i="1" smtClean="0">
+                                        <a:latin typeface="Cambria Math" panose="02040503050406030204" pitchFamily="18" charset="0"/>
+                                      </a:rPr>
+                                      <m:t>𝑑</m:t>
+                                    </m:r>
+                                  </m:e>
+                                  <m:sub>
+                                    <m:r>
+                                      <a:rPr lang="en-US" sz="1800" b="0" i="1" smtClean="0">
+                                        <a:latin typeface="Cambria Math" panose="02040503050406030204" pitchFamily="18" charset="0"/>
+                                      </a:rPr>
+                                      <m:t>1</m:t>
+                                    </m:r>
+                                  </m:sub>
+                                </m:sSub>
+                              </m:oMath>
+                            </m:oMathPara>
+                          </a14:m>
+                          <a:endParaRPr lang="en-US" sz="1800" dirty="0"/>
+                        </a:p>
+                      </a:txBody>
+                      <a:tcPr>
+                        <a:lnL w="12700" cap="flat" cmpd="sng" algn="ctr">
+                          <a:noFill/>
+                          <a:prstDash val="solid"/>
+                          <a:round/>
+                          <a:headEnd type="none" w="med" len="med"/>
+                          <a:tailEnd type="none" w="med" len="med"/>
+                        </a:lnL>
+                        <a:lnR>
+                          <a:noFill/>
+                        </a:lnR>
+                        <a:lnT>
+                          <a:noFill/>
+                        </a:lnT>
+                        <a:lnB>
+                          <a:noFill/>
+                        </a:lnB>
+                        <a:lnTlToBr w="12700" cmpd="sng">
+                          <a:noFill/>
+                          <a:prstDash val="solid"/>
+                        </a:lnTlToBr>
+                        <a:lnBlToTr w="12700" cmpd="sng">
+                          <a:noFill/>
+                          <a:prstDash val="solid"/>
+                        </a:lnBlToTr>
+                      </a:tcPr>
+                    </a:tc>
+                    <a:tc>
+                      <a:txBody>
+                        <a:bodyPr/>
+                        <a:lstStyle/>
+                        <a:p>
+                          <a:pPr/>
+                          <a14:m>
+                            <m:oMathPara xmlns:m="http://schemas.openxmlformats.org/officeDocument/2006/math">
+                              <m:oMathParaPr>
+                                <m:jc m:val="centerGroup"/>
+                              </m:oMathParaPr>
+                              <m:oMath xmlns:m="http://schemas.openxmlformats.org/officeDocument/2006/math">
+                                <m:r>
+                                  <a:rPr lang="en-US" sz="1800" b="0" i="1" smtClean="0">
+                                    <a:latin typeface="Cambria Math" panose="02040503050406030204" pitchFamily="18" charset="0"/>
+                                  </a:rPr>
+                                  <m:t>2</m:t>
+                                </m:r>
+                              </m:oMath>
+                            </m:oMathPara>
+                          </a14:m>
+                          <a:endParaRPr lang="en-US" sz="1800" b="0" i="1" dirty="0">
+                            <a:latin typeface="Cambria Math" panose="02040503050406030204" pitchFamily="18" charset="0"/>
+                          </a:endParaRPr>
+                        </a:p>
+                      </a:txBody>
+                      <a:tcPr>
+                        <a:lnL>
+                          <a:noFill/>
+                        </a:lnL>
+                        <a:lnR>
+                          <a:noFill/>
+                        </a:lnR>
+                        <a:lnT>
+                          <a:noFill/>
+                        </a:lnT>
+                        <a:lnB>
+                          <a:noFill/>
+                        </a:lnB>
+                        <a:lnTlToBr w="12700" cmpd="sng">
+                          <a:noFill/>
+                          <a:prstDash val="solid"/>
+                        </a:lnTlToBr>
+                        <a:lnBlToTr w="12700" cmpd="sng">
+                          <a:noFill/>
+                          <a:prstDash val="solid"/>
+                        </a:lnBlToTr>
+                      </a:tcPr>
+                    </a:tc>
+                    <a:tc>
+                      <a:txBody>
+                        <a:bodyPr/>
+                        <a:lstStyle/>
+                        <a:p>
+                          <a:pPr/>
+                          <a14:m>
+                            <m:oMathPara xmlns:m="http://schemas.openxmlformats.org/officeDocument/2006/math">
+                              <m:oMathParaPr>
+                                <m:jc m:val="centerGroup"/>
+                              </m:oMathParaPr>
+                              <m:oMath xmlns:m="http://schemas.openxmlformats.org/officeDocument/2006/math">
+                                <m:r>
+                                  <a:rPr lang="en-US" sz="1800" b="0" i="1" smtClean="0">
+                                    <a:latin typeface="Cambria Math" panose="02040503050406030204" pitchFamily="18" charset="0"/>
+                                  </a:rPr>
+                                  <m:t>2</m:t>
+                                </m:r>
+                              </m:oMath>
+                            </m:oMathPara>
+                          </a14:m>
+                          <a:endParaRPr lang="en-US" sz="1800" b="0" i="1" dirty="0">
+                            <a:latin typeface="Cambria Math" panose="02040503050406030204" pitchFamily="18" charset="0"/>
+                          </a:endParaRPr>
+                        </a:p>
+                      </a:txBody>
+                      <a:tcPr>
+                        <a:lnL>
+                          <a:noFill/>
+                        </a:lnL>
+                        <a:lnR>
+                          <a:noFill/>
+                        </a:lnR>
+                        <a:lnT>
+                          <a:noFill/>
+                        </a:lnT>
+                        <a:lnB>
+                          <a:noFill/>
+                        </a:lnB>
+                        <a:lnTlToBr w="12700" cmpd="sng">
+                          <a:noFill/>
+                          <a:prstDash val="solid"/>
+                        </a:lnTlToBr>
+                        <a:lnBlToTr w="12700" cmpd="sng">
+                          <a:noFill/>
+                          <a:prstDash val="solid"/>
+                        </a:lnBlToTr>
+                      </a:tcPr>
+                    </a:tc>
+                    <a:tc>
+                      <a:txBody>
+                        <a:bodyPr/>
+                        <a:lstStyle/>
+                        <a:p>
+                          <a:pPr/>
+                          <a14:m>
+                            <m:oMathPara xmlns:m="http://schemas.openxmlformats.org/officeDocument/2006/math">
+                              <m:oMathParaPr>
+                                <m:jc m:val="centerGroup"/>
+                              </m:oMathParaPr>
+                              <m:oMath xmlns:m="http://schemas.openxmlformats.org/officeDocument/2006/math">
+                                <m:r>
+                                  <a:rPr lang="en-US" sz="1800" b="0" smtClean="0">
+                                    <a:latin typeface="Cambria Math" panose="02040503050406030204" pitchFamily="18" charset="0"/>
+                                  </a:rPr>
+                                  <m:t>………</m:t>
+                                </m:r>
+                              </m:oMath>
+                            </m:oMathPara>
+                          </a14:m>
+                          <a:endParaRPr lang="en-US" sz="1800" dirty="0"/>
+                        </a:p>
+                      </a:txBody>
+                      <a:tcPr>
+                        <a:lnL>
+                          <a:noFill/>
+                        </a:lnL>
+                        <a:lnR>
+                          <a:noFill/>
+                        </a:lnR>
+                        <a:lnT>
+                          <a:noFill/>
+                        </a:lnT>
+                        <a:lnB>
+                          <a:noFill/>
+                        </a:lnB>
+                        <a:lnTlToBr w="12700" cmpd="sng">
+                          <a:noFill/>
+                          <a:prstDash val="solid"/>
+                        </a:lnTlToBr>
+                        <a:lnBlToTr w="12700" cmpd="sng">
+                          <a:noFill/>
+                          <a:prstDash val="solid"/>
+                        </a:lnBlToTr>
+                      </a:tcPr>
+                    </a:tc>
+                    <a:tc>
+                      <a:txBody>
+                        <a:bodyPr/>
+                        <a:lstStyle/>
+                        <a:p>
+                          <a:pPr/>
+                          <a14:m>
+                            <m:oMathPara xmlns:m="http://schemas.openxmlformats.org/officeDocument/2006/math">
+                              <m:oMathParaPr>
+                                <m:jc m:val="centerGroup"/>
+                              </m:oMathParaPr>
+                              <m:oMath xmlns:m="http://schemas.openxmlformats.org/officeDocument/2006/math">
+                                <m:r>
+                                  <a:rPr lang="en-US" sz="1800" b="0" i="1" smtClean="0">
+                                    <a:latin typeface="Cambria Math" panose="02040503050406030204" pitchFamily="18" charset="0"/>
+                                  </a:rPr>
+                                  <m:t>2</m:t>
+                                </m:r>
+                              </m:oMath>
+                            </m:oMathPara>
+                          </a14:m>
+                          <a:endParaRPr lang="en-US" sz="1800" b="0" i="1" dirty="0">
+                            <a:latin typeface="Cambria Math" panose="02040503050406030204" pitchFamily="18" charset="0"/>
+                          </a:endParaRPr>
+                        </a:p>
+                      </a:txBody>
+                      <a:tcPr>
+                        <a:lnL>
+                          <a:noFill/>
+                        </a:lnL>
+                        <a:lnR>
+                          <a:noFill/>
+                        </a:lnR>
+                        <a:lnT>
+                          <a:noFill/>
+                        </a:lnT>
+                        <a:lnB>
+                          <a:noFill/>
+                        </a:lnB>
+                        <a:lnTlToBr w="12700" cmpd="sng">
+                          <a:noFill/>
+                          <a:prstDash val="solid"/>
+                        </a:lnTlToBr>
+                        <a:lnBlToTr w="12700" cmpd="sng">
+                          <a:noFill/>
+                          <a:prstDash val="solid"/>
+                        </a:lnBlToTr>
+                      </a:tcPr>
+                    </a:tc>
+                    <a:tc>
+                      <a:txBody>
+                        <a:bodyPr/>
+                        <a:lstStyle/>
+                        <a:p>
+                          <a:pPr marL="0" marR="0" lvl="0" indent="0" algn="l" defTabSz="914400" rtl="0" eaLnBrk="1" fontAlgn="auto" latinLnBrk="0" hangingPunct="1">
+                            <a:lnSpc>
+                              <a:spcPct val="100000"/>
+                            </a:lnSpc>
+                            <a:spcBef>
+                              <a:spcPts val="0"/>
+                            </a:spcBef>
+                            <a:spcAft>
+                              <a:spcPts val="0"/>
+                            </a:spcAft>
+                            <a:buClrTx/>
+                            <a:buSzTx/>
+                            <a:buFontTx/>
+                            <a:buNone/>
+                            <a:tabLst/>
+                            <a:defRPr/>
+                          </a:pPr>
+                          <a14:m>
+                            <m:oMathPara xmlns:m="http://schemas.openxmlformats.org/officeDocument/2006/math">
+                              <m:oMathParaPr>
+                                <m:jc m:val="centerGroup"/>
+                              </m:oMathParaPr>
+                              <m:oMath xmlns:m="http://schemas.openxmlformats.org/officeDocument/2006/math">
+                                <m:sSub>
+                                  <m:sSubPr>
+                                    <m:ctrlPr>
+                                      <a:rPr lang="en-US" sz="1800" b="0" i="1" smtClean="0">
+                                        <a:latin typeface="Cambria Math" panose="02040503050406030204" pitchFamily="18" charset="0"/>
+                                      </a:rPr>
+                                    </m:ctrlPr>
+                                  </m:sSubPr>
+                                  <m:e>
+                                    <m:r>
+                                      <a:rPr lang="en-US" sz="1800" b="0" i="1" smtClean="0">
+                                        <a:latin typeface="Cambria Math" panose="02040503050406030204" pitchFamily="18" charset="0"/>
+                                      </a:rPr>
+                                      <m:t>𝛿</m:t>
+                                    </m:r>
+                                  </m:e>
+                                  <m:sub>
+                                    <m:r>
+                                      <a:rPr lang="en-US" sz="1800" b="0" i="1" smtClean="0">
+                                        <a:latin typeface="Cambria Math" panose="02040503050406030204" pitchFamily="18" charset="0"/>
+                                      </a:rPr>
+                                      <m:t>1</m:t>
+                                    </m:r>
+                                  </m:sub>
+                                </m:sSub>
+                              </m:oMath>
+                            </m:oMathPara>
+                          </a14:m>
+                          <a:endParaRPr lang="en-US" sz="1800" dirty="0"/>
+                        </a:p>
+                      </a:txBody>
+                      <a:tcPr>
+                        <a:lnL>
+                          <a:noFill/>
+                        </a:lnL>
+                        <a:lnR w="12700" cap="flat" cmpd="sng" algn="ctr">
+                          <a:noFill/>
+                          <a:prstDash val="solid"/>
+                          <a:round/>
+                          <a:headEnd type="none" w="med" len="med"/>
+                          <a:tailEnd type="none" w="med" len="med"/>
+                        </a:lnR>
+                        <a:lnT>
+                          <a:noFill/>
+                        </a:lnT>
+                        <a:lnB>
+                          <a:noFill/>
+                        </a:lnB>
+                        <a:lnTlToBr w="12700" cmpd="sng">
+                          <a:noFill/>
+                          <a:prstDash val="solid"/>
+                        </a:lnTlToBr>
+                        <a:lnBlToTr w="12700" cmpd="sng">
+                          <a:noFill/>
+                          <a:prstDash val="solid"/>
+                        </a:lnBlToTr>
+                      </a:tcPr>
+                    </a:tc>
+                    <a:extLst>
+                      <a:ext uri="{0D108BD9-81ED-4DB2-BD59-A6C34878D82A}">
+                        <a16:rowId xmlns:a16="http://schemas.microsoft.com/office/drawing/2014/main" val="2842435754"/>
+                      </a:ext>
+                    </a:extLst>
+                  </a:tr>
+                  <a:tr h="393653">
+                    <a:tc>
+                      <a:txBody>
+                        <a:bodyPr/>
+                        <a:lstStyle/>
+                        <a:p>
+                          <a:pPr/>
+                          <a14:m>
+                            <m:oMathPara xmlns:m="http://schemas.openxmlformats.org/officeDocument/2006/math">
+                              <m:oMathParaPr>
+                                <m:jc m:val="centerGroup"/>
+                              </m:oMathParaPr>
+                              <m:oMath xmlns:m="http://schemas.openxmlformats.org/officeDocument/2006/math">
+                                <m:sSub>
+                                  <m:sSubPr>
+                                    <m:ctrlPr>
+                                      <a:rPr lang="en-US" sz="1800" b="0" i="1" smtClean="0">
+                                        <a:latin typeface="Cambria Math" panose="02040503050406030204" pitchFamily="18" charset="0"/>
+                                      </a:rPr>
+                                    </m:ctrlPr>
+                                  </m:sSubPr>
+                                  <m:e>
+                                    <m:r>
+                                      <a:rPr lang="en-US" sz="1800" b="0" i="1" smtClean="0">
+                                        <a:latin typeface="Cambria Math" panose="02040503050406030204" pitchFamily="18" charset="0"/>
+                                      </a:rPr>
+                                      <m:t>𝑑</m:t>
+                                    </m:r>
+                                  </m:e>
+                                  <m:sub>
+                                    <m:r>
+                                      <a:rPr lang="en-US" sz="1800" b="0" i="1" smtClean="0">
+                                        <a:latin typeface="Cambria Math" panose="02040503050406030204" pitchFamily="18" charset="0"/>
+                                      </a:rPr>
+                                      <m:t>2</m:t>
+                                    </m:r>
+                                  </m:sub>
+                                </m:sSub>
+                              </m:oMath>
+                            </m:oMathPara>
+                          </a14:m>
+                          <a:endParaRPr lang="en-US" sz="1800" b="0" dirty="0"/>
+                        </a:p>
+                      </a:txBody>
+                      <a:tcPr>
+                        <a:lnL w="12700" cap="flat" cmpd="sng" algn="ctr">
+                          <a:noFill/>
+                          <a:prstDash val="solid"/>
+                          <a:round/>
+                          <a:headEnd type="none" w="med" len="med"/>
+                          <a:tailEnd type="none" w="med" len="med"/>
+                        </a:lnL>
+                        <a:lnR>
+                          <a:noFill/>
+                        </a:lnR>
+                        <a:lnT>
+                          <a:noFill/>
+                        </a:lnT>
+                        <a:lnB>
+                          <a:noFill/>
+                        </a:lnB>
+                        <a:lnTlToBr w="12700" cmpd="sng">
+                          <a:noFill/>
+                          <a:prstDash val="solid"/>
+                        </a:lnTlToBr>
+                        <a:lnBlToTr w="12700" cmpd="sng">
+                          <a:noFill/>
+                          <a:prstDash val="solid"/>
+                        </a:lnBlToTr>
+                      </a:tcPr>
+                    </a:tc>
+                    <a:tc>
+                      <a:txBody>
+                        <a:bodyPr/>
+                        <a:lstStyle/>
+                        <a:p>
+                          <a:pPr/>
+                          <a14:m>
+                            <m:oMathPara xmlns:m="http://schemas.openxmlformats.org/officeDocument/2006/math">
+                              <m:oMathParaPr>
+                                <m:jc m:val="centerGroup"/>
+                              </m:oMathParaPr>
+                              <m:oMath xmlns:m="http://schemas.openxmlformats.org/officeDocument/2006/math">
+                                <m:r>
+                                  <a:rPr lang="en-US" sz="1800" b="0" i="1" smtClean="0">
+                                    <a:latin typeface="Cambria Math" panose="02040503050406030204" pitchFamily="18" charset="0"/>
+                                  </a:rPr>
+                                  <m:t>⋮</m:t>
+                                </m:r>
+                              </m:oMath>
+                            </m:oMathPara>
+                          </a14:m>
+                          <a:endParaRPr lang="en-US" sz="1800" b="0" i="1" dirty="0">
+                            <a:latin typeface="Cambria Math" panose="02040503050406030204" pitchFamily="18" charset="0"/>
+                          </a:endParaRPr>
+                        </a:p>
+                      </a:txBody>
+                      <a:tcPr>
+                        <a:lnL>
+                          <a:noFill/>
+                        </a:lnL>
+                        <a:lnR>
+                          <a:noFill/>
+                        </a:lnR>
+                        <a:lnT>
+                          <a:noFill/>
+                        </a:lnT>
+                        <a:lnB>
+                          <a:noFill/>
+                        </a:lnB>
+                        <a:lnTlToBr w="12700" cmpd="sng">
+                          <a:noFill/>
+                          <a:prstDash val="solid"/>
+                        </a:lnTlToBr>
+                        <a:lnBlToTr w="12700" cmpd="sng">
+                          <a:noFill/>
+                          <a:prstDash val="solid"/>
+                        </a:lnBlToTr>
+                      </a:tcPr>
+                    </a:tc>
+                    <a:tc>
+                      <a:txBody>
+                        <a:bodyPr/>
+                        <a:lstStyle/>
+                        <a:p>
+                          <a:pPr/>
+                          <a14:m>
+                            <m:oMathPara xmlns:m="http://schemas.openxmlformats.org/officeDocument/2006/math">
+                              <m:oMathParaPr>
+                                <m:jc m:val="centerGroup"/>
+                              </m:oMathParaPr>
+                              <m:oMath xmlns:m="http://schemas.openxmlformats.org/officeDocument/2006/math">
+                                <m:r>
+                                  <a:rPr lang="en-US" sz="1800" b="0" i="1" smtClean="0">
+                                    <a:latin typeface="Cambria Math" panose="02040503050406030204" pitchFamily="18" charset="0"/>
+                                  </a:rPr>
+                                  <m:t>⋮</m:t>
+                                </m:r>
+                              </m:oMath>
+                            </m:oMathPara>
+                          </a14:m>
+                          <a:endParaRPr lang="en-US" sz="1800" b="0" i="1" dirty="0">
+                            <a:latin typeface="Cambria Math" panose="02040503050406030204" pitchFamily="18" charset="0"/>
+                          </a:endParaRPr>
+                        </a:p>
+                      </a:txBody>
+                      <a:tcPr>
+                        <a:lnL>
+                          <a:noFill/>
+                        </a:lnL>
+                        <a:lnR>
+                          <a:noFill/>
+                        </a:lnR>
+                        <a:lnT>
+                          <a:noFill/>
+                        </a:lnT>
+                        <a:lnB>
+                          <a:noFill/>
+                        </a:lnB>
+                        <a:lnTlToBr w="12700" cmpd="sng">
+                          <a:noFill/>
+                          <a:prstDash val="solid"/>
+                        </a:lnTlToBr>
+                        <a:lnBlToTr w="12700" cmpd="sng">
+                          <a:noFill/>
+                          <a:prstDash val="solid"/>
+                        </a:lnBlToTr>
+                      </a:tcPr>
+                    </a:tc>
+                    <a:tc>
+                      <a:txBody>
+                        <a:bodyPr/>
+                        <a:lstStyle/>
+                        <a:p>
+                          <a:pPr/>
+                          <a14:m>
+                            <m:oMathPara xmlns:m="http://schemas.openxmlformats.org/officeDocument/2006/math">
+                              <m:oMathParaPr>
+                                <m:jc m:val="centerGroup"/>
+                              </m:oMathParaPr>
+                              <m:oMath xmlns:m="http://schemas.openxmlformats.org/officeDocument/2006/math">
+                                <m:r>
+                                  <a:rPr lang="en-US" sz="1800" b="0" smtClean="0">
+                                    <a:latin typeface="Cambria Math" panose="02040503050406030204" pitchFamily="18" charset="0"/>
+                                  </a:rPr>
+                                  <m:t>………</m:t>
+                                </m:r>
+                              </m:oMath>
+                            </m:oMathPara>
+                          </a14:m>
+                          <a:endParaRPr lang="en-US" sz="1800" dirty="0"/>
+                        </a:p>
+                      </a:txBody>
+                      <a:tcPr>
+                        <a:lnL>
+                          <a:noFill/>
+                        </a:lnL>
+                        <a:lnR>
+                          <a:noFill/>
+                        </a:lnR>
+                        <a:lnT>
+                          <a:noFill/>
+                        </a:lnT>
+                        <a:lnB>
+                          <a:noFill/>
+                        </a:lnB>
+                        <a:lnTlToBr w="12700" cmpd="sng">
+                          <a:noFill/>
+                          <a:prstDash val="solid"/>
+                        </a:lnTlToBr>
+                        <a:lnBlToTr w="12700" cmpd="sng">
+                          <a:noFill/>
+                          <a:prstDash val="solid"/>
+                        </a:lnBlToTr>
+                      </a:tcPr>
+                    </a:tc>
+                    <a:tc>
+                      <a:txBody>
+                        <a:bodyPr/>
+                        <a:lstStyle/>
+                        <a:p>
+                          <a:pPr/>
+                          <a14:m>
+                            <m:oMathPara xmlns:m="http://schemas.openxmlformats.org/officeDocument/2006/math">
+                              <m:oMathParaPr>
+                                <m:jc m:val="centerGroup"/>
+                              </m:oMathParaPr>
+                              <m:oMath xmlns:m="http://schemas.openxmlformats.org/officeDocument/2006/math">
+                                <m:r>
+                                  <a:rPr lang="en-US" sz="1800" b="0" i="1" smtClean="0">
+                                    <a:latin typeface="Cambria Math" panose="02040503050406030204" pitchFamily="18" charset="0"/>
+                                  </a:rPr>
+                                  <m:t>⋮</m:t>
+                                </m:r>
+                              </m:oMath>
+                            </m:oMathPara>
+                          </a14:m>
+                          <a:endParaRPr lang="en-US" sz="1800" b="0" i="1" dirty="0">
+                            <a:latin typeface="Cambria Math" panose="02040503050406030204" pitchFamily="18" charset="0"/>
+                          </a:endParaRPr>
+                        </a:p>
+                      </a:txBody>
+                      <a:tcPr>
+                        <a:lnL>
+                          <a:noFill/>
+                        </a:lnL>
+                        <a:lnR>
+                          <a:noFill/>
+                        </a:lnR>
+                        <a:lnT>
+                          <a:noFill/>
+                        </a:lnT>
+                        <a:lnB>
+                          <a:noFill/>
+                        </a:lnB>
+                        <a:lnTlToBr w="12700" cmpd="sng">
+                          <a:noFill/>
+                          <a:prstDash val="solid"/>
+                        </a:lnTlToBr>
+                        <a:lnBlToTr w="12700" cmpd="sng">
+                          <a:noFill/>
+                          <a:prstDash val="solid"/>
+                        </a:lnBlToTr>
+                      </a:tcPr>
+                    </a:tc>
+                    <a:tc>
+                      <a:txBody>
+                        <a:bodyPr/>
+                        <a:lstStyle/>
+                        <a:p>
+                          <a:pPr/>
+                          <a14:m>
+                            <m:oMathPara xmlns:m="http://schemas.openxmlformats.org/officeDocument/2006/math">
+                              <m:oMathParaPr>
+                                <m:jc m:val="centerGroup"/>
+                              </m:oMathParaPr>
+                              <m:oMath xmlns:m="http://schemas.openxmlformats.org/officeDocument/2006/math">
+                                <m:r>
+                                  <a:rPr lang="en-US" sz="1800" b="0" i="1" smtClean="0">
+                                    <a:latin typeface="Cambria Math" panose="02040503050406030204" pitchFamily="18" charset="0"/>
+                                  </a:rPr>
+                                  <m:t>⋮</m:t>
+                                </m:r>
+                              </m:oMath>
+                            </m:oMathPara>
+                          </a14:m>
+                          <a:endParaRPr lang="en-US" sz="1800" dirty="0"/>
+                        </a:p>
+                      </a:txBody>
+                      <a:tcPr>
+                        <a:lnL>
+                          <a:noFill/>
+                        </a:lnL>
+                        <a:lnR w="12700" cap="flat" cmpd="sng" algn="ctr">
+                          <a:noFill/>
+                          <a:prstDash val="solid"/>
+                          <a:round/>
+                          <a:headEnd type="none" w="med" len="med"/>
+                          <a:tailEnd type="none" w="med" len="med"/>
+                        </a:lnR>
+                        <a:lnT>
+                          <a:noFill/>
+                        </a:lnT>
+                        <a:lnB>
+                          <a:noFill/>
+                        </a:lnB>
+                        <a:lnTlToBr w="12700" cmpd="sng">
+                          <a:noFill/>
+                          <a:prstDash val="solid"/>
+                        </a:lnTlToBr>
+                        <a:lnBlToTr w="12700" cmpd="sng">
+                          <a:noFill/>
+                          <a:prstDash val="solid"/>
+                        </a:lnBlToTr>
+                      </a:tcPr>
+                    </a:tc>
+                    <a:extLst>
+                      <a:ext uri="{0D108BD9-81ED-4DB2-BD59-A6C34878D82A}">
+                        <a16:rowId xmlns:a16="http://schemas.microsoft.com/office/drawing/2014/main" val="962309117"/>
+                      </a:ext>
+                    </a:extLst>
+                  </a:tr>
+                  <a:tr h="393653">
+                    <a:tc>
+                      <a:txBody>
+                        <a:bodyPr/>
+                        <a:lstStyle/>
+                        <a:p>
+                          <a:pPr marL="0" marR="0" lvl="0" indent="0" algn="l" defTabSz="914400" rtl="0" eaLnBrk="1" fontAlgn="auto" latinLnBrk="0" hangingPunct="1">
+                            <a:lnSpc>
+                              <a:spcPct val="100000"/>
+                            </a:lnSpc>
+                            <a:spcBef>
+                              <a:spcPts val="0"/>
+                            </a:spcBef>
+                            <a:spcAft>
+                              <a:spcPts val="0"/>
+                            </a:spcAft>
+                            <a:buClrTx/>
+                            <a:buSzTx/>
+                            <a:buFontTx/>
+                            <a:buNone/>
+                            <a:tabLst/>
+                            <a:defRPr/>
+                          </a:pPr>
+                          <a14:m>
+                            <m:oMathPara xmlns:m="http://schemas.openxmlformats.org/officeDocument/2006/math">
+                              <m:oMathParaPr>
+                                <m:jc m:val="centerGroup"/>
+                              </m:oMathParaPr>
+                              <m:oMath xmlns:m="http://schemas.openxmlformats.org/officeDocument/2006/math">
+                                <m:r>
+                                  <a:rPr lang="en-US" sz="1800" b="0" i="1" smtClean="0">
+                                    <a:latin typeface="Cambria Math" panose="02040503050406030204" pitchFamily="18" charset="0"/>
+                                  </a:rPr>
+                                  <m:t>⋮</m:t>
+                                </m:r>
+                              </m:oMath>
+                            </m:oMathPara>
+                          </a14:m>
+                          <a:endParaRPr lang="en-US" sz="1800" b="0" dirty="0"/>
+                        </a:p>
+                      </a:txBody>
+                      <a:tcPr>
+                        <a:lnL w="12700" cap="flat" cmpd="sng" algn="ctr">
+                          <a:noFill/>
+                          <a:prstDash val="solid"/>
+                          <a:round/>
+                          <a:headEnd type="none" w="med" len="med"/>
+                          <a:tailEnd type="none" w="med" len="med"/>
+                        </a:lnL>
+                        <a:lnR>
+                          <a:noFill/>
+                        </a:lnR>
+                        <a:lnT>
+                          <a:noFill/>
+                        </a:lnT>
+                        <a:lnB>
+                          <a:noFill/>
+                        </a:lnB>
+                        <a:lnTlToBr w="12700" cmpd="sng">
+                          <a:noFill/>
+                          <a:prstDash val="solid"/>
+                        </a:lnTlToBr>
+                        <a:lnBlToTr w="12700" cmpd="sng">
+                          <a:noFill/>
+                          <a:prstDash val="solid"/>
+                        </a:lnBlToTr>
+                      </a:tcPr>
+                    </a:tc>
+                    <a:tc>
+                      <a:txBody>
+                        <a:bodyPr/>
+                        <a:lstStyle/>
+                        <a:p>
+                          <a:pPr marL="0" marR="0" lvl="0" indent="0" algn="l" defTabSz="914400" rtl="0" eaLnBrk="1" fontAlgn="auto" latinLnBrk="0" hangingPunct="1">
+                            <a:lnSpc>
+                              <a:spcPct val="100000"/>
+                            </a:lnSpc>
+                            <a:spcBef>
+                              <a:spcPts val="0"/>
+                            </a:spcBef>
+                            <a:spcAft>
+                              <a:spcPts val="0"/>
+                            </a:spcAft>
+                            <a:buClrTx/>
+                            <a:buSzTx/>
+                            <a:buFontTx/>
+                            <a:buNone/>
+                            <a:tabLst/>
+                            <a:defRPr/>
+                          </a:pPr>
+                          <a14:m>
+                            <m:oMathPara xmlns:m="http://schemas.openxmlformats.org/officeDocument/2006/math">
+                              <m:oMathParaPr>
+                                <m:jc m:val="centerGroup"/>
+                              </m:oMathParaPr>
+                              <m:oMath xmlns:m="http://schemas.openxmlformats.org/officeDocument/2006/math">
+                                <m:r>
+                                  <a:rPr lang="en-US" sz="1800" b="0" i="1" smtClean="0">
+                                    <a:latin typeface="Cambria Math" panose="02040503050406030204" pitchFamily="18" charset="0"/>
+                                  </a:rPr>
+                                  <m:t>𝑀</m:t>
+                                </m:r>
+                              </m:oMath>
+                            </m:oMathPara>
+                          </a14:m>
+                          <a:endParaRPr lang="en-US" sz="1800" dirty="0"/>
+                        </a:p>
+                      </a:txBody>
+                      <a:tcPr>
+                        <a:lnL>
+                          <a:noFill/>
+                        </a:lnL>
+                        <a:lnR>
+                          <a:noFill/>
+                        </a:lnR>
+                        <a:lnT>
+                          <a:noFill/>
+                        </a:lnT>
+                        <a:lnB>
+                          <a:noFill/>
+                        </a:lnB>
+                        <a:lnTlToBr w="12700" cmpd="sng">
+                          <a:noFill/>
+                          <a:prstDash val="solid"/>
+                        </a:lnTlToBr>
+                        <a:lnBlToTr w="12700" cmpd="sng">
+                          <a:noFill/>
+                          <a:prstDash val="solid"/>
+                        </a:lnBlToTr>
+                      </a:tcPr>
+                    </a:tc>
+                    <a:tc>
+                      <a:txBody>
+                        <a:bodyPr/>
+                        <a:lstStyle/>
+                        <a:p>
+                          <a:pPr marL="0" marR="0" lvl="0" indent="0" algn="l" defTabSz="914400" rtl="0" eaLnBrk="1" fontAlgn="auto" latinLnBrk="0" hangingPunct="1">
+                            <a:lnSpc>
+                              <a:spcPct val="100000"/>
+                            </a:lnSpc>
+                            <a:spcBef>
+                              <a:spcPts val="0"/>
+                            </a:spcBef>
+                            <a:spcAft>
+                              <a:spcPts val="0"/>
+                            </a:spcAft>
+                            <a:buClrTx/>
+                            <a:buSzTx/>
+                            <a:buFontTx/>
+                            <a:buNone/>
+                            <a:tabLst/>
+                            <a:defRPr/>
+                          </a:pPr>
+                          <a14:m>
+                            <m:oMathPara xmlns:m="http://schemas.openxmlformats.org/officeDocument/2006/math">
+                              <m:oMathParaPr>
+                                <m:jc m:val="centerGroup"/>
+                              </m:oMathParaPr>
+                              <m:oMath xmlns:m="http://schemas.openxmlformats.org/officeDocument/2006/math">
+                                <m:r>
+                                  <a:rPr lang="en-US" sz="1800" b="0" i="1" smtClean="0">
+                                    <a:latin typeface="Cambria Math" panose="02040503050406030204" pitchFamily="18" charset="0"/>
+                                  </a:rPr>
+                                  <m:t>𝑀</m:t>
+                                </m:r>
+                              </m:oMath>
+                            </m:oMathPara>
+                          </a14:m>
+                          <a:endParaRPr lang="en-US" sz="1800" dirty="0"/>
+                        </a:p>
+                      </a:txBody>
+                      <a:tcPr>
+                        <a:lnL>
+                          <a:noFill/>
+                        </a:lnL>
+                        <a:lnR>
+                          <a:noFill/>
+                        </a:lnR>
+                        <a:lnT>
+                          <a:noFill/>
+                        </a:lnT>
+                        <a:lnB>
+                          <a:noFill/>
+                        </a:lnB>
+                        <a:lnTlToBr w="12700" cmpd="sng">
+                          <a:noFill/>
+                          <a:prstDash val="solid"/>
+                        </a:lnTlToBr>
+                        <a:lnBlToTr w="12700" cmpd="sng">
+                          <a:noFill/>
+                          <a:prstDash val="solid"/>
+                        </a:lnBlToTr>
+                      </a:tcPr>
+                    </a:tc>
+                    <a:tc>
+                      <a:txBody>
+                        <a:bodyPr/>
+                        <a:lstStyle/>
+                        <a:p>
+                          <a:pPr/>
+                          <a14:m>
+                            <m:oMathPara xmlns:m="http://schemas.openxmlformats.org/officeDocument/2006/math">
+                              <m:oMathParaPr>
+                                <m:jc m:val="centerGroup"/>
+                              </m:oMathParaPr>
+                              <m:oMath xmlns:m="http://schemas.openxmlformats.org/officeDocument/2006/math">
+                                <m:r>
+                                  <a:rPr lang="en-US" sz="1800" b="0" smtClean="0">
+                                    <a:latin typeface="Cambria Math" panose="02040503050406030204" pitchFamily="18" charset="0"/>
+                                  </a:rPr>
+                                  <m:t>………</m:t>
+                                </m:r>
+                              </m:oMath>
+                            </m:oMathPara>
+                          </a14:m>
+                          <a:endParaRPr lang="en-US" sz="1800" dirty="0"/>
+                        </a:p>
+                      </a:txBody>
+                      <a:tcPr>
+                        <a:lnL>
+                          <a:noFill/>
+                        </a:lnL>
+                        <a:lnR>
+                          <a:noFill/>
+                        </a:lnR>
+                        <a:lnT>
+                          <a:noFill/>
+                        </a:lnT>
+                        <a:lnB>
+                          <a:noFill/>
+                        </a:lnB>
+                        <a:lnTlToBr w="12700" cmpd="sng">
+                          <a:noFill/>
+                          <a:prstDash val="solid"/>
+                        </a:lnTlToBr>
+                        <a:lnBlToTr w="12700" cmpd="sng">
+                          <a:noFill/>
+                          <a:prstDash val="solid"/>
+                        </a:lnBlToTr>
+                      </a:tcPr>
+                    </a:tc>
+                    <a:tc>
+                      <a:txBody>
+                        <a:bodyPr/>
+                        <a:lstStyle/>
+                        <a:p>
+                          <a:pPr marL="0" marR="0" lvl="0" indent="0" algn="l" defTabSz="914400" rtl="0" eaLnBrk="1" fontAlgn="auto" latinLnBrk="0" hangingPunct="1">
+                            <a:lnSpc>
+                              <a:spcPct val="100000"/>
+                            </a:lnSpc>
+                            <a:spcBef>
+                              <a:spcPts val="0"/>
+                            </a:spcBef>
+                            <a:spcAft>
+                              <a:spcPts val="0"/>
+                            </a:spcAft>
+                            <a:buClrTx/>
+                            <a:buSzTx/>
+                            <a:buFontTx/>
+                            <a:buNone/>
+                            <a:tabLst/>
+                            <a:defRPr/>
+                          </a:pPr>
+                          <a14:m>
+                            <m:oMathPara xmlns:m="http://schemas.openxmlformats.org/officeDocument/2006/math">
+                              <m:oMathParaPr>
+                                <m:jc m:val="centerGroup"/>
+                              </m:oMathParaPr>
+                              <m:oMath xmlns:m="http://schemas.openxmlformats.org/officeDocument/2006/math">
+                                <m:r>
+                                  <a:rPr lang="en-US" sz="1800" b="0" i="1" smtClean="0">
+                                    <a:latin typeface="Cambria Math" panose="02040503050406030204" pitchFamily="18" charset="0"/>
+                                  </a:rPr>
+                                  <m:t>𝑀</m:t>
+                                </m:r>
+                              </m:oMath>
+                            </m:oMathPara>
+                          </a14:m>
+                          <a:endParaRPr lang="en-US" sz="1800" dirty="0"/>
+                        </a:p>
+                      </a:txBody>
+                      <a:tcPr>
+                        <a:lnL>
+                          <a:noFill/>
+                        </a:lnL>
+                        <a:lnR>
+                          <a:noFill/>
+                        </a:lnR>
+                        <a:lnT>
+                          <a:noFill/>
+                        </a:lnT>
+                        <a:lnB>
+                          <a:noFill/>
+                        </a:lnB>
+                        <a:lnTlToBr w="12700" cmpd="sng">
+                          <a:noFill/>
+                          <a:prstDash val="solid"/>
+                        </a:lnTlToBr>
+                        <a:lnBlToTr w="12700" cmpd="sng">
+                          <a:noFill/>
+                          <a:prstDash val="solid"/>
+                        </a:lnBlToTr>
+                      </a:tcPr>
+                    </a:tc>
+                    <a:tc>
+                      <a:txBody>
+                        <a:bodyPr/>
+                        <a:lstStyle/>
+                        <a:p>
+                          <a:pPr/>
+                          <a14:m>
+                            <m:oMathPara xmlns:m="http://schemas.openxmlformats.org/officeDocument/2006/math">
+                              <m:oMathParaPr>
+                                <m:jc m:val="centerGroup"/>
+                              </m:oMathParaPr>
+                              <m:oMath xmlns:m="http://schemas.openxmlformats.org/officeDocument/2006/math">
+                                <m:sSub>
+                                  <m:sSubPr>
+                                    <m:ctrlPr>
+                                      <a:rPr lang="en-US" sz="1800" b="0" i="1" smtClean="0">
+                                        <a:latin typeface="Cambria Math" panose="02040503050406030204" pitchFamily="18" charset="0"/>
+                                      </a:rPr>
+                                    </m:ctrlPr>
+                                  </m:sSubPr>
+                                  <m:e>
+                                    <m:r>
+                                      <a:rPr lang="en-US" sz="1800" b="0" i="1" smtClean="0">
+                                        <a:latin typeface="Cambria Math" panose="02040503050406030204" pitchFamily="18" charset="0"/>
+                                      </a:rPr>
+                                      <m:t>𝛿</m:t>
+                                    </m:r>
+                                  </m:e>
+                                  <m:sub>
+                                    <m:r>
+                                      <a:rPr lang="en-US" sz="1800" b="0" i="1" smtClean="0">
+                                        <a:latin typeface="Cambria Math" panose="02040503050406030204" pitchFamily="18" charset="0"/>
+                                      </a:rPr>
+                                      <m:t>𝑁</m:t>
+                                    </m:r>
+                                  </m:sub>
+                                </m:sSub>
+                              </m:oMath>
+                            </m:oMathPara>
+                          </a14:m>
+                          <a:endParaRPr lang="en-US" sz="1800" dirty="0"/>
+                        </a:p>
+                      </a:txBody>
+                      <a:tcPr>
+                        <a:lnL>
+                          <a:noFill/>
+                        </a:lnL>
+                        <a:lnR w="12700" cap="flat" cmpd="sng" algn="ctr">
+                          <a:noFill/>
+                          <a:prstDash val="solid"/>
+                          <a:round/>
+                          <a:headEnd type="none" w="med" len="med"/>
+                          <a:tailEnd type="none" w="med" len="med"/>
+                        </a:lnR>
+                        <a:lnT>
+                          <a:noFill/>
+                        </a:lnT>
+                        <a:lnB>
+                          <a:noFill/>
+                        </a:lnB>
+                        <a:lnTlToBr w="12700" cmpd="sng">
+                          <a:noFill/>
+                          <a:prstDash val="solid"/>
+                        </a:lnTlToBr>
+                        <a:lnBlToTr w="12700" cmpd="sng">
+                          <a:noFill/>
+                          <a:prstDash val="solid"/>
+                        </a:lnBlToTr>
+                      </a:tcPr>
+                    </a:tc>
+                    <a:extLst>
+                      <a:ext uri="{0D108BD9-81ED-4DB2-BD59-A6C34878D82A}">
+                        <a16:rowId xmlns:a16="http://schemas.microsoft.com/office/drawing/2014/main" val="712436518"/>
+                      </a:ext>
+                    </a:extLst>
+                  </a:tr>
+                  <a:tr h="393653">
+                    <a:tc>
+                      <a:txBody>
+                        <a:bodyPr/>
+                        <a:lstStyle/>
+                        <a:p>
+                          <a:pPr/>
+                          <a14:m>
+                            <m:oMathPara xmlns:m="http://schemas.openxmlformats.org/officeDocument/2006/math">
+                              <m:oMathParaPr>
+                                <m:jc m:val="centerGroup"/>
+                              </m:oMathParaPr>
+                              <m:oMath xmlns:m="http://schemas.openxmlformats.org/officeDocument/2006/math">
+                                <m:sSub>
+                                  <m:sSubPr>
+                                    <m:ctrlPr>
+                                      <a:rPr lang="en-US" sz="1800" b="0" i="1" smtClean="0">
+                                        <a:latin typeface="Cambria Math" panose="02040503050406030204" pitchFamily="18" charset="0"/>
+                                      </a:rPr>
+                                    </m:ctrlPr>
+                                  </m:sSubPr>
+                                  <m:e>
+                                    <m:r>
+                                      <a:rPr lang="en-US" sz="1800" b="0" i="1" smtClean="0">
+                                        <a:latin typeface="Cambria Math" panose="02040503050406030204" pitchFamily="18" charset="0"/>
+                                      </a:rPr>
+                                      <m:t>𝑑</m:t>
+                                    </m:r>
+                                  </m:e>
+                                  <m:sub>
+                                    <m:r>
+                                      <a:rPr lang="en-US" sz="1800" b="0" i="1" smtClean="0">
+                                        <a:latin typeface="Cambria Math" panose="02040503050406030204" pitchFamily="18" charset="0"/>
+                                      </a:rPr>
+                                      <m:t>𝑁</m:t>
+                                    </m:r>
+                                  </m:sub>
+                                </m:sSub>
+                              </m:oMath>
+                            </m:oMathPara>
+                          </a14:m>
+                          <a:endParaRPr lang="en-US" sz="1800" b="0" dirty="0"/>
+                        </a:p>
+                      </a:txBody>
+                      <a:tcPr>
+                        <a:lnL w="12700" cap="flat" cmpd="sng" algn="ctr">
+                          <a:noFill/>
+                          <a:prstDash val="solid"/>
+                          <a:round/>
+                          <a:headEnd type="none" w="med" len="med"/>
+                          <a:tailEnd type="none" w="med" len="med"/>
+                        </a:lnL>
+                        <a:lnR>
+                          <a:noFill/>
+                        </a:lnR>
+                        <a:lnT>
+                          <a:noFill/>
+                        </a:lnT>
+                        <a:lnB>
+                          <a:noFill/>
+                        </a:lnB>
+                        <a:lnTlToBr w="12700" cmpd="sng">
+                          <a:noFill/>
+                          <a:prstDash val="solid"/>
+                        </a:lnTlToBr>
+                        <a:lnBlToTr w="12700" cmpd="sng">
+                          <a:noFill/>
+                          <a:prstDash val="solid"/>
+                        </a:lnBlToTr>
+                      </a:tcPr>
+                    </a:tc>
+                    <a:tc>
+                      <a:txBody>
+                        <a:bodyPr/>
+                        <a:lstStyle/>
+                        <a:p>
+                          <a:pPr marL="0" marR="0" lvl="0" indent="0" algn="l" defTabSz="914400" rtl="0" eaLnBrk="1" fontAlgn="auto" latinLnBrk="0" hangingPunct="1">
+                            <a:lnSpc>
+                              <a:spcPct val="100000"/>
+                            </a:lnSpc>
+                            <a:spcBef>
+                              <a:spcPts val="0"/>
+                            </a:spcBef>
+                            <a:spcAft>
+                              <a:spcPts val="0"/>
+                            </a:spcAft>
+                            <a:buClrTx/>
+                            <a:buSzTx/>
+                            <a:buFontTx/>
+                            <a:buNone/>
+                            <a:tabLst/>
+                            <a:defRPr/>
+                          </a:pPr>
+                          <a14:m>
+                            <m:oMathPara xmlns:m="http://schemas.openxmlformats.org/officeDocument/2006/math">
+                              <m:oMathParaPr>
+                                <m:jc m:val="centerGroup"/>
+                              </m:oMathParaPr>
+                              <m:oMath xmlns:m="http://schemas.openxmlformats.org/officeDocument/2006/math">
+                                <m:sSub>
+                                  <m:sSubPr>
+                                    <m:ctrlPr>
+                                      <a:rPr lang="en-US" sz="1800" b="0" i="1" smtClean="0">
+                                        <a:latin typeface="Cambria Math" panose="02040503050406030204" pitchFamily="18" charset="0"/>
+                                      </a:rPr>
+                                    </m:ctrlPr>
+                                  </m:sSubPr>
+                                  <m:e>
+                                    <m:r>
+                                      <a:rPr lang="en-US" sz="1800" b="0" i="1" smtClean="0">
+                                        <a:latin typeface="Cambria Math" panose="02040503050406030204" pitchFamily="18" charset="0"/>
+                                      </a:rPr>
+                                      <m:t>𝛿</m:t>
+                                    </m:r>
+                                  </m:e>
+                                  <m:sub>
+                                    <m:r>
+                                      <a:rPr lang="en-US" sz="1800" b="0" i="1" smtClean="0">
+                                        <a:latin typeface="Cambria Math" panose="02040503050406030204" pitchFamily="18" charset="0"/>
+                                      </a:rPr>
+                                      <m:t>1</m:t>
+                                    </m:r>
+                                  </m:sub>
+                                </m:sSub>
+                              </m:oMath>
+                            </m:oMathPara>
+                          </a14:m>
+                          <a:endParaRPr lang="en-US" sz="1800" dirty="0"/>
+                        </a:p>
+                      </a:txBody>
+                      <a:tcPr>
+                        <a:lnL>
+                          <a:noFill/>
+                        </a:lnL>
+                        <a:lnR>
+                          <a:noFill/>
+                        </a:lnR>
+                        <a:lnT>
+                          <a:noFill/>
+                        </a:lnT>
+                        <a:lnB>
+                          <a:noFill/>
+                        </a:lnB>
+                        <a:lnTlToBr w="12700" cmpd="sng">
+                          <a:noFill/>
+                          <a:prstDash val="solid"/>
+                        </a:lnTlToBr>
+                        <a:lnBlToTr w="12700" cmpd="sng">
+                          <a:noFill/>
+                          <a:prstDash val="solid"/>
+                        </a:lnBlToTr>
+                      </a:tcPr>
+                    </a:tc>
+                    <a:tc>
+                      <a:txBody>
+                        <a:bodyPr/>
+                        <a:lstStyle/>
+                        <a:p>
+                          <a:pPr marL="0" marR="0" lvl="0" indent="0" algn="l" defTabSz="914400" rtl="0" eaLnBrk="1" fontAlgn="auto" latinLnBrk="0" hangingPunct="1">
+                            <a:lnSpc>
+                              <a:spcPct val="100000"/>
+                            </a:lnSpc>
+                            <a:spcBef>
+                              <a:spcPts val="0"/>
+                            </a:spcBef>
+                            <a:spcAft>
+                              <a:spcPts val="0"/>
+                            </a:spcAft>
+                            <a:buClrTx/>
+                            <a:buSzTx/>
+                            <a:buFontTx/>
+                            <a:buNone/>
+                            <a:tabLst/>
+                            <a:defRPr/>
+                          </a:pPr>
+                          <a14:m>
+                            <m:oMathPara xmlns:m="http://schemas.openxmlformats.org/officeDocument/2006/math">
+                              <m:oMathParaPr>
+                                <m:jc m:val="centerGroup"/>
+                              </m:oMathParaPr>
+                              <m:oMath xmlns:m="http://schemas.openxmlformats.org/officeDocument/2006/math">
+                                <m:sSub>
+                                  <m:sSubPr>
+                                    <m:ctrlPr>
+                                      <a:rPr lang="en-US" sz="1800" b="0" i="1" smtClean="0">
+                                        <a:latin typeface="Cambria Math" panose="02040503050406030204" pitchFamily="18" charset="0"/>
+                                      </a:rPr>
+                                    </m:ctrlPr>
+                                  </m:sSubPr>
+                                  <m:e>
+                                    <m:r>
+                                      <a:rPr lang="en-US" sz="1800" b="0" i="1" smtClean="0">
+                                        <a:latin typeface="Cambria Math" panose="02040503050406030204" pitchFamily="18" charset="0"/>
+                                      </a:rPr>
+                                      <m:t>𝛿</m:t>
+                                    </m:r>
+                                  </m:e>
+                                  <m:sub>
+                                    <m:r>
+                                      <a:rPr lang="en-US" sz="1800" b="0" i="1" smtClean="0">
+                                        <a:latin typeface="Cambria Math" panose="02040503050406030204" pitchFamily="18" charset="0"/>
+                                      </a:rPr>
+                                      <m:t>1</m:t>
+                                    </m:r>
+                                  </m:sub>
+                                </m:sSub>
+                              </m:oMath>
+                            </m:oMathPara>
+                          </a14:m>
+                          <a:endParaRPr lang="en-US" sz="1800" dirty="0"/>
+                        </a:p>
+                      </a:txBody>
+                      <a:tcPr>
+                        <a:lnL>
+                          <a:noFill/>
+                        </a:lnL>
+                        <a:lnR>
+                          <a:noFill/>
+                        </a:lnR>
+                        <a:lnT>
+                          <a:noFill/>
+                        </a:lnT>
+                        <a:lnB>
+                          <a:noFill/>
+                        </a:lnB>
+                        <a:lnTlToBr w="12700" cmpd="sng">
+                          <a:noFill/>
+                          <a:prstDash val="solid"/>
+                        </a:lnTlToBr>
+                        <a:lnBlToTr w="12700" cmpd="sng">
+                          <a:noFill/>
+                          <a:prstDash val="solid"/>
+                        </a:lnBlToTr>
+                      </a:tcPr>
+                    </a:tc>
+                    <a:tc>
+                      <a:txBody>
+                        <a:bodyPr/>
+                        <a:lstStyle/>
+                        <a:p>
+                          <a:pPr/>
+                          <a14:m>
+                            <m:oMathPara xmlns:m="http://schemas.openxmlformats.org/officeDocument/2006/math">
+                              <m:oMathParaPr>
+                                <m:jc m:val="centerGroup"/>
+                              </m:oMathParaPr>
+                              <m:oMath xmlns:m="http://schemas.openxmlformats.org/officeDocument/2006/math">
+                                <m:r>
+                                  <a:rPr lang="en-US" sz="1800" b="0" i="1" smtClean="0">
+                                    <a:latin typeface="Cambria Math" panose="02040503050406030204" pitchFamily="18" charset="0"/>
+                                  </a:rPr>
+                                  <m:t>⋮</m:t>
+                                </m:r>
+                              </m:oMath>
+                            </m:oMathPara>
+                          </a14:m>
+                          <a:endParaRPr lang="en-US" sz="1800" dirty="0"/>
+                        </a:p>
+                      </a:txBody>
+                      <a:tcPr>
+                        <a:lnL>
+                          <a:noFill/>
+                        </a:lnL>
+                        <a:lnR>
+                          <a:noFill/>
+                        </a:lnR>
+                        <a:lnT>
+                          <a:noFill/>
+                        </a:lnT>
+                        <a:lnB>
+                          <a:noFill/>
+                        </a:lnB>
+                        <a:lnTlToBr w="12700" cmpd="sng">
+                          <a:noFill/>
+                          <a:prstDash val="solid"/>
+                        </a:lnTlToBr>
+                        <a:lnBlToTr w="12700" cmpd="sng">
+                          <a:noFill/>
+                          <a:prstDash val="solid"/>
+                        </a:lnBlToTr>
+                      </a:tcPr>
+                    </a:tc>
+                    <a:tc>
+                      <a:txBody>
+                        <a:bodyPr/>
+                        <a:lstStyle/>
+                        <a:p>
+                          <a:pPr marL="0" marR="0" lvl="0" indent="0" algn="l" defTabSz="914400" rtl="0" eaLnBrk="1" fontAlgn="auto" latinLnBrk="0" hangingPunct="1">
+                            <a:lnSpc>
+                              <a:spcPct val="100000"/>
+                            </a:lnSpc>
+                            <a:spcBef>
+                              <a:spcPts val="0"/>
+                            </a:spcBef>
+                            <a:spcAft>
+                              <a:spcPts val="0"/>
+                            </a:spcAft>
+                            <a:buClrTx/>
+                            <a:buSzTx/>
+                            <a:buFontTx/>
+                            <a:buNone/>
+                            <a:tabLst/>
+                            <a:defRPr/>
+                          </a:pPr>
+                          <a14:m>
+                            <m:oMathPara xmlns:m="http://schemas.openxmlformats.org/officeDocument/2006/math">
+                              <m:oMathParaPr>
+                                <m:jc m:val="centerGroup"/>
+                              </m:oMathParaPr>
+                              <m:oMath xmlns:m="http://schemas.openxmlformats.org/officeDocument/2006/math">
+                                <m:sSub>
+                                  <m:sSubPr>
+                                    <m:ctrlPr>
+                                      <a:rPr lang="en-US" sz="1800" b="0" i="1" smtClean="0">
+                                        <a:latin typeface="Cambria Math" panose="02040503050406030204" pitchFamily="18" charset="0"/>
+                                      </a:rPr>
+                                    </m:ctrlPr>
+                                  </m:sSubPr>
+                                  <m:e>
+                                    <m:r>
+                                      <a:rPr lang="en-US" sz="1800" b="0" i="1" smtClean="0">
+                                        <a:latin typeface="Cambria Math" panose="02040503050406030204" pitchFamily="18" charset="0"/>
+                                      </a:rPr>
+                                      <m:t>𝛿</m:t>
+                                    </m:r>
+                                  </m:e>
+                                  <m:sub>
+                                    <m:r>
+                                      <a:rPr lang="en-US" sz="1800" b="0" i="1" smtClean="0">
+                                        <a:latin typeface="Cambria Math" panose="02040503050406030204" pitchFamily="18" charset="0"/>
+                                      </a:rPr>
+                                      <m:t>1</m:t>
+                                    </m:r>
+                                  </m:sub>
+                                </m:sSub>
+                              </m:oMath>
+                            </m:oMathPara>
+                          </a14:m>
+                          <a:endParaRPr lang="en-US" sz="1800" dirty="0"/>
+                        </a:p>
+                      </a:txBody>
+                      <a:tcPr>
+                        <a:lnL>
+                          <a:noFill/>
+                        </a:lnL>
+                        <a:lnR>
+                          <a:noFill/>
+                        </a:lnR>
+                        <a:lnT>
+                          <a:noFill/>
+                        </a:lnT>
+                        <a:lnB>
+                          <a:noFill/>
+                        </a:lnB>
+                        <a:lnTlToBr w="12700" cmpd="sng">
+                          <a:noFill/>
+                          <a:prstDash val="solid"/>
+                        </a:lnTlToBr>
+                        <a:lnBlToTr w="12700" cmpd="sng">
+                          <a:noFill/>
+                          <a:prstDash val="solid"/>
+                        </a:lnBlToTr>
+                      </a:tcPr>
+                    </a:tc>
+                    <a:tc>
+                      <a:txBody>
+                        <a:bodyPr/>
+                        <a:lstStyle/>
+                        <a:p>
+                          <a:endParaRPr lang="en-US" sz="1800" dirty="0"/>
+                        </a:p>
+                      </a:txBody>
+                      <a:tcPr>
+                        <a:lnL>
+                          <a:noFill/>
+                        </a:lnL>
+                        <a:lnR w="12700" cap="flat" cmpd="sng" algn="ctr">
+                          <a:noFill/>
+                          <a:prstDash val="solid"/>
+                          <a:round/>
+                          <a:headEnd type="none" w="med" len="med"/>
+                          <a:tailEnd type="none" w="med" len="med"/>
+                        </a:lnR>
+                        <a:lnT>
+                          <a:noFill/>
+                        </a:lnT>
+                        <a:lnB>
+                          <a:noFill/>
+                        </a:lnB>
+                        <a:lnTlToBr w="12700" cmpd="sng">
+                          <a:noFill/>
+                          <a:prstDash val="solid"/>
+                        </a:lnTlToBr>
+                        <a:lnBlToTr w="12700" cmpd="sng">
+                          <a:noFill/>
+                          <a:prstDash val="solid"/>
+                        </a:lnBlToTr>
+                      </a:tcPr>
+                    </a:tc>
+                    <a:extLst>
+                      <a:ext uri="{0D108BD9-81ED-4DB2-BD59-A6C34878D82A}">
+                        <a16:rowId xmlns:a16="http://schemas.microsoft.com/office/drawing/2014/main" val="527526916"/>
+                      </a:ext>
+                    </a:extLst>
+                  </a:tr>
+                  <a:tr h="420415">
+                    <a:tc>
+                      <a:txBody>
+                        <a:bodyPr/>
+                        <a:lstStyle/>
+                        <a:p>
+                          <a:pPr marL="0" marR="0" lvl="0" indent="0" algn="l" defTabSz="914400" rtl="0" eaLnBrk="1" fontAlgn="auto" latinLnBrk="0" hangingPunct="1">
+                            <a:lnSpc>
+                              <a:spcPct val="100000"/>
+                            </a:lnSpc>
+                            <a:spcBef>
+                              <a:spcPts val="0"/>
+                            </a:spcBef>
+                            <a:spcAft>
+                              <a:spcPts val="0"/>
+                            </a:spcAft>
+                            <a:buClrTx/>
+                            <a:buSzTx/>
+                            <a:buFontTx/>
+                            <a:buNone/>
+                            <a:tabLst/>
+                            <a:defRPr/>
+                          </a:pPr>
+                          <a:endParaRPr lang="en-US" sz="1800" dirty="0"/>
+                        </a:p>
+                      </a:txBody>
+                      <a:tcPr>
+                        <a:lnL w="12700" cap="flat" cmpd="sng" algn="ctr">
+                          <a:noFill/>
+                          <a:prstDash val="solid"/>
+                          <a:round/>
+                          <a:headEnd type="none" w="med" len="med"/>
+                          <a:tailEnd type="none" w="med" len="med"/>
+                        </a:lnL>
+                        <a:lnR>
+                          <a:noFill/>
+                        </a:lnR>
+                        <a:lnT>
+                          <a:noFill/>
+                        </a:lnT>
+                        <a:lnB>
+                          <a:noFill/>
+                        </a:lnB>
+                        <a:lnTlToBr w="12700" cmpd="sng">
+                          <a:noFill/>
+                          <a:prstDash val="solid"/>
+                        </a:lnTlToBr>
+                        <a:lnBlToTr w="12700" cmpd="sng">
+                          <a:noFill/>
+                          <a:prstDash val="solid"/>
+                        </a:lnBlToTr>
+                      </a:tcPr>
+                    </a:tc>
+                    <a:tc>
+                      <a:txBody>
+                        <a:bodyPr/>
+                        <a:lstStyle/>
+                        <a:p>
+                          <a:pPr/>
+                          <a14:m>
+                            <m:oMathPara xmlns:m="http://schemas.openxmlformats.org/officeDocument/2006/math">
+                              <m:oMathParaPr>
+                                <m:jc m:val="centerGroup"/>
+                              </m:oMathParaPr>
+                              <m:oMath xmlns:m="http://schemas.openxmlformats.org/officeDocument/2006/math">
+                                <m:r>
+                                  <a:rPr lang="en-US" sz="1800" b="0" i="1" smtClean="0">
+                                    <a:latin typeface="Cambria Math" panose="02040503050406030204" pitchFamily="18" charset="0"/>
+                                  </a:rPr>
+                                  <m:t>⋮</m:t>
+                                </m:r>
+                              </m:oMath>
+                            </m:oMathPara>
+                          </a14:m>
+                          <a:endParaRPr lang="en-US" sz="1800" dirty="0"/>
+                        </a:p>
+                      </a:txBody>
+                      <a:tcPr>
+                        <a:lnL>
+                          <a:noFill/>
+                        </a:lnL>
+                        <a:lnR>
+                          <a:noFill/>
+                        </a:lnR>
+                        <a:lnT>
+                          <a:noFill/>
+                        </a:lnT>
+                        <a:lnB>
+                          <a:noFill/>
+                        </a:lnB>
+                        <a:lnTlToBr w="12700" cmpd="sng">
+                          <a:noFill/>
+                          <a:prstDash val="solid"/>
+                        </a:lnTlToBr>
+                        <a:lnBlToTr w="12700" cmpd="sng">
+                          <a:noFill/>
+                          <a:prstDash val="solid"/>
+                        </a:lnBlToTr>
+                      </a:tcPr>
+                    </a:tc>
+                    <a:tc>
+                      <a:txBody>
+                        <a:bodyPr/>
+                        <a:lstStyle/>
+                        <a:p>
+                          <a:pPr/>
+                          <a14:m>
+                            <m:oMathPara xmlns:m="http://schemas.openxmlformats.org/officeDocument/2006/math">
+                              <m:oMathParaPr>
+                                <m:jc m:val="centerGroup"/>
+                              </m:oMathParaPr>
+                              <m:oMath xmlns:m="http://schemas.openxmlformats.org/officeDocument/2006/math">
+                                <m:r>
+                                  <a:rPr lang="en-US" sz="1800" b="0" i="1" smtClean="0">
+                                    <a:latin typeface="Cambria Math" panose="02040503050406030204" pitchFamily="18" charset="0"/>
+                                  </a:rPr>
+                                  <m:t>⋮</m:t>
+                                </m:r>
+                              </m:oMath>
+                            </m:oMathPara>
+                          </a14:m>
+                          <a:endParaRPr lang="en-US" sz="1800" dirty="0"/>
+                        </a:p>
+                      </a:txBody>
+                      <a:tcPr>
+                        <a:lnL>
+                          <a:noFill/>
+                        </a:lnL>
+                        <a:lnR>
+                          <a:noFill/>
+                        </a:lnR>
+                        <a:lnT>
+                          <a:noFill/>
+                        </a:lnT>
+                        <a:lnB>
+                          <a:noFill/>
+                        </a:lnB>
+                        <a:lnTlToBr w="12700" cmpd="sng">
+                          <a:noFill/>
+                          <a:prstDash val="solid"/>
+                        </a:lnTlToBr>
+                        <a:lnBlToTr w="12700" cmpd="sng">
+                          <a:noFill/>
+                          <a:prstDash val="solid"/>
+                        </a:lnBlToTr>
+                      </a:tcPr>
+                    </a:tc>
+                    <a:tc>
+                      <a:txBody>
+                        <a:bodyPr/>
+                        <a:lstStyle/>
+                        <a:p>
+                          <a:pPr/>
+                          <a14:m>
+                            <m:oMathPara xmlns:m="http://schemas.openxmlformats.org/officeDocument/2006/math">
+                              <m:oMathParaPr>
+                                <m:jc m:val="centerGroup"/>
+                              </m:oMathParaPr>
+                              <m:oMath xmlns:m="http://schemas.openxmlformats.org/officeDocument/2006/math">
+                                <m:r>
+                                  <a:rPr lang="en-US" sz="1800" b="0" smtClean="0">
+                                    <a:latin typeface="Cambria Math" panose="02040503050406030204" pitchFamily="18" charset="0"/>
+                                  </a:rPr>
+                                  <m:t>………</m:t>
+                                </m:r>
+                              </m:oMath>
+                            </m:oMathPara>
+                          </a14:m>
+                          <a:endParaRPr lang="en-US" sz="1800" dirty="0"/>
+                        </a:p>
+                      </a:txBody>
+                      <a:tcPr>
+                        <a:lnL>
+                          <a:noFill/>
+                        </a:lnL>
+                        <a:lnR>
+                          <a:noFill/>
+                        </a:lnR>
+                        <a:lnT>
+                          <a:noFill/>
+                        </a:lnT>
+                        <a:lnB>
+                          <a:noFill/>
+                        </a:lnB>
+                        <a:lnTlToBr w="12700" cmpd="sng">
+                          <a:noFill/>
+                          <a:prstDash val="solid"/>
+                        </a:lnTlToBr>
+                        <a:lnBlToTr w="12700" cmpd="sng">
+                          <a:noFill/>
+                          <a:prstDash val="solid"/>
+                        </a:lnBlToTr>
+                      </a:tcPr>
+                    </a:tc>
+                    <a:tc>
+                      <a:txBody>
+                        <a:bodyPr/>
+                        <a:lstStyle/>
+                        <a:p>
+                          <a:pPr/>
+                          <a14:m>
+                            <m:oMathPara xmlns:m="http://schemas.openxmlformats.org/officeDocument/2006/math">
+                              <m:oMathParaPr>
+                                <m:jc m:val="centerGroup"/>
+                              </m:oMathParaPr>
+                              <m:oMath xmlns:m="http://schemas.openxmlformats.org/officeDocument/2006/math">
+                                <m:r>
+                                  <a:rPr lang="en-US" sz="1800" b="0" i="1" smtClean="0">
+                                    <a:latin typeface="Cambria Math" panose="02040503050406030204" pitchFamily="18" charset="0"/>
+                                  </a:rPr>
+                                  <m:t>⋮</m:t>
+                                </m:r>
+                              </m:oMath>
+                            </m:oMathPara>
+                          </a14:m>
+                          <a:endParaRPr lang="en-US" sz="1800" dirty="0"/>
+                        </a:p>
+                      </a:txBody>
+                      <a:tcPr>
+                        <a:lnL>
+                          <a:noFill/>
+                        </a:lnL>
+                        <a:lnR>
+                          <a:noFill/>
+                        </a:lnR>
+                        <a:lnT>
+                          <a:noFill/>
+                        </a:lnT>
+                        <a:lnB>
+                          <a:noFill/>
+                        </a:lnB>
+                        <a:lnTlToBr w="12700" cmpd="sng">
+                          <a:noFill/>
+                          <a:prstDash val="solid"/>
+                        </a:lnTlToBr>
+                        <a:lnBlToTr w="12700" cmpd="sng">
+                          <a:noFill/>
+                          <a:prstDash val="solid"/>
+                        </a:lnBlToTr>
+                      </a:tcPr>
+                    </a:tc>
+                    <a:tc>
+                      <a:txBody>
+                        <a:bodyPr/>
+                        <a:lstStyle/>
+                        <a:p>
+                          <a:endParaRPr lang="en-US" sz="1800" dirty="0"/>
+                        </a:p>
+                      </a:txBody>
+                      <a:tcPr>
+                        <a:lnL>
+                          <a:noFill/>
+                        </a:lnL>
+                        <a:lnR w="12700" cap="flat" cmpd="sng" algn="ctr">
+                          <a:noFill/>
+                          <a:prstDash val="solid"/>
+                          <a:round/>
+                          <a:headEnd type="none" w="med" len="med"/>
+                          <a:tailEnd type="none" w="med" len="med"/>
+                        </a:lnR>
+                        <a:lnT>
+                          <a:noFill/>
+                        </a:lnT>
+                        <a:lnB>
+                          <a:noFill/>
+                        </a:lnB>
+                        <a:lnTlToBr w="12700" cmpd="sng">
+                          <a:noFill/>
+                          <a:prstDash val="solid"/>
+                        </a:lnTlToBr>
+                        <a:lnBlToTr w="12700" cmpd="sng">
+                          <a:noFill/>
+                          <a:prstDash val="solid"/>
+                        </a:lnBlToTr>
+                      </a:tcPr>
+                    </a:tc>
+                    <a:extLst>
+                      <a:ext uri="{0D108BD9-81ED-4DB2-BD59-A6C34878D82A}">
+                        <a16:rowId xmlns:a16="http://schemas.microsoft.com/office/drawing/2014/main" val="2076919872"/>
+                      </a:ext>
+                    </a:extLst>
+                  </a:tr>
+                  <a:tr h="420415">
+                    <a:tc>
+                      <a:txBody>
+                        <a:bodyPr/>
+                        <a:lstStyle/>
+                        <a:p>
+                          <a:pPr marL="0" marR="0" lvl="0" indent="0" algn="l" defTabSz="914400" rtl="0" eaLnBrk="1" fontAlgn="auto" latinLnBrk="0" hangingPunct="1">
+                            <a:lnSpc>
+                              <a:spcPct val="100000"/>
+                            </a:lnSpc>
+                            <a:spcBef>
+                              <a:spcPts val="0"/>
+                            </a:spcBef>
+                            <a:spcAft>
+                              <a:spcPts val="0"/>
+                            </a:spcAft>
+                            <a:buClrTx/>
+                            <a:buSzTx/>
+                            <a:buFontTx/>
+                            <a:buNone/>
+                            <a:tabLst/>
+                            <a:defRPr/>
+                          </a:pPr>
+                          <a:endParaRPr lang="en-US" sz="1800" dirty="0"/>
+                        </a:p>
+                      </a:txBody>
+                      <a:tcPr>
+                        <a:lnL w="12700" cap="flat" cmpd="sng" algn="ctr">
+                          <a:noFill/>
+                          <a:prstDash val="solid"/>
+                          <a:round/>
+                          <a:headEnd type="none" w="med" len="med"/>
+                          <a:tailEnd type="none" w="med" len="med"/>
+                        </a:lnL>
+                        <a:lnR>
+                          <a:noFill/>
+                        </a:lnR>
+                        <a:lnT>
+                          <a:noFill/>
+                        </a:lnT>
+                        <a:lnB w="12700" cap="flat" cmpd="sng" algn="ctr">
+                          <a:noFill/>
+                          <a:prstDash val="solid"/>
+                          <a:round/>
+                          <a:headEnd type="none" w="med" len="med"/>
+                          <a:tailEnd type="none" w="med" len="med"/>
+                        </a:lnB>
+                        <a:lnTlToBr w="12700" cmpd="sng">
+                          <a:noFill/>
+                          <a:prstDash val="solid"/>
+                        </a:lnTlToBr>
+                        <a:lnBlToTr w="12700" cmpd="sng">
+                          <a:noFill/>
+                          <a:prstDash val="solid"/>
+                        </a:lnBlToTr>
+                      </a:tcPr>
+                    </a:tc>
+                    <a:tc>
+                      <a:txBody>
+                        <a:bodyPr/>
+                        <a:lstStyle/>
+                        <a:p>
+                          <a:pPr/>
+                          <a14:m>
+                            <m:oMathPara xmlns:m="http://schemas.openxmlformats.org/officeDocument/2006/math">
+                              <m:oMathParaPr>
+                                <m:jc m:val="centerGroup"/>
+                              </m:oMathParaPr>
+                              <m:oMath xmlns:m="http://schemas.openxmlformats.org/officeDocument/2006/math">
+                                <m:sSub>
+                                  <m:sSubPr>
+                                    <m:ctrlPr>
+                                      <a:rPr lang="en-US" sz="1800" b="0" i="1" smtClean="0">
+                                        <a:latin typeface="Cambria Math" panose="02040503050406030204" pitchFamily="18" charset="0"/>
+                                      </a:rPr>
+                                    </m:ctrlPr>
+                                  </m:sSubPr>
+                                  <m:e>
+                                    <m:r>
+                                      <a:rPr lang="en-US" sz="1800" b="0" i="1" smtClean="0">
+                                        <a:latin typeface="Cambria Math" panose="02040503050406030204" pitchFamily="18" charset="0"/>
+                                      </a:rPr>
+                                      <m:t>𝛿</m:t>
+                                    </m:r>
+                                  </m:e>
+                                  <m:sub>
+                                    <m:r>
+                                      <a:rPr lang="en-US" sz="1800" b="0" i="1" smtClean="0">
+                                        <a:latin typeface="Cambria Math" panose="02040503050406030204" pitchFamily="18" charset="0"/>
+                                      </a:rPr>
+                                      <m:t>𝑁</m:t>
+                                    </m:r>
+                                  </m:sub>
+                                </m:sSub>
+                              </m:oMath>
+                            </m:oMathPara>
+                          </a14:m>
+                          <a:endParaRPr lang="en-US" sz="1800" dirty="0"/>
+                        </a:p>
+                      </a:txBody>
+                      <a:tcPr>
+                        <a:lnL>
+                          <a:noFill/>
+                        </a:lnL>
+                        <a:lnR>
+                          <a:noFill/>
+                        </a:lnR>
+                        <a:lnT>
+                          <a:noFill/>
+                        </a:lnT>
+                        <a:lnB w="12700" cap="flat" cmpd="sng" algn="ctr">
+                          <a:noFill/>
+                          <a:prstDash val="solid"/>
+                          <a:round/>
+                          <a:headEnd type="none" w="med" len="med"/>
+                          <a:tailEnd type="none" w="med" len="med"/>
+                        </a:lnB>
+                        <a:lnTlToBr w="12700" cmpd="sng">
+                          <a:noFill/>
+                          <a:prstDash val="solid"/>
+                        </a:lnTlToBr>
+                        <a:lnBlToTr w="12700" cmpd="sng">
+                          <a:noFill/>
+                          <a:prstDash val="solid"/>
+                        </a:lnBlToTr>
+                      </a:tcPr>
+                    </a:tc>
+                    <a:tc>
+                      <a:txBody>
+                        <a:bodyPr/>
+                        <a:lstStyle/>
+                        <a:p>
+                          <a:pPr/>
+                          <a14:m>
+                            <m:oMathPara xmlns:m="http://schemas.openxmlformats.org/officeDocument/2006/math">
+                              <m:oMathParaPr>
+                                <m:jc m:val="centerGroup"/>
+                              </m:oMathParaPr>
+                              <m:oMath xmlns:m="http://schemas.openxmlformats.org/officeDocument/2006/math">
+                                <m:sSub>
+                                  <m:sSubPr>
+                                    <m:ctrlPr>
+                                      <a:rPr lang="en-US" sz="1800" b="0" i="1" smtClean="0">
+                                        <a:latin typeface="Cambria Math" panose="02040503050406030204" pitchFamily="18" charset="0"/>
+                                      </a:rPr>
+                                    </m:ctrlPr>
+                                  </m:sSubPr>
+                                  <m:e>
+                                    <m:r>
+                                      <a:rPr lang="en-US" sz="1800" b="0" i="1" smtClean="0">
+                                        <a:latin typeface="Cambria Math" panose="02040503050406030204" pitchFamily="18" charset="0"/>
+                                      </a:rPr>
+                                      <m:t>𝛿</m:t>
+                                    </m:r>
+                                  </m:e>
+                                  <m:sub>
+                                    <m:r>
+                                      <a:rPr lang="en-US" sz="1800" b="0" i="1" smtClean="0">
+                                        <a:latin typeface="Cambria Math" panose="02040503050406030204" pitchFamily="18" charset="0"/>
+                                      </a:rPr>
+                                      <m:t>𝑁</m:t>
+                                    </m:r>
+                                  </m:sub>
+                                </m:sSub>
+                              </m:oMath>
+                            </m:oMathPara>
+                          </a14:m>
+                          <a:endParaRPr lang="en-US" sz="1800" dirty="0"/>
+                        </a:p>
+                      </a:txBody>
+                      <a:tcPr>
+                        <a:lnL>
+                          <a:noFill/>
+                        </a:lnL>
+                        <a:lnR>
+                          <a:noFill/>
+                        </a:lnR>
+                        <a:lnT>
+                          <a:noFill/>
+                        </a:lnT>
+                        <a:lnB w="12700" cap="flat" cmpd="sng" algn="ctr">
+                          <a:noFill/>
+                          <a:prstDash val="solid"/>
+                          <a:round/>
+                          <a:headEnd type="none" w="med" len="med"/>
+                          <a:tailEnd type="none" w="med" len="med"/>
+                        </a:lnB>
+                        <a:lnTlToBr w="12700" cmpd="sng">
+                          <a:noFill/>
+                          <a:prstDash val="solid"/>
+                        </a:lnTlToBr>
+                        <a:lnBlToTr w="12700" cmpd="sng">
+                          <a:noFill/>
+                          <a:prstDash val="solid"/>
+                        </a:lnBlToTr>
+                      </a:tcPr>
+                    </a:tc>
+                    <a:tc>
+                      <a:txBody>
+                        <a:bodyPr/>
+                        <a:lstStyle/>
+                        <a:p>
+                          <a:pPr/>
+                          <a14:m>
+                            <m:oMathPara xmlns:m="http://schemas.openxmlformats.org/officeDocument/2006/math">
+                              <m:oMathParaPr>
+                                <m:jc m:val="centerGroup"/>
+                              </m:oMathParaPr>
+                              <m:oMath xmlns:m="http://schemas.openxmlformats.org/officeDocument/2006/math">
+                                <m:r>
+                                  <a:rPr lang="en-US" sz="1800" b="0" smtClean="0">
+                                    <a:latin typeface="Cambria Math" panose="02040503050406030204" pitchFamily="18" charset="0"/>
+                                  </a:rPr>
+                                  <m:t>………</m:t>
+                                </m:r>
+                              </m:oMath>
+                            </m:oMathPara>
+                          </a14:m>
+                          <a:endParaRPr lang="en-US" sz="1800" dirty="0"/>
+                        </a:p>
+                      </a:txBody>
+                      <a:tcPr>
+                        <a:lnL>
+                          <a:noFill/>
+                        </a:lnL>
+                        <a:lnR>
+                          <a:noFill/>
+                        </a:lnR>
+                        <a:lnT>
+                          <a:noFill/>
+                        </a:lnT>
+                        <a:lnB w="12700" cap="flat" cmpd="sng" algn="ctr">
+                          <a:noFill/>
+                          <a:prstDash val="solid"/>
+                          <a:round/>
+                          <a:headEnd type="none" w="med" len="med"/>
+                          <a:tailEnd type="none" w="med" len="med"/>
+                        </a:lnB>
+                        <a:lnTlToBr w="12700" cmpd="sng">
+                          <a:noFill/>
+                          <a:prstDash val="solid"/>
+                        </a:lnTlToBr>
+                        <a:lnBlToTr w="12700" cmpd="sng">
+                          <a:noFill/>
+                          <a:prstDash val="solid"/>
+                        </a:lnBlToTr>
+                      </a:tcPr>
+                    </a:tc>
+                    <a:tc>
+                      <a:txBody>
+                        <a:bodyPr/>
+                        <a:lstStyle/>
+                        <a:p>
+                          <a:pPr/>
+                          <a14:m>
+                            <m:oMathPara xmlns:m="http://schemas.openxmlformats.org/officeDocument/2006/math">
+                              <m:oMathParaPr>
+                                <m:jc m:val="centerGroup"/>
+                              </m:oMathParaPr>
+                              <m:oMath xmlns:m="http://schemas.openxmlformats.org/officeDocument/2006/math">
+                                <m:sSub>
+                                  <m:sSubPr>
+                                    <m:ctrlPr>
+                                      <a:rPr lang="en-US" sz="1800" b="0" i="1" smtClean="0">
+                                        <a:latin typeface="Cambria Math" panose="02040503050406030204" pitchFamily="18" charset="0"/>
+                                      </a:rPr>
+                                    </m:ctrlPr>
+                                  </m:sSubPr>
+                                  <m:e>
+                                    <m:r>
+                                      <a:rPr lang="en-US" sz="1800" b="0" i="1" smtClean="0">
+                                        <a:latin typeface="Cambria Math" panose="02040503050406030204" pitchFamily="18" charset="0"/>
+                                      </a:rPr>
+                                      <m:t>𝛿</m:t>
+                                    </m:r>
+                                  </m:e>
+                                  <m:sub>
+                                    <m:r>
+                                      <a:rPr lang="en-US" sz="1800" b="0" i="1" smtClean="0">
+                                        <a:latin typeface="Cambria Math" panose="02040503050406030204" pitchFamily="18" charset="0"/>
+                                      </a:rPr>
+                                      <m:t>𝑁</m:t>
+                                    </m:r>
+                                  </m:sub>
+                                </m:sSub>
+                              </m:oMath>
+                            </m:oMathPara>
+                          </a14:m>
+                          <a:endParaRPr lang="en-US" sz="1800" dirty="0"/>
+                        </a:p>
+                      </a:txBody>
+                      <a:tcPr>
+                        <a:lnL>
+                          <a:noFill/>
+                        </a:lnL>
+                        <a:lnR>
+                          <a:noFill/>
+                        </a:lnR>
+                        <a:lnT>
+                          <a:noFill/>
+                        </a:lnT>
+                        <a:lnB w="12700" cap="flat" cmpd="sng" algn="ctr">
+                          <a:noFill/>
+                          <a:prstDash val="solid"/>
+                          <a:round/>
+                          <a:headEnd type="none" w="med" len="med"/>
+                          <a:tailEnd type="none" w="med" len="med"/>
+                        </a:lnB>
+                        <a:lnTlToBr w="12700" cmpd="sng">
+                          <a:noFill/>
+                          <a:prstDash val="solid"/>
+                        </a:lnTlToBr>
+                        <a:lnBlToTr w="12700" cmpd="sng">
+                          <a:noFill/>
+                          <a:prstDash val="solid"/>
+                        </a:lnBlToTr>
+                      </a:tcPr>
+                    </a:tc>
+                    <a:tc>
+                      <a:txBody>
+                        <a:bodyPr/>
+                        <a:lstStyle/>
+                        <a:p>
+                          <a:endParaRPr lang="en-US" sz="1800" dirty="0"/>
+                        </a:p>
+                      </a:txBody>
+                      <a:tcPr>
+                        <a:lnL>
+                          <a:noFill/>
+                        </a:lnL>
+                        <a:lnR w="12700" cap="flat" cmpd="sng" algn="ctr">
+                          <a:noFill/>
+                          <a:prstDash val="solid"/>
+                          <a:round/>
+                          <a:headEnd type="none" w="med" len="med"/>
+                          <a:tailEnd type="none" w="med" len="med"/>
+                        </a:lnR>
+                        <a:lnT>
+                          <a:noFill/>
+                        </a:lnT>
+                        <a:lnB w="12700" cap="flat" cmpd="sng" algn="ctr">
+                          <a:noFill/>
+                          <a:prstDash val="solid"/>
+                          <a:round/>
+                          <a:headEnd type="none" w="med" len="med"/>
+                          <a:tailEnd type="none" w="med" len="med"/>
+                        </a:lnB>
+                        <a:lnTlToBr w="12700" cmpd="sng">
+                          <a:noFill/>
+                          <a:prstDash val="solid"/>
+                        </a:lnTlToBr>
+                        <a:lnBlToTr w="12700" cmpd="sng">
+                          <a:noFill/>
+                          <a:prstDash val="solid"/>
+                        </a:lnBlToTr>
+                      </a:tcPr>
+                    </a:tc>
+                    <a:extLst>
+                      <a:ext uri="{0D108BD9-81ED-4DB2-BD59-A6C34878D82A}">
+                        <a16:rowId xmlns:a16="http://schemas.microsoft.com/office/drawing/2014/main" val="4096631183"/>
+                      </a:ext>
+                    </a:extLst>
+                  </a:tr>
+                </a:tbl>
+              </a:graphicData>
+            </a:graphic>
+          </p:graphicFrame>
+        </mc:Choice>
+        <mc:Fallback>
+          <p:graphicFrame>
+            <p:nvGraphicFramePr>
+              <p:cNvPr id="2" name="Table 8">
+                <a:extLst>
+                  <a:ext uri="{FF2B5EF4-FFF2-40B4-BE49-F238E27FC236}">
+                    <a16:creationId xmlns:a16="http://schemas.microsoft.com/office/drawing/2014/main" id="{5F356976-A71F-9382-7599-8025E18E1010}"/>
+                  </a:ext>
+                </a:extLst>
+              </p:cNvPr>
+              <p:cNvGraphicFramePr>
+                <a:graphicFrameLocks noGrp="1"/>
+              </p:cNvGraphicFramePr>
+              <p:nvPr>
+                <p:extLst>
+                  <p:ext uri="{D42A27DB-BD31-4B8C-83A1-F6EECF244321}">
+                    <p14:modId xmlns:p14="http://schemas.microsoft.com/office/powerpoint/2010/main" val="4269996806"/>
+                  </p:ext>
+                </p:extLst>
+              </p:nvPr>
+            </p:nvGraphicFramePr>
+            <p:xfrm>
+              <a:off x="3277007" y="1270549"/>
+              <a:ext cx="5191381" cy="3256272"/>
+            </p:xfrm>
+            <a:graphic>
+              <a:graphicData uri="http://schemas.openxmlformats.org/drawingml/2006/table">
+                <a:tbl>
+                  <a:tblPr firstRow="1" bandRow="1">
+                    <a:tableStyleId>{2D5ABB26-0587-4C30-8999-92F81FD0307C}</a:tableStyleId>
+                  </a:tblPr>
+                  <a:tblGrid>
+                    <a:gridCol w="865230">
+                      <a:extLst>
+                        <a:ext uri="{9D8B030D-6E8A-4147-A177-3AD203B41FA5}">
+                          <a16:colId xmlns:a16="http://schemas.microsoft.com/office/drawing/2014/main" val="3229237253"/>
+                        </a:ext>
+                      </a:extLst>
+                    </a:gridCol>
+                    <a:gridCol w="865230">
+                      <a:extLst>
+                        <a:ext uri="{9D8B030D-6E8A-4147-A177-3AD203B41FA5}">
+                          <a16:colId xmlns:a16="http://schemas.microsoft.com/office/drawing/2014/main" val="1750414641"/>
+                        </a:ext>
+                      </a:extLst>
+                    </a:gridCol>
+                    <a:gridCol w="865230">
+                      <a:extLst>
+                        <a:ext uri="{9D8B030D-6E8A-4147-A177-3AD203B41FA5}">
+                          <a16:colId xmlns:a16="http://schemas.microsoft.com/office/drawing/2014/main" val="4125443327"/>
+                        </a:ext>
+                      </a:extLst>
+                    </a:gridCol>
+                    <a:gridCol w="910020">
+                      <a:extLst>
+                        <a:ext uri="{9D8B030D-6E8A-4147-A177-3AD203B41FA5}">
+                          <a16:colId xmlns:a16="http://schemas.microsoft.com/office/drawing/2014/main" val="2003575616"/>
+                        </a:ext>
+                      </a:extLst>
+                    </a:gridCol>
+                    <a:gridCol w="820441">
+                      <a:extLst>
+                        <a:ext uri="{9D8B030D-6E8A-4147-A177-3AD203B41FA5}">
+                          <a16:colId xmlns:a16="http://schemas.microsoft.com/office/drawing/2014/main" val="521839359"/>
+                        </a:ext>
+                      </a:extLst>
+                    </a:gridCol>
+                    <a:gridCol w="865230">
+                      <a:extLst>
+                        <a:ext uri="{9D8B030D-6E8A-4147-A177-3AD203B41FA5}">
+                          <a16:colId xmlns:a16="http://schemas.microsoft.com/office/drawing/2014/main" val="3160173626"/>
+                        </a:ext>
+                      </a:extLst>
+                    </a:gridCol>
+                  </a:tblGrid>
+                  <a:tr h="420415">
+                    <a:tc>
+                      <a:txBody>
+                        <a:bodyPr/>
+                        <a:lstStyle/>
+                        <a:p>
+                          <a:endParaRPr lang="en-US"/>
+                        </a:p>
+                      </a:txBody>
+                      <a:tcPr>
+                        <a:lnL w="12700" cap="flat" cmpd="sng" algn="ctr">
+                          <a:noFill/>
+                          <a:prstDash val="solid"/>
+                          <a:round/>
+                          <a:headEnd type="none" w="med" len="med"/>
+                          <a:tailEnd type="none" w="med" len="med"/>
+                        </a:lnL>
+                        <a:lnR>
+                          <a:noFill/>
+                        </a:lnR>
+                        <a:lnT w="12700" cap="flat" cmpd="sng" algn="ctr">
+                          <a:noFill/>
+                          <a:prstDash val="solid"/>
+                          <a:round/>
+                          <a:headEnd type="none" w="med" len="med"/>
+                          <a:tailEnd type="none" w="med" len="med"/>
+                        </a:lnT>
+                        <a:lnB>
+                          <a:noFill/>
+                        </a:lnB>
+                        <a:lnTlToBr w="12700" cmpd="sng">
+                          <a:noFill/>
+                          <a:prstDash val="solid"/>
+                        </a:lnTlToBr>
+                        <a:lnBlToTr w="12700" cmpd="sng">
+                          <a:noFill/>
+                          <a:prstDash val="solid"/>
+                        </a:lnBlToTr>
+                        <a:blipFill>
+                          <a:blip r:embed="rId2"/>
+                          <a:stretch>
+                            <a:fillRect l="-1471" t="-3030" r="-502941" b="-678788"/>
+                          </a:stretch>
+                        </a:blipFill>
+                      </a:tcPr>
+                    </a:tc>
+                    <a:tc>
+                      <a:txBody>
+                        <a:bodyPr/>
+                        <a:lstStyle/>
+                        <a:p>
+                          <a:endParaRPr lang="en-US"/>
+                        </a:p>
+                      </a:txBody>
+                      <a:tcPr>
+                        <a:lnL>
+                          <a:noFill/>
+                        </a:lnL>
+                        <a:lnR>
+                          <a:noFill/>
+                        </a:lnR>
+                        <a:lnT w="12700" cap="flat" cmpd="sng" algn="ctr">
+                          <a:noFill/>
+                          <a:prstDash val="solid"/>
+                          <a:round/>
+                          <a:headEnd type="none" w="med" len="med"/>
+                          <a:tailEnd type="none" w="med" len="med"/>
+                        </a:lnT>
+                        <a:lnB>
+                          <a:noFill/>
+                        </a:lnB>
+                        <a:lnTlToBr w="12700" cmpd="sng">
+                          <a:noFill/>
+                          <a:prstDash val="solid"/>
+                        </a:lnTlToBr>
+                        <a:lnBlToTr w="12700" cmpd="sng">
+                          <a:noFill/>
+                          <a:prstDash val="solid"/>
+                        </a:lnBlToTr>
+                        <a:blipFill>
+                          <a:blip r:embed="rId2"/>
+                          <a:stretch>
+                            <a:fillRect l="-101471" t="-3030" r="-402941" b="-678788"/>
+                          </a:stretch>
+                        </a:blipFill>
+                      </a:tcPr>
+                    </a:tc>
+                    <a:tc>
+                      <a:txBody>
+                        <a:bodyPr/>
+                        <a:lstStyle/>
+                        <a:p>
+                          <a:endParaRPr lang="en-US"/>
+                        </a:p>
+                      </a:txBody>
+                      <a:tcPr>
+                        <a:lnL>
+                          <a:noFill/>
+                        </a:lnL>
+                        <a:lnR>
+                          <a:noFill/>
+                        </a:lnR>
+                        <a:lnT w="12700" cap="flat" cmpd="sng" algn="ctr">
+                          <a:noFill/>
+                          <a:prstDash val="solid"/>
+                          <a:round/>
+                          <a:headEnd type="none" w="med" len="med"/>
+                          <a:tailEnd type="none" w="med" len="med"/>
+                        </a:lnT>
+                        <a:lnB>
+                          <a:noFill/>
+                        </a:lnB>
+                        <a:lnTlToBr w="12700" cmpd="sng">
+                          <a:noFill/>
+                          <a:prstDash val="solid"/>
+                        </a:lnTlToBr>
+                        <a:lnBlToTr w="12700" cmpd="sng">
+                          <a:noFill/>
+                          <a:prstDash val="solid"/>
+                        </a:lnBlToTr>
+                        <a:blipFill>
+                          <a:blip r:embed="rId2"/>
+                          <a:stretch>
+                            <a:fillRect l="-201471" t="-3030" r="-302941" b="-678788"/>
+                          </a:stretch>
+                        </a:blipFill>
+                      </a:tcPr>
+                    </a:tc>
+                    <a:tc>
+                      <a:txBody>
+                        <a:bodyPr/>
+                        <a:lstStyle/>
+                        <a:p>
+                          <a:endParaRPr lang="en-US"/>
+                        </a:p>
+                      </a:txBody>
+                      <a:tcPr>
+                        <a:lnL>
+                          <a:noFill/>
+                        </a:lnL>
+                        <a:lnR>
+                          <a:noFill/>
+                        </a:lnR>
+                        <a:lnT w="12700" cap="flat" cmpd="sng" algn="ctr">
+                          <a:noFill/>
+                          <a:prstDash val="solid"/>
+                          <a:round/>
+                          <a:headEnd type="none" w="med" len="med"/>
+                          <a:tailEnd type="none" w="med" len="med"/>
+                        </a:lnT>
+                        <a:lnB>
+                          <a:noFill/>
+                        </a:lnB>
+                        <a:lnTlToBr w="12700" cmpd="sng">
+                          <a:noFill/>
+                          <a:prstDash val="solid"/>
+                        </a:lnTlToBr>
+                        <a:lnBlToTr w="12700" cmpd="sng">
+                          <a:noFill/>
+                          <a:prstDash val="solid"/>
+                        </a:lnBlToTr>
+                        <a:blipFill>
+                          <a:blip r:embed="rId2"/>
+                          <a:stretch>
+                            <a:fillRect l="-284722" t="-3030" r="-186111" b="-678788"/>
+                          </a:stretch>
+                        </a:blipFill>
+                      </a:tcPr>
+                    </a:tc>
+                    <a:tc>
+                      <a:txBody>
+                        <a:bodyPr/>
+                        <a:lstStyle/>
+                        <a:p>
+                          <a:endParaRPr lang="en-US"/>
+                        </a:p>
+                      </a:txBody>
+                      <a:tcPr>
+                        <a:lnL>
+                          <a:noFill/>
+                        </a:lnL>
+                        <a:lnR>
+                          <a:noFill/>
+                        </a:lnR>
+                        <a:lnT w="12700" cap="flat" cmpd="sng" algn="ctr">
+                          <a:noFill/>
+                          <a:prstDash val="solid"/>
+                          <a:round/>
+                          <a:headEnd type="none" w="med" len="med"/>
+                          <a:tailEnd type="none" w="med" len="med"/>
+                        </a:lnT>
+                        <a:lnB>
+                          <a:noFill/>
+                        </a:lnB>
+                        <a:lnTlToBr w="12700" cmpd="sng">
+                          <a:noFill/>
+                          <a:prstDash val="solid"/>
+                        </a:lnTlToBr>
+                        <a:lnBlToTr w="12700" cmpd="sng">
+                          <a:noFill/>
+                          <a:prstDash val="solid"/>
+                        </a:lnBlToTr>
+                        <a:blipFill>
+                          <a:blip r:embed="rId2"/>
+                          <a:stretch>
+                            <a:fillRect l="-426154" t="-3030" r="-106154" b="-678788"/>
+                          </a:stretch>
+                        </a:blipFill>
+                      </a:tcPr>
+                    </a:tc>
+                    <a:tc>
+                      <a:txBody>
+                        <a:bodyPr/>
+                        <a:lstStyle/>
+                        <a:p>
+                          <a:endParaRPr lang="en-US"/>
+                        </a:p>
+                      </a:txBody>
+                      <a:tcPr>
+                        <a:lnL>
+                          <a:noFill/>
+                        </a:lnL>
+                        <a:lnR w="12700" cap="flat" cmpd="sng" algn="ctr">
+                          <a:noFill/>
+                          <a:prstDash val="solid"/>
+                          <a:round/>
+                          <a:headEnd type="none" w="med" len="med"/>
+                          <a:tailEnd type="none" w="med" len="med"/>
+                        </a:lnR>
+                        <a:lnT w="12700" cap="flat" cmpd="sng" algn="ctr">
+                          <a:noFill/>
+                          <a:prstDash val="solid"/>
+                          <a:round/>
+                          <a:headEnd type="none" w="med" len="med"/>
+                          <a:tailEnd type="none" w="med" len="med"/>
+                        </a:lnT>
+                        <a:lnB>
+                          <a:noFill/>
+                        </a:lnB>
+                        <a:lnTlToBr w="12700" cmpd="sng">
+                          <a:noFill/>
+                          <a:prstDash val="solid"/>
+                        </a:lnTlToBr>
+                        <a:lnBlToTr w="12700" cmpd="sng">
+                          <a:noFill/>
+                          <a:prstDash val="solid"/>
+                        </a:lnBlToTr>
+                        <a:blipFill>
+                          <a:blip r:embed="rId2"/>
+                          <a:stretch>
+                            <a:fillRect l="-502941" t="-3030" r="-1471" b="-678788"/>
+                          </a:stretch>
+                        </a:blipFill>
+                      </a:tcPr>
+                    </a:tc>
+                    <a:extLst>
+                      <a:ext uri="{0D108BD9-81ED-4DB2-BD59-A6C34878D82A}">
+                        <a16:rowId xmlns:a16="http://schemas.microsoft.com/office/drawing/2014/main" val="103027855"/>
+                      </a:ext>
+                    </a:extLst>
+                  </a:tr>
+                  <a:tr h="420415">
+                    <a:tc>
+                      <a:txBody>
+                        <a:bodyPr/>
+                        <a:lstStyle/>
+                        <a:p>
+                          <a:pPr/>
+                          <a:endParaRPr lang="en-US" sz="1800" dirty="0"/>
+                        </a:p>
+                      </a:txBody>
+                      <a:tcPr>
+                        <a:lnL w="12700" cap="flat" cmpd="sng" algn="ctr">
+                          <a:noFill/>
+                          <a:prstDash val="solid"/>
+                          <a:round/>
+                          <a:headEnd type="none" w="med" len="med"/>
+                          <a:tailEnd type="none" w="med" len="med"/>
+                        </a:lnL>
+                        <a:lnR>
+                          <a:noFill/>
+                        </a:lnR>
+                        <a:lnT>
+                          <a:noFill/>
+                        </a:lnT>
+                        <a:lnB>
+                          <a:noFill/>
+                        </a:lnB>
+                        <a:lnTlToBr w="12700" cmpd="sng">
+                          <a:noFill/>
+                          <a:prstDash val="solid"/>
+                        </a:lnTlToBr>
+                        <a:lnBlToTr w="12700" cmpd="sng">
+                          <a:noFill/>
+                          <a:prstDash val="solid"/>
+                        </a:lnBlToTr>
+                      </a:tcPr>
+                    </a:tc>
+                    <a:tc>
+                      <a:txBody>
+                        <a:bodyPr/>
+                        <a:lstStyle/>
+                        <a:p>
+                          <a:endParaRPr lang="en-US"/>
+                        </a:p>
+                      </a:txBody>
+                      <a:tcPr>
+                        <a:lnL>
+                          <a:noFill/>
+                        </a:lnL>
+                        <a:lnR>
+                          <a:noFill/>
+                        </a:lnR>
+                        <a:lnT>
+                          <a:noFill/>
+                        </a:lnT>
+                        <a:lnB>
+                          <a:noFill/>
+                        </a:lnB>
+                        <a:lnTlToBr w="12700" cmpd="sng">
+                          <a:noFill/>
+                          <a:prstDash val="solid"/>
+                        </a:lnTlToBr>
+                        <a:lnBlToTr w="12700" cmpd="sng">
+                          <a:noFill/>
+                          <a:prstDash val="solid"/>
+                        </a:lnBlToTr>
+                        <a:blipFill>
+                          <a:blip r:embed="rId2"/>
+                          <a:stretch>
+                            <a:fillRect l="-101471" t="-103030" r="-402941" b="-578788"/>
+                          </a:stretch>
+                        </a:blipFill>
+                      </a:tcPr>
+                    </a:tc>
+                    <a:tc>
+                      <a:txBody>
+                        <a:bodyPr/>
+                        <a:lstStyle/>
+                        <a:p>
+                          <a:endParaRPr lang="en-US"/>
+                        </a:p>
+                      </a:txBody>
+                      <a:tcPr>
+                        <a:lnL>
+                          <a:noFill/>
+                        </a:lnL>
+                        <a:lnR>
+                          <a:noFill/>
+                        </a:lnR>
+                        <a:lnT>
+                          <a:noFill/>
+                        </a:lnT>
+                        <a:lnB>
+                          <a:noFill/>
+                        </a:lnB>
+                        <a:lnTlToBr w="12700" cmpd="sng">
+                          <a:noFill/>
+                          <a:prstDash val="solid"/>
+                        </a:lnTlToBr>
+                        <a:lnBlToTr w="12700" cmpd="sng">
+                          <a:noFill/>
+                          <a:prstDash val="solid"/>
+                        </a:lnBlToTr>
+                        <a:blipFill>
+                          <a:blip r:embed="rId2"/>
+                          <a:stretch>
+                            <a:fillRect l="-201471" t="-103030" r="-302941" b="-578788"/>
+                          </a:stretch>
+                        </a:blipFill>
+                      </a:tcPr>
+                    </a:tc>
+                    <a:tc>
+                      <a:txBody>
+                        <a:bodyPr/>
+                        <a:lstStyle/>
+                        <a:p>
+                          <a:endParaRPr lang="en-US"/>
+                        </a:p>
+                      </a:txBody>
+                      <a:tcPr>
+                        <a:lnL>
+                          <a:noFill/>
+                        </a:lnL>
+                        <a:lnR>
+                          <a:noFill/>
+                        </a:lnR>
+                        <a:lnT>
+                          <a:noFill/>
+                        </a:lnT>
+                        <a:lnB>
+                          <a:noFill/>
+                        </a:lnB>
+                        <a:lnTlToBr w="12700" cmpd="sng">
+                          <a:noFill/>
+                          <a:prstDash val="solid"/>
+                        </a:lnTlToBr>
+                        <a:lnBlToTr w="12700" cmpd="sng">
+                          <a:noFill/>
+                          <a:prstDash val="solid"/>
+                        </a:lnBlToTr>
+                        <a:blipFill>
+                          <a:blip r:embed="rId2"/>
+                          <a:stretch>
+                            <a:fillRect l="-284722" t="-103030" r="-186111" b="-578788"/>
+                          </a:stretch>
+                        </a:blipFill>
+                      </a:tcPr>
+                    </a:tc>
+                    <a:tc>
+                      <a:txBody>
+                        <a:bodyPr/>
+                        <a:lstStyle/>
+                        <a:p>
+                          <a:endParaRPr lang="en-US"/>
+                        </a:p>
+                      </a:txBody>
+                      <a:tcPr>
+                        <a:lnL>
+                          <a:noFill/>
+                        </a:lnL>
+                        <a:lnR>
+                          <a:noFill/>
+                        </a:lnR>
+                        <a:lnT>
+                          <a:noFill/>
+                        </a:lnT>
+                        <a:lnB>
+                          <a:noFill/>
+                        </a:lnB>
+                        <a:lnTlToBr w="12700" cmpd="sng">
+                          <a:noFill/>
+                          <a:prstDash val="solid"/>
+                        </a:lnTlToBr>
+                        <a:lnBlToTr w="12700" cmpd="sng">
+                          <a:noFill/>
+                          <a:prstDash val="solid"/>
+                        </a:lnBlToTr>
+                        <a:blipFill>
+                          <a:blip r:embed="rId2"/>
+                          <a:stretch>
+                            <a:fillRect l="-426154" t="-103030" r="-106154" b="-578788"/>
+                          </a:stretch>
+                        </a:blipFill>
+                      </a:tcPr>
+                    </a:tc>
+                    <a:tc>
+                      <a:txBody>
+                        <a:bodyPr/>
+                        <a:lstStyle/>
+                        <a:p>
+                          <a:pPr marL="0" marR="0" lvl="0" indent="0" algn="l" defTabSz="914400" rtl="0" eaLnBrk="1" fontAlgn="auto" latinLnBrk="0" hangingPunct="1">
+                            <a:lnSpc>
+                              <a:spcPct val="100000"/>
+                            </a:lnSpc>
+                            <a:spcBef>
+                              <a:spcPts val="0"/>
+                            </a:spcBef>
+                            <a:spcAft>
+                              <a:spcPts val="0"/>
+                            </a:spcAft>
+                            <a:buClrTx/>
+                            <a:buSzTx/>
+                            <a:buFontTx/>
+                            <a:buNone/>
+                            <a:tabLst/>
+                            <a:defRPr/>
+                          </a:pPr>
+                          <a:endParaRPr lang="en-US" sz="1800" dirty="0"/>
+                        </a:p>
+                      </a:txBody>
+                      <a:tcPr>
+                        <a:lnL>
+                          <a:noFill/>
+                        </a:lnL>
+                        <a:lnR w="12700" cap="flat" cmpd="sng" algn="ctr">
+                          <a:noFill/>
+                          <a:prstDash val="solid"/>
+                          <a:round/>
+                          <a:headEnd type="none" w="med" len="med"/>
+                          <a:tailEnd type="none" w="med" len="med"/>
+                        </a:lnR>
+                        <a:lnT>
+                          <a:noFill/>
+                        </a:lnT>
+                        <a:lnB>
+                          <a:noFill/>
+                        </a:lnB>
+                        <a:lnTlToBr w="12700" cmpd="sng">
+                          <a:noFill/>
+                          <a:prstDash val="solid"/>
+                        </a:lnTlToBr>
+                        <a:lnBlToTr w="12700" cmpd="sng">
+                          <a:noFill/>
+                          <a:prstDash val="solid"/>
+                        </a:lnBlToTr>
+                      </a:tcPr>
+                    </a:tc>
+                    <a:extLst>
+                      <a:ext uri="{0D108BD9-81ED-4DB2-BD59-A6C34878D82A}">
+                        <a16:rowId xmlns:a16="http://schemas.microsoft.com/office/drawing/2014/main" val="580928055"/>
+                      </a:ext>
+                    </a:extLst>
+                  </a:tr>
+                  <a:tr h="393653">
+                    <a:tc>
+                      <a:txBody>
+                        <a:bodyPr/>
+                        <a:lstStyle/>
+                        <a:p>
+                          <a:endParaRPr lang="en-US"/>
+                        </a:p>
+                      </a:txBody>
+                      <a:tcPr>
+                        <a:lnL w="12700" cap="flat" cmpd="sng" algn="ctr">
+                          <a:noFill/>
+                          <a:prstDash val="solid"/>
+                          <a:round/>
+                          <a:headEnd type="none" w="med" len="med"/>
+                          <a:tailEnd type="none" w="med" len="med"/>
+                        </a:lnL>
+                        <a:lnR>
+                          <a:noFill/>
+                        </a:lnR>
+                        <a:lnT>
+                          <a:noFill/>
+                        </a:lnT>
+                        <a:lnB>
+                          <a:noFill/>
+                        </a:lnB>
+                        <a:lnTlToBr w="12700" cmpd="sng">
+                          <a:noFill/>
+                          <a:prstDash val="solid"/>
+                        </a:lnTlToBr>
+                        <a:lnBlToTr w="12700" cmpd="sng">
+                          <a:noFill/>
+                          <a:prstDash val="solid"/>
+                        </a:lnBlToTr>
+                        <a:blipFill>
+                          <a:blip r:embed="rId2"/>
+                          <a:stretch>
+                            <a:fillRect l="-1471" t="-216129" r="-502941" b="-516129"/>
+                          </a:stretch>
+                        </a:blipFill>
+                      </a:tcPr>
+                    </a:tc>
+                    <a:tc>
+                      <a:txBody>
+                        <a:bodyPr/>
+                        <a:lstStyle/>
+                        <a:p>
+                          <a:endParaRPr lang="en-US"/>
+                        </a:p>
+                      </a:txBody>
+                      <a:tcPr>
+                        <a:lnL>
+                          <a:noFill/>
+                        </a:lnL>
+                        <a:lnR>
+                          <a:noFill/>
+                        </a:lnR>
+                        <a:lnT>
+                          <a:noFill/>
+                        </a:lnT>
+                        <a:lnB>
+                          <a:noFill/>
+                        </a:lnB>
+                        <a:lnTlToBr w="12700" cmpd="sng">
+                          <a:noFill/>
+                          <a:prstDash val="solid"/>
+                        </a:lnTlToBr>
+                        <a:lnBlToTr w="12700" cmpd="sng">
+                          <a:noFill/>
+                          <a:prstDash val="solid"/>
+                        </a:lnBlToTr>
+                        <a:blipFill>
+                          <a:blip r:embed="rId2"/>
+                          <a:stretch>
+                            <a:fillRect l="-101471" t="-216129" r="-402941" b="-516129"/>
+                          </a:stretch>
+                        </a:blipFill>
+                      </a:tcPr>
+                    </a:tc>
+                    <a:tc>
+                      <a:txBody>
+                        <a:bodyPr/>
+                        <a:lstStyle/>
+                        <a:p>
+                          <a:endParaRPr lang="en-US"/>
+                        </a:p>
+                      </a:txBody>
+                      <a:tcPr>
+                        <a:lnL>
+                          <a:noFill/>
+                        </a:lnL>
+                        <a:lnR>
+                          <a:noFill/>
+                        </a:lnR>
+                        <a:lnT>
+                          <a:noFill/>
+                        </a:lnT>
+                        <a:lnB>
+                          <a:noFill/>
+                        </a:lnB>
+                        <a:lnTlToBr w="12700" cmpd="sng">
+                          <a:noFill/>
+                          <a:prstDash val="solid"/>
+                        </a:lnTlToBr>
+                        <a:lnBlToTr w="12700" cmpd="sng">
+                          <a:noFill/>
+                          <a:prstDash val="solid"/>
+                        </a:lnBlToTr>
+                        <a:blipFill>
+                          <a:blip r:embed="rId2"/>
+                          <a:stretch>
+                            <a:fillRect l="-201471" t="-216129" r="-302941" b="-516129"/>
+                          </a:stretch>
+                        </a:blipFill>
+                      </a:tcPr>
+                    </a:tc>
+                    <a:tc>
+                      <a:txBody>
+                        <a:bodyPr/>
+                        <a:lstStyle/>
+                        <a:p>
+                          <a:endParaRPr lang="en-US"/>
+                        </a:p>
+                      </a:txBody>
+                      <a:tcPr>
+                        <a:lnL>
+                          <a:noFill/>
+                        </a:lnL>
+                        <a:lnR>
+                          <a:noFill/>
+                        </a:lnR>
+                        <a:lnT>
+                          <a:noFill/>
+                        </a:lnT>
+                        <a:lnB>
+                          <a:noFill/>
+                        </a:lnB>
+                        <a:lnTlToBr w="12700" cmpd="sng">
+                          <a:noFill/>
+                          <a:prstDash val="solid"/>
+                        </a:lnTlToBr>
+                        <a:lnBlToTr w="12700" cmpd="sng">
+                          <a:noFill/>
+                          <a:prstDash val="solid"/>
+                        </a:lnBlToTr>
+                        <a:blipFill>
+                          <a:blip r:embed="rId2"/>
+                          <a:stretch>
+                            <a:fillRect l="-284722" t="-216129" r="-186111" b="-516129"/>
+                          </a:stretch>
+                        </a:blipFill>
+                      </a:tcPr>
+                    </a:tc>
+                    <a:tc>
+                      <a:txBody>
+                        <a:bodyPr/>
+                        <a:lstStyle/>
+                        <a:p>
+                          <a:endParaRPr lang="en-US"/>
+                        </a:p>
+                      </a:txBody>
+                      <a:tcPr>
+                        <a:lnL>
+                          <a:noFill/>
+                        </a:lnL>
+                        <a:lnR>
+                          <a:noFill/>
+                        </a:lnR>
+                        <a:lnT>
+                          <a:noFill/>
+                        </a:lnT>
+                        <a:lnB>
+                          <a:noFill/>
+                        </a:lnB>
+                        <a:lnTlToBr w="12700" cmpd="sng">
+                          <a:noFill/>
+                          <a:prstDash val="solid"/>
+                        </a:lnTlToBr>
+                        <a:lnBlToTr w="12700" cmpd="sng">
+                          <a:noFill/>
+                          <a:prstDash val="solid"/>
+                        </a:lnBlToTr>
+                        <a:blipFill>
+                          <a:blip r:embed="rId2"/>
+                          <a:stretch>
+                            <a:fillRect l="-426154" t="-216129" r="-106154" b="-516129"/>
+                          </a:stretch>
+                        </a:blipFill>
+                      </a:tcPr>
+                    </a:tc>
+                    <a:tc>
+                      <a:txBody>
+                        <a:bodyPr/>
+                        <a:lstStyle/>
+                        <a:p>
+                          <a:endParaRPr lang="en-US"/>
+                        </a:p>
+                      </a:txBody>
+                      <a:tcPr>
+                        <a:lnL>
+                          <a:noFill/>
+                        </a:lnL>
+                        <a:lnR w="12700" cap="flat" cmpd="sng" algn="ctr">
+                          <a:noFill/>
+                          <a:prstDash val="solid"/>
+                          <a:round/>
+                          <a:headEnd type="none" w="med" len="med"/>
+                          <a:tailEnd type="none" w="med" len="med"/>
+                        </a:lnR>
+                        <a:lnT>
+                          <a:noFill/>
+                        </a:lnT>
+                        <a:lnB>
+                          <a:noFill/>
+                        </a:lnB>
+                        <a:lnTlToBr w="12700" cmpd="sng">
+                          <a:noFill/>
+                          <a:prstDash val="solid"/>
+                        </a:lnTlToBr>
+                        <a:lnBlToTr w="12700" cmpd="sng">
+                          <a:noFill/>
+                          <a:prstDash val="solid"/>
+                        </a:lnBlToTr>
+                        <a:blipFill>
+                          <a:blip r:embed="rId2"/>
+                          <a:stretch>
+                            <a:fillRect l="-502941" t="-216129" r="-1471" b="-516129"/>
+                          </a:stretch>
+                        </a:blipFill>
+                      </a:tcPr>
+                    </a:tc>
+                    <a:extLst>
+                      <a:ext uri="{0D108BD9-81ED-4DB2-BD59-A6C34878D82A}">
+                        <a16:rowId xmlns:a16="http://schemas.microsoft.com/office/drawing/2014/main" val="2842435754"/>
+                      </a:ext>
+                    </a:extLst>
+                  </a:tr>
+                  <a:tr h="393653">
+                    <a:tc>
+                      <a:txBody>
+                        <a:bodyPr/>
+                        <a:lstStyle/>
+                        <a:p>
+                          <a:endParaRPr lang="en-US"/>
+                        </a:p>
+                      </a:txBody>
+                      <a:tcPr>
+                        <a:lnL w="12700" cap="flat" cmpd="sng" algn="ctr">
+                          <a:noFill/>
+                          <a:prstDash val="solid"/>
+                          <a:round/>
+                          <a:headEnd type="none" w="med" len="med"/>
+                          <a:tailEnd type="none" w="med" len="med"/>
+                        </a:lnL>
+                        <a:lnR>
+                          <a:noFill/>
+                        </a:lnR>
+                        <a:lnT>
+                          <a:noFill/>
+                        </a:lnT>
+                        <a:lnB>
+                          <a:noFill/>
+                        </a:lnB>
+                        <a:lnTlToBr w="12700" cmpd="sng">
+                          <a:noFill/>
+                          <a:prstDash val="solid"/>
+                        </a:lnTlToBr>
+                        <a:lnBlToTr w="12700" cmpd="sng">
+                          <a:noFill/>
+                          <a:prstDash val="solid"/>
+                        </a:lnBlToTr>
+                        <a:blipFill>
+                          <a:blip r:embed="rId2"/>
+                          <a:stretch>
+                            <a:fillRect l="-1471" t="-306250" r="-502941" b="-400000"/>
+                          </a:stretch>
+                        </a:blipFill>
+                      </a:tcPr>
+                    </a:tc>
+                    <a:tc>
+                      <a:txBody>
+                        <a:bodyPr/>
+                        <a:lstStyle/>
+                        <a:p>
+                          <a:endParaRPr lang="en-US"/>
+                        </a:p>
+                      </a:txBody>
+                      <a:tcPr>
+                        <a:lnL>
+                          <a:noFill/>
+                        </a:lnL>
+                        <a:lnR>
+                          <a:noFill/>
+                        </a:lnR>
+                        <a:lnT>
+                          <a:noFill/>
+                        </a:lnT>
+                        <a:lnB>
+                          <a:noFill/>
+                        </a:lnB>
+                        <a:lnTlToBr w="12700" cmpd="sng">
+                          <a:noFill/>
+                          <a:prstDash val="solid"/>
+                        </a:lnTlToBr>
+                        <a:lnBlToTr w="12700" cmpd="sng">
+                          <a:noFill/>
+                          <a:prstDash val="solid"/>
+                        </a:lnBlToTr>
+                        <a:blipFill>
+                          <a:blip r:embed="rId2"/>
+                          <a:stretch>
+                            <a:fillRect l="-101471" t="-306250" r="-402941" b="-400000"/>
+                          </a:stretch>
+                        </a:blipFill>
+                      </a:tcPr>
+                    </a:tc>
+                    <a:tc>
+                      <a:txBody>
+                        <a:bodyPr/>
+                        <a:lstStyle/>
+                        <a:p>
+                          <a:endParaRPr lang="en-US"/>
+                        </a:p>
+                      </a:txBody>
+                      <a:tcPr>
+                        <a:lnL>
+                          <a:noFill/>
+                        </a:lnL>
+                        <a:lnR>
+                          <a:noFill/>
+                        </a:lnR>
+                        <a:lnT>
+                          <a:noFill/>
+                        </a:lnT>
+                        <a:lnB>
+                          <a:noFill/>
+                        </a:lnB>
+                        <a:lnTlToBr w="12700" cmpd="sng">
+                          <a:noFill/>
+                          <a:prstDash val="solid"/>
+                        </a:lnTlToBr>
+                        <a:lnBlToTr w="12700" cmpd="sng">
+                          <a:noFill/>
+                          <a:prstDash val="solid"/>
+                        </a:lnBlToTr>
+                        <a:blipFill>
+                          <a:blip r:embed="rId2"/>
+                          <a:stretch>
+                            <a:fillRect l="-201471" t="-306250" r="-302941" b="-400000"/>
+                          </a:stretch>
+                        </a:blipFill>
+                      </a:tcPr>
+                    </a:tc>
+                    <a:tc>
+                      <a:txBody>
+                        <a:bodyPr/>
+                        <a:lstStyle/>
+                        <a:p>
+                          <a:endParaRPr lang="en-US"/>
+                        </a:p>
+                      </a:txBody>
+                      <a:tcPr>
+                        <a:lnL>
+                          <a:noFill/>
+                        </a:lnL>
+                        <a:lnR>
+                          <a:noFill/>
+                        </a:lnR>
+                        <a:lnT>
+                          <a:noFill/>
+                        </a:lnT>
+                        <a:lnB>
+                          <a:noFill/>
+                        </a:lnB>
+                        <a:lnTlToBr w="12700" cmpd="sng">
+                          <a:noFill/>
+                          <a:prstDash val="solid"/>
+                        </a:lnTlToBr>
+                        <a:lnBlToTr w="12700" cmpd="sng">
+                          <a:noFill/>
+                          <a:prstDash val="solid"/>
+                        </a:lnBlToTr>
+                        <a:blipFill>
+                          <a:blip r:embed="rId2"/>
+                          <a:stretch>
+                            <a:fillRect l="-284722" t="-306250" r="-186111" b="-400000"/>
+                          </a:stretch>
+                        </a:blipFill>
+                      </a:tcPr>
+                    </a:tc>
+                    <a:tc>
+                      <a:txBody>
+                        <a:bodyPr/>
+                        <a:lstStyle/>
+                        <a:p>
+                          <a:endParaRPr lang="en-US"/>
+                        </a:p>
+                      </a:txBody>
+                      <a:tcPr>
+                        <a:lnL>
+                          <a:noFill/>
+                        </a:lnL>
+                        <a:lnR>
+                          <a:noFill/>
+                        </a:lnR>
+                        <a:lnT>
+                          <a:noFill/>
+                        </a:lnT>
+                        <a:lnB>
+                          <a:noFill/>
+                        </a:lnB>
+                        <a:lnTlToBr w="12700" cmpd="sng">
+                          <a:noFill/>
+                          <a:prstDash val="solid"/>
+                        </a:lnTlToBr>
+                        <a:lnBlToTr w="12700" cmpd="sng">
+                          <a:noFill/>
+                          <a:prstDash val="solid"/>
+                        </a:lnBlToTr>
+                        <a:blipFill>
+                          <a:blip r:embed="rId2"/>
+                          <a:stretch>
+                            <a:fillRect l="-426154" t="-306250" r="-106154" b="-400000"/>
+                          </a:stretch>
+                        </a:blipFill>
+                      </a:tcPr>
+                    </a:tc>
+                    <a:tc>
+                      <a:txBody>
+                        <a:bodyPr/>
+                        <a:lstStyle/>
+                        <a:p>
+                          <a:endParaRPr lang="en-US"/>
+                        </a:p>
+                      </a:txBody>
+                      <a:tcPr>
+                        <a:lnL>
+                          <a:noFill/>
+                        </a:lnL>
+                        <a:lnR w="12700" cap="flat" cmpd="sng" algn="ctr">
+                          <a:noFill/>
+                          <a:prstDash val="solid"/>
+                          <a:round/>
+                          <a:headEnd type="none" w="med" len="med"/>
+                          <a:tailEnd type="none" w="med" len="med"/>
+                        </a:lnR>
+                        <a:lnT>
+                          <a:noFill/>
+                        </a:lnT>
+                        <a:lnB>
+                          <a:noFill/>
+                        </a:lnB>
+                        <a:lnTlToBr w="12700" cmpd="sng">
+                          <a:noFill/>
+                          <a:prstDash val="solid"/>
+                        </a:lnTlToBr>
+                        <a:lnBlToTr w="12700" cmpd="sng">
+                          <a:noFill/>
+                          <a:prstDash val="solid"/>
+                        </a:lnBlToTr>
+                        <a:blipFill>
+                          <a:blip r:embed="rId2"/>
+                          <a:stretch>
+                            <a:fillRect l="-502941" t="-306250" r="-1471" b="-400000"/>
+                          </a:stretch>
+                        </a:blipFill>
+                      </a:tcPr>
+                    </a:tc>
+                    <a:extLst>
+                      <a:ext uri="{0D108BD9-81ED-4DB2-BD59-A6C34878D82A}">
+                        <a16:rowId xmlns:a16="http://schemas.microsoft.com/office/drawing/2014/main" val="962309117"/>
+                      </a:ext>
+                    </a:extLst>
+                  </a:tr>
+                  <a:tr h="393653">
+                    <a:tc>
+                      <a:txBody>
+                        <a:bodyPr/>
+                        <a:lstStyle/>
+                        <a:p>
+                          <a:endParaRPr lang="en-US"/>
+                        </a:p>
+                      </a:txBody>
+                      <a:tcPr>
+                        <a:lnL w="12700" cap="flat" cmpd="sng" algn="ctr">
+                          <a:noFill/>
+                          <a:prstDash val="solid"/>
+                          <a:round/>
+                          <a:headEnd type="none" w="med" len="med"/>
+                          <a:tailEnd type="none" w="med" len="med"/>
+                        </a:lnL>
+                        <a:lnR>
+                          <a:noFill/>
+                        </a:lnR>
+                        <a:lnT>
+                          <a:noFill/>
+                        </a:lnT>
+                        <a:lnB>
+                          <a:noFill/>
+                        </a:lnB>
+                        <a:lnTlToBr w="12700" cmpd="sng">
+                          <a:noFill/>
+                          <a:prstDash val="solid"/>
+                        </a:lnTlToBr>
+                        <a:lnBlToTr w="12700" cmpd="sng">
+                          <a:noFill/>
+                          <a:prstDash val="solid"/>
+                        </a:lnBlToTr>
+                        <a:blipFill>
+                          <a:blip r:embed="rId2"/>
+                          <a:stretch>
+                            <a:fillRect l="-1471" t="-419355" r="-502941" b="-312903"/>
+                          </a:stretch>
+                        </a:blipFill>
+                      </a:tcPr>
+                    </a:tc>
+                    <a:tc>
+                      <a:txBody>
+                        <a:bodyPr/>
+                        <a:lstStyle/>
+                        <a:p>
+                          <a:endParaRPr lang="en-US"/>
+                        </a:p>
+                      </a:txBody>
+                      <a:tcPr>
+                        <a:lnL>
+                          <a:noFill/>
+                        </a:lnL>
+                        <a:lnR>
+                          <a:noFill/>
+                        </a:lnR>
+                        <a:lnT>
+                          <a:noFill/>
+                        </a:lnT>
+                        <a:lnB>
+                          <a:noFill/>
+                        </a:lnB>
+                        <a:lnTlToBr w="12700" cmpd="sng">
+                          <a:noFill/>
+                          <a:prstDash val="solid"/>
+                        </a:lnTlToBr>
+                        <a:lnBlToTr w="12700" cmpd="sng">
+                          <a:noFill/>
+                          <a:prstDash val="solid"/>
+                        </a:lnBlToTr>
+                        <a:blipFill>
+                          <a:blip r:embed="rId2"/>
+                          <a:stretch>
+                            <a:fillRect l="-101471" t="-419355" r="-402941" b="-312903"/>
+                          </a:stretch>
+                        </a:blipFill>
+                      </a:tcPr>
+                    </a:tc>
+                    <a:tc>
+                      <a:txBody>
+                        <a:bodyPr/>
+                        <a:lstStyle/>
+                        <a:p>
+                          <a:endParaRPr lang="en-US"/>
+                        </a:p>
+                      </a:txBody>
+                      <a:tcPr>
+                        <a:lnL>
+                          <a:noFill/>
+                        </a:lnL>
+                        <a:lnR>
+                          <a:noFill/>
+                        </a:lnR>
+                        <a:lnT>
+                          <a:noFill/>
+                        </a:lnT>
+                        <a:lnB>
+                          <a:noFill/>
+                        </a:lnB>
+                        <a:lnTlToBr w="12700" cmpd="sng">
+                          <a:noFill/>
+                          <a:prstDash val="solid"/>
+                        </a:lnTlToBr>
+                        <a:lnBlToTr w="12700" cmpd="sng">
+                          <a:noFill/>
+                          <a:prstDash val="solid"/>
+                        </a:lnBlToTr>
+                        <a:blipFill>
+                          <a:blip r:embed="rId2"/>
+                          <a:stretch>
+                            <a:fillRect l="-201471" t="-419355" r="-302941" b="-312903"/>
+                          </a:stretch>
+                        </a:blipFill>
+                      </a:tcPr>
+                    </a:tc>
+                    <a:tc>
+                      <a:txBody>
+                        <a:bodyPr/>
+                        <a:lstStyle/>
+                        <a:p>
+                          <a:endParaRPr lang="en-US"/>
+                        </a:p>
+                      </a:txBody>
+                      <a:tcPr>
+                        <a:lnL>
+                          <a:noFill/>
+                        </a:lnL>
+                        <a:lnR>
+                          <a:noFill/>
+                        </a:lnR>
+                        <a:lnT>
+                          <a:noFill/>
+                        </a:lnT>
+                        <a:lnB>
+                          <a:noFill/>
+                        </a:lnB>
+                        <a:lnTlToBr w="12700" cmpd="sng">
+                          <a:noFill/>
+                          <a:prstDash val="solid"/>
+                        </a:lnTlToBr>
+                        <a:lnBlToTr w="12700" cmpd="sng">
+                          <a:noFill/>
+                          <a:prstDash val="solid"/>
+                        </a:lnBlToTr>
+                        <a:blipFill>
+                          <a:blip r:embed="rId2"/>
+                          <a:stretch>
+                            <a:fillRect l="-284722" t="-419355" r="-186111" b="-312903"/>
+                          </a:stretch>
+                        </a:blipFill>
+                      </a:tcPr>
+                    </a:tc>
+                    <a:tc>
+                      <a:txBody>
+                        <a:bodyPr/>
+                        <a:lstStyle/>
+                        <a:p>
+                          <a:endParaRPr lang="en-US"/>
+                        </a:p>
+                      </a:txBody>
+                      <a:tcPr>
+                        <a:lnL>
+                          <a:noFill/>
+                        </a:lnL>
+                        <a:lnR>
+                          <a:noFill/>
+                        </a:lnR>
+                        <a:lnT>
+                          <a:noFill/>
+                        </a:lnT>
+                        <a:lnB>
+                          <a:noFill/>
+                        </a:lnB>
+                        <a:lnTlToBr w="12700" cmpd="sng">
+                          <a:noFill/>
+                          <a:prstDash val="solid"/>
+                        </a:lnTlToBr>
+                        <a:lnBlToTr w="12700" cmpd="sng">
+                          <a:noFill/>
+                          <a:prstDash val="solid"/>
+                        </a:lnBlToTr>
+                        <a:blipFill>
+                          <a:blip r:embed="rId2"/>
+                          <a:stretch>
+                            <a:fillRect l="-426154" t="-419355" r="-106154" b="-312903"/>
+                          </a:stretch>
+                        </a:blipFill>
+                      </a:tcPr>
+                    </a:tc>
+                    <a:tc>
+                      <a:txBody>
+                        <a:bodyPr/>
+                        <a:lstStyle/>
+                        <a:p>
+                          <a:endParaRPr lang="en-US"/>
+                        </a:p>
+                      </a:txBody>
+                      <a:tcPr>
+                        <a:lnL>
+                          <a:noFill/>
+                        </a:lnL>
+                        <a:lnR w="12700" cap="flat" cmpd="sng" algn="ctr">
+                          <a:noFill/>
+                          <a:prstDash val="solid"/>
+                          <a:round/>
+                          <a:headEnd type="none" w="med" len="med"/>
+                          <a:tailEnd type="none" w="med" len="med"/>
+                        </a:lnR>
+                        <a:lnT>
+                          <a:noFill/>
+                        </a:lnT>
+                        <a:lnB>
+                          <a:noFill/>
+                        </a:lnB>
+                        <a:lnTlToBr w="12700" cmpd="sng">
+                          <a:noFill/>
+                          <a:prstDash val="solid"/>
+                        </a:lnTlToBr>
+                        <a:lnBlToTr w="12700" cmpd="sng">
+                          <a:noFill/>
+                          <a:prstDash val="solid"/>
+                        </a:lnBlToTr>
+                        <a:blipFill>
+                          <a:blip r:embed="rId2"/>
+                          <a:stretch>
+                            <a:fillRect l="-502941" t="-419355" r="-1471" b="-312903"/>
+                          </a:stretch>
+                        </a:blipFill>
+                      </a:tcPr>
+                    </a:tc>
+                    <a:extLst>
+                      <a:ext uri="{0D108BD9-81ED-4DB2-BD59-A6C34878D82A}">
+                        <a16:rowId xmlns:a16="http://schemas.microsoft.com/office/drawing/2014/main" val="712436518"/>
+                      </a:ext>
+                    </a:extLst>
+                  </a:tr>
+                  <a:tr h="393653">
+                    <a:tc>
+                      <a:txBody>
+                        <a:bodyPr/>
+                        <a:lstStyle/>
+                        <a:p>
+                          <a:endParaRPr lang="en-US"/>
+                        </a:p>
+                      </a:txBody>
+                      <a:tcPr>
+                        <a:lnL w="12700" cap="flat" cmpd="sng" algn="ctr">
+                          <a:noFill/>
+                          <a:prstDash val="solid"/>
+                          <a:round/>
+                          <a:headEnd type="none" w="med" len="med"/>
+                          <a:tailEnd type="none" w="med" len="med"/>
+                        </a:lnL>
+                        <a:lnR>
+                          <a:noFill/>
+                        </a:lnR>
+                        <a:lnT>
+                          <a:noFill/>
+                        </a:lnT>
+                        <a:lnB>
+                          <a:noFill/>
+                        </a:lnB>
+                        <a:lnTlToBr w="12700" cmpd="sng">
+                          <a:noFill/>
+                          <a:prstDash val="solid"/>
+                        </a:lnTlToBr>
+                        <a:lnBlToTr w="12700" cmpd="sng">
+                          <a:noFill/>
+                          <a:prstDash val="solid"/>
+                        </a:lnBlToTr>
+                        <a:blipFill>
+                          <a:blip r:embed="rId2"/>
+                          <a:stretch>
+                            <a:fillRect l="-1471" t="-519355" r="-502941" b="-212903"/>
+                          </a:stretch>
+                        </a:blipFill>
+                      </a:tcPr>
+                    </a:tc>
+                    <a:tc>
+                      <a:txBody>
+                        <a:bodyPr/>
+                        <a:lstStyle/>
+                        <a:p>
+                          <a:endParaRPr lang="en-US"/>
+                        </a:p>
+                      </a:txBody>
+                      <a:tcPr>
+                        <a:lnL>
+                          <a:noFill/>
+                        </a:lnL>
+                        <a:lnR>
+                          <a:noFill/>
+                        </a:lnR>
+                        <a:lnT>
+                          <a:noFill/>
+                        </a:lnT>
+                        <a:lnB>
+                          <a:noFill/>
+                        </a:lnB>
+                        <a:lnTlToBr w="12700" cmpd="sng">
+                          <a:noFill/>
+                          <a:prstDash val="solid"/>
+                        </a:lnTlToBr>
+                        <a:lnBlToTr w="12700" cmpd="sng">
+                          <a:noFill/>
+                          <a:prstDash val="solid"/>
+                        </a:lnBlToTr>
+                        <a:blipFill>
+                          <a:blip r:embed="rId2"/>
+                          <a:stretch>
+                            <a:fillRect l="-101471" t="-519355" r="-402941" b="-212903"/>
+                          </a:stretch>
+                        </a:blipFill>
+                      </a:tcPr>
+                    </a:tc>
+                    <a:tc>
+                      <a:txBody>
+                        <a:bodyPr/>
+                        <a:lstStyle/>
+                        <a:p>
+                          <a:endParaRPr lang="en-US"/>
+                        </a:p>
+                      </a:txBody>
+                      <a:tcPr>
+                        <a:lnL>
+                          <a:noFill/>
+                        </a:lnL>
+                        <a:lnR>
+                          <a:noFill/>
+                        </a:lnR>
+                        <a:lnT>
+                          <a:noFill/>
+                        </a:lnT>
+                        <a:lnB>
+                          <a:noFill/>
+                        </a:lnB>
+                        <a:lnTlToBr w="12700" cmpd="sng">
+                          <a:noFill/>
+                          <a:prstDash val="solid"/>
+                        </a:lnTlToBr>
+                        <a:lnBlToTr w="12700" cmpd="sng">
+                          <a:noFill/>
+                          <a:prstDash val="solid"/>
+                        </a:lnBlToTr>
+                        <a:blipFill>
+                          <a:blip r:embed="rId2"/>
+                          <a:stretch>
+                            <a:fillRect l="-201471" t="-519355" r="-302941" b="-212903"/>
+                          </a:stretch>
+                        </a:blipFill>
+                      </a:tcPr>
+                    </a:tc>
+                    <a:tc>
+                      <a:txBody>
+                        <a:bodyPr/>
+                        <a:lstStyle/>
+                        <a:p>
+                          <a:endParaRPr lang="en-US"/>
+                        </a:p>
+                      </a:txBody>
+                      <a:tcPr>
+                        <a:lnL>
+                          <a:noFill/>
+                        </a:lnL>
+                        <a:lnR>
+                          <a:noFill/>
+                        </a:lnR>
+                        <a:lnT>
+                          <a:noFill/>
+                        </a:lnT>
+                        <a:lnB>
+                          <a:noFill/>
+                        </a:lnB>
+                        <a:lnTlToBr w="12700" cmpd="sng">
+                          <a:noFill/>
+                          <a:prstDash val="solid"/>
+                        </a:lnTlToBr>
+                        <a:lnBlToTr w="12700" cmpd="sng">
+                          <a:noFill/>
+                          <a:prstDash val="solid"/>
+                        </a:lnBlToTr>
+                        <a:blipFill>
+                          <a:blip r:embed="rId2"/>
+                          <a:stretch>
+                            <a:fillRect l="-284722" t="-519355" r="-186111" b="-212903"/>
+                          </a:stretch>
+                        </a:blipFill>
+                      </a:tcPr>
+                    </a:tc>
+                    <a:tc>
+                      <a:txBody>
+                        <a:bodyPr/>
+                        <a:lstStyle/>
+                        <a:p>
+                          <a:endParaRPr lang="en-US"/>
+                        </a:p>
+                      </a:txBody>
+                      <a:tcPr>
+                        <a:lnL>
+                          <a:noFill/>
+                        </a:lnL>
+                        <a:lnR>
+                          <a:noFill/>
+                        </a:lnR>
+                        <a:lnT>
+                          <a:noFill/>
+                        </a:lnT>
+                        <a:lnB>
+                          <a:noFill/>
+                        </a:lnB>
+                        <a:lnTlToBr w="12700" cmpd="sng">
+                          <a:noFill/>
+                          <a:prstDash val="solid"/>
+                        </a:lnTlToBr>
+                        <a:lnBlToTr w="12700" cmpd="sng">
+                          <a:noFill/>
+                          <a:prstDash val="solid"/>
+                        </a:lnBlToTr>
+                        <a:blipFill>
+                          <a:blip r:embed="rId2"/>
+                          <a:stretch>
+                            <a:fillRect l="-426154" t="-519355" r="-106154" b="-212903"/>
+                          </a:stretch>
+                        </a:blipFill>
+                      </a:tcPr>
+                    </a:tc>
+                    <a:tc>
+                      <a:txBody>
+                        <a:bodyPr/>
+                        <a:lstStyle/>
+                        <a:p>
+                          <a:endParaRPr lang="en-US" sz="1800" dirty="0"/>
+                        </a:p>
+                      </a:txBody>
+                      <a:tcPr>
+                        <a:lnL>
+                          <a:noFill/>
+                        </a:lnL>
+                        <a:lnR w="12700" cap="flat" cmpd="sng" algn="ctr">
+                          <a:noFill/>
+                          <a:prstDash val="solid"/>
+                          <a:round/>
+                          <a:headEnd type="none" w="med" len="med"/>
+                          <a:tailEnd type="none" w="med" len="med"/>
+                        </a:lnR>
+                        <a:lnT>
+                          <a:noFill/>
+                        </a:lnT>
+                        <a:lnB>
+                          <a:noFill/>
+                        </a:lnB>
+                        <a:lnTlToBr w="12700" cmpd="sng">
+                          <a:noFill/>
+                          <a:prstDash val="solid"/>
+                        </a:lnTlToBr>
+                        <a:lnBlToTr w="12700" cmpd="sng">
+                          <a:noFill/>
+                          <a:prstDash val="solid"/>
+                        </a:lnBlToTr>
+                      </a:tcPr>
+                    </a:tc>
+                    <a:extLst>
+                      <a:ext uri="{0D108BD9-81ED-4DB2-BD59-A6C34878D82A}">
+                        <a16:rowId xmlns:a16="http://schemas.microsoft.com/office/drawing/2014/main" val="527526916"/>
+                      </a:ext>
+                    </a:extLst>
+                  </a:tr>
+                  <a:tr h="420415">
+                    <a:tc>
+                      <a:txBody>
+                        <a:bodyPr/>
+                        <a:lstStyle/>
+                        <a:p>
+                          <a:pPr marL="0" marR="0" lvl="0" indent="0" algn="l" defTabSz="914400" rtl="0" eaLnBrk="1" fontAlgn="auto" latinLnBrk="0" hangingPunct="1">
+                            <a:lnSpc>
+                              <a:spcPct val="100000"/>
+                            </a:lnSpc>
+                            <a:spcBef>
+                              <a:spcPts val="0"/>
+                            </a:spcBef>
+                            <a:spcAft>
+                              <a:spcPts val="0"/>
+                            </a:spcAft>
+                            <a:buClrTx/>
+                            <a:buSzTx/>
+                            <a:buFontTx/>
+                            <a:buNone/>
+                            <a:tabLst/>
+                            <a:defRPr/>
+                          </a:pPr>
+                          <a:endParaRPr lang="en-US" sz="1800" dirty="0"/>
+                        </a:p>
+                      </a:txBody>
+                      <a:tcPr>
+                        <a:lnL w="12700" cap="flat" cmpd="sng" algn="ctr">
+                          <a:noFill/>
+                          <a:prstDash val="solid"/>
+                          <a:round/>
+                          <a:headEnd type="none" w="med" len="med"/>
+                          <a:tailEnd type="none" w="med" len="med"/>
+                        </a:lnL>
+                        <a:lnR>
+                          <a:noFill/>
+                        </a:lnR>
+                        <a:lnT>
+                          <a:noFill/>
+                        </a:lnT>
+                        <a:lnB>
+                          <a:noFill/>
+                        </a:lnB>
+                        <a:lnTlToBr w="12700" cmpd="sng">
+                          <a:noFill/>
+                          <a:prstDash val="solid"/>
+                        </a:lnTlToBr>
+                        <a:lnBlToTr w="12700" cmpd="sng">
+                          <a:noFill/>
+                          <a:prstDash val="solid"/>
+                        </a:lnBlToTr>
+                      </a:tcPr>
+                    </a:tc>
+                    <a:tc>
+                      <a:txBody>
+                        <a:bodyPr/>
+                        <a:lstStyle/>
+                        <a:p>
+                          <a:endParaRPr lang="en-US"/>
+                        </a:p>
+                      </a:txBody>
+                      <a:tcPr>
+                        <a:lnL>
+                          <a:noFill/>
+                        </a:lnL>
+                        <a:lnR>
+                          <a:noFill/>
+                        </a:lnR>
+                        <a:lnT>
+                          <a:noFill/>
+                        </a:lnT>
+                        <a:lnB>
+                          <a:noFill/>
+                        </a:lnB>
+                        <a:lnTlToBr w="12700" cmpd="sng">
+                          <a:noFill/>
+                          <a:prstDash val="solid"/>
+                        </a:lnTlToBr>
+                        <a:lnBlToTr w="12700" cmpd="sng">
+                          <a:noFill/>
+                          <a:prstDash val="solid"/>
+                        </a:lnBlToTr>
+                        <a:blipFill>
+                          <a:blip r:embed="rId2"/>
+                          <a:stretch>
+                            <a:fillRect l="-101471" t="-581818" r="-402941" b="-100000"/>
+                          </a:stretch>
+                        </a:blipFill>
+                      </a:tcPr>
+                    </a:tc>
+                    <a:tc>
+                      <a:txBody>
+                        <a:bodyPr/>
+                        <a:lstStyle/>
+                        <a:p>
+                          <a:endParaRPr lang="en-US"/>
+                        </a:p>
+                      </a:txBody>
+                      <a:tcPr>
+                        <a:lnL>
+                          <a:noFill/>
+                        </a:lnL>
+                        <a:lnR>
+                          <a:noFill/>
+                        </a:lnR>
+                        <a:lnT>
+                          <a:noFill/>
+                        </a:lnT>
+                        <a:lnB>
+                          <a:noFill/>
+                        </a:lnB>
+                        <a:lnTlToBr w="12700" cmpd="sng">
+                          <a:noFill/>
+                          <a:prstDash val="solid"/>
+                        </a:lnTlToBr>
+                        <a:lnBlToTr w="12700" cmpd="sng">
+                          <a:noFill/>
+                          <a:prstDash val="solid"/>
+                        </a:lnBlToTr>
+                        <a:blipFill>
+                          <a:blip r:embed="rId2"/>
+                          <a:stretch>
+                            <a:fillRect l="-201471" t="-581818" r="-302941" b="-100000"/>
+                          </a:stretch>
+                        </a:blipFill>
+                      </a:tcPr>
+                    </a:tc>
+                    <a:tc>
+                      <a:txBody>
+                        <a:bodyPr/>
+                        <a:lstStyle/>
+                        <a:p>
+                          <a:endParaRPr lang="en-US"/>
+                        </a:p>
+                      </a:txBody>
+                      <a:tcPr>
+                        <a:lnL>
+                          <a:noFill/>
+                        </a:lnL>
+                        <a:lnR>
+                          <a:noFill/>
+                        </a:lnR>
+                        <a:lnT>
+                          <a:noFill/>
+                        </a:lnT>
+                        <a:lnB>
+                          <a:noFill/>
+                        </a:lnB>
+                        <a:lnTlToBr w="12700" cmpd="sng">
+                          <a:noFill/>
+                          <a:prstDash val="solid"/>
+                        </a:lnTlToBr>
+                        <a:lnBlToTr w="12700" cmpd="sng">
+                          <a:noFill/>
+                          <a:prstDash val="solid"/>
+                        </a:lnBlToTr>
+                        <a:blipFill>
+                          <a:blip r:embed="rId2"/>
+                          <a:stretch>
+                            <a:fillRect l="-284722" t="-581818" r="-186111" b="-100000"/>
+                          </a:stretch>
+                        </a:blipFill>
+                      </a:tcPr>
+                    </a:tc>
+                    <a:tc>
+                      <a:txBody>
+                        <a:bodyPr/>
+                        <a:lstStyle/>
+                        <a:p>
+                          <a:endParaRPr lang="en-US"/>
+                        </a:p>
+                      </a:txBody>
+                      <a:tcPr>
+                        <a:lnL>
+                          <a:noFill/>
+                        </a:lnL>
+                        <a:lnR>
+                          <a:noFill/>
+                        </a:lnR>
+                        <a:lnT>
+                          <a:noFill/>
+                        </a:lnT>
+                        <a:lnB>
+                          <a:noFill/>
+                        </a:lnB>
+                        <a:lnTlToBr w="12700" cmpd="sng">
+                          <a:noFill/>
+                          <a:prstDash val="solid"/>
+                        </a:lnTlToBr>
+                        <a:lnBlToTr w="12700" cmpd="sng">
+                          <a:noFill/>
+                          <a:prstDash val="solid"/>
+                        </a:lnBlToTr>
+                        <a:blipFill>
+                          <a:blip r:embed="rId2"/>
+                          <a:stretch>
+                            <a:fillRect l="-426154" t="-581818" r="-106154" b="-100000"/>
+                          </a:stretch>
+                        </a:blipFill>
+                      </a:tcPr>
+                    </a:tc>
+                    <a:tc>
+                      <a:txBody>
+                        <a:bodyPr/>
+                        <a:lstStyle/>
+                        <a:p>
+                          <a:endParaRPr lang="en-US" sz="1800" dirty="0"/>
+                        </a:p>
+                      </a:txBody>
+                      <a:tcPr>
+                        <a:lnL>
+                          <a:noFill/>
+                        </a:lnL>
+                        <a:lnR w="12700" cap="flat" cmpd="sng" algn="ctr">
+                          <a:noFill/>
+                          <a:prstDash val="solid"/>
+                          <a:round/>
+                          <a:headEnd type="none" w="med" len="med"/>
+                          <a:tailEnd type="none" w="med" len="med"/>
+                        </a:lnR>
+                        <a:lnT>
+                          <a:noFill/>
+                        </a:lnT>
+                        <a:lnB>
+                          <a:noFill/>
+                        </a:lnB>
+                        <a:lnTlToBr w="12700" cmpd="sng">
+                          <a:noFill/>
+                          <a:prstDash val="solid"/>
+                        </a:lnTlToBr>
+                        <a:lnBlToTr w="12700" cmpd="sng">
+                          <a:noFill/>
+                          <a:prstDash val="solid"/>
+                        </a:lnBlToTr>
+                      </a:tcPr>
+                    </a:tc>
+                    <a:extLst>
+                      <a:ext uri="{0D108BD9-81ED-4DB2-BD59-A6C34878D82A}">
+                        <a16:rowId xmlns:a16="http://schemas.microsoft.com/office/drawing/2014/main" val="2076919872"/>
+                      </a:ext>
+                    </a:extLst>
+                  </a:tr>
+                  <a:tr h="420415">
+                    <a:tc>
+                      <a:txBody>
+                        <a:bodyPr/>
+                        <a:lstStyle/>
+                        <a:p>
+                          <a:pPr marL="0" marR="0" lvl="0" indent="0" algn="l" defTabSz="914400" rtl="0" eaLnBrk="1" fontAlgn="auto" latinLnBrk="0" hangingPunct="1">
+                            <a:lnSpc>
+                              <a:spcPct val="100000"/>
+                            </a:lnSpc>
+                            <a:spcBef>
+                              <a:spcPts val="0"/>
+                            </a:spcBef>
+                            <a:spcAft>
+                              <a:spcPts val="0"/>
+                            </a:spcAft>
+                            <a:buClrTx/>
+                            <a:buSzTx/>
+                            <a:buFontTx/>
+                            <a:buNone/>
+                            <a:tabLst/>
+                            <a:defRPr/>
+                          </a:pPr>
+                          <a:endParaRPr lang="en-US" sz="1800" dirty="0"/>
+                        </a:p>
+                      </a:txBody>
+                      <a:tcPr>
+                        <a:lnL w="12700" cap="flat" cmpd="sng" algn="ctr">
+                          <a:noFill/>
+                          <a:prstDash val="solid"/>
+                          <a:round/>
+                          <a:headEnd type="none" w="med" len="med"/>
+                          <a:tailEnd type="none" w="med" len="med"/>
+                        </a:lnL>
+                        <a:lnR>
+                          <a:noFill/>
+                        </a:lnR>
+                        <a:lnT>
+                          <a:noFill/>
+                        </a:lnT>
+                        <a:lnB w="12700" cap="flat" cmpd="sng" algn="ctr">
+                          <a:noFill/>
+                          <a:prstDash val="solid"/>
+                          <a:round/>
+                          <a:headEnd type="none" w="med" len="med"/>
+                          <a:tailEnd type="none" w="med" len="med"/>
+                        </a:lnB>
+                        <a:lnTlToBr w="12700" cmpd="sng">
+                          <a:noFill/>
+                          <a:prstDash val="solid"/>
+                        </a:lnTlToBr>
+                        <a:lnBlToTr w="12700" cmpd="sng">
+                          <a:noFill/>
+                          <a:prstDash val="solid"/>
+                        </a:lnBlToTr>
+                      </a:tcPr>
+                    </a:tc>
+                    <a:tc>
+                      <a:txBody>
+                        <a:bodyPr/>
+                        <a:lstStyle/>
+                        <a:p>
+                          <a:endParaRPr lang="en-US"/>
+                        </a:p>
+                      </a:txBody>
+                      <a:tcPr>
+                        <a:lnL>
+                          <a:noFill/>
+                        </a:lnL>
+                        <a:lnR>
+                          <a:noFill/>
+                        </a:lnR>
+                        <a:lnT>
+                          <a:noFill/>
+                        </a:lnT>
+                        <a:lnB w="12700" cap="flat" cmpd="sng" algn="ctr">
+                          <a:noFill/>
+                          <a:prstDash val="solid"/>
+                          <a:round/>
+                          <a:headEnd type="none" w="med" len="med"/>
+                          <a:tailEnd type="none" w="med" len="med"/>
+                        </a:lnB>
+                        <a:lnTlToBr w="12700" cmpd="sng">
+                          <a:noFill/>
+                          <a:prstDash val="solid"/>
+                        </a:lnTlToBr>
+                        <a:lnBlToTr w="12700" cmpd="sng">
+                          <a:noFill/>
+                          <a:prstDash val="solid"/>
+                        </a:lnBlToTr>
+                        <a:blipFill>
+                          <a:blip r:embed="rId2"/>
+                          <a:stretch>
+                            <a:fillRect l="-101471" t="-681818" r="-402941"/>
+                          </a:stretch>
+                        </a:blipFill>
+                      </a:tcPr>
+                    </a:tc>
+                    <a:tc>
+                      <a:txBody>
+                        <a:bodyPr/>
+                        <a:lstStyle/>
+                        <a:p>
+                          <a:endParaRPr lang="en-US"/>
+                        </a:p>
+                      </a:txBody>
+                      <a:tcPr>
+                        <a:lnL>
+                          <a:noFill/>
+                        </a:lnL>
+                        <a:lnR>
+                          <a:noFill/>
+                        </a:lnR>
+                        <a:lnT>
+                          <a:noFill/>
+                        </a:lnT>
+                        <a:lnB w="12700" cap="flat" cmpd="sng" algn="ctr">
+                          <a:noFill/>
+                          <a:prstDash val="solid"/>
+                          <a:round/>
+                          <a:headEnd type="none" w="med" len="med"/>
+                          <a:tailEnd type="none" w="med" len="med"/>
+                        </a:lnB>
+                        <a:lnTlToBr w="12700" cmpd="sng">
+                          <a:noFill/>
+                          <a:prstDash val="solid"/>
+                        </a:lnTlToBr>
+                        <a:lnBlToTr w="12700" cmpd="sng">
+                          <a:noFill/>
+                          <a:prstDash val="solid"/>
+                        </a:lnBlToTr>
+                        <a:blipFill>
+                          <a:blip r:embed="rId2"/>
+                          <a:stretch>
+                            <a:fillRect l="-201471" t="-681818" r="-302941"/>
+                          </a:stretch>
+                        </a:blipFill>
+                      </a:tcPr>
+                    </a:tc>
+                    <a:tc>
+                      <a:txBody>
+                        <a:bodyPr/>
+                        <a:lstStyle/>
+                        <a:p>
+                          <a:endParaRPr lang="en-US"/>
+                        </a:p>
+                      </a:txBody>
+                      <a:tcPr>
+                        <a:lnL>
+                          <a:noFill/>
+                        </a:lnL>
+                        <a:lnR>
+                          <a:noFill/>
+                        </a:lnR>
+                        <a:lnT>
+                          <a:noFill/>
+                        </a:lnT>
+                        <a:lnB w="12700" cap="flat" cmpd="sng" algn="ctr">
+                          <a:noFill/>
+                          <a:prstDash val="solid"/>
+                          <a:round/>
+                          <a:headEnd type="none" w="med" len="med"/>
+                          <a:tailEnd type="none" w="med" len="med"/>
+                        </a:lnB>
+                        <a:lnTlToBr w="12700" cmpd="sng">
+                          <a:noFill/>
+                          <a:prstDash val="solid"/>
+                        </a:lnTlToBr>
+                        <a:lnBlToTr w="12700" cmpd="sng">
+                          <a:noFill/>
+                          <a:prstDash val="solid"/>
+                        </a:lnBlToTr>
+                        <a:blipFill>
+                          <a:blip r:embed="rId2"/>
+                          <a:stretch>
+                            <a:fillRect l="-284722" t="-681818" r="-186111"/>
+                          </a:stretch>
+                        </a:blipFill>
+                      </a:tcPr>
+                    </a:tc>
+                    <a:tc>
+                      <a:txBody>
+                        <a:bodyPr/>
+                        <a:lstStyle/>
+                        <a:p>
+                          <a:endParaRPr lang="en-US"/>
+                        </a:p>
+                      </a:txBody>
+                      <a:tcPr>
+                        <a:lnL>
+                          <a:noFill/>
+                        </a:lnL>
+                        <a:lnR>
+                          <a:noFill/>
+                        </a:lnR>
+                        <a:lnT>
+                          <a:noFill/>
+                        </a:lnT>
+                        <a:lnB w="12700" cap="flat" cmpd="sng" algn="ctr">
+                          <a:noFill/>
+                          <a:prstDash val="solid"/>
+                          <a:round/>
+                          <a:headEnd type="none" w="med" len="med"/>
+                          <a:tailEnd type="none" w="med" len="med"/>
+                        </a:lnB>
+                        <a:lnTlToBr w="12700" cmpd="sng">
+                          <a:noFill/>
+                          <a:prstDash val="solid"/>
+                        </a:lnTlToBr>
+                        <a:lnBlToTr w="12700" cmpd="sng">
+                          <a:noFill/>
+                          <a:prstDash val="solid"/>
+                        </a:lnBlToTr>
+                        <a:blipFill>
+                          <a:blip r:embed="rId2"/>
+                          <a:stretch>
+                            <a:fillRect l="-426154" t="-681818" r="-106154"/>
+                          </a:stretch>
+                        </a:blipFill>
+                      </a:tcPr>
+                    </a:tc>
+                    <a:tc>
+                      <a:txBody>
+                        <a:bodyPr/>
+                        <a:lstStyle/>
+                        <a:p>
+                          <a:endParaRPr lang="en-US" sz="1800" dirty="0"/>
+                        </a:p>
+                      </a:txBody>
+                      <a:tcPr>
+                        <a:lnL>
+                          <a:noFill/>
+                        </a:lnL>
+                        <a:lnR w="12700" cap="flat" cmpd="sng" algn="ctr">
+                          <a:noFill/>
+                          <a:prstDash val="solid"/>
+                          <a:round/>
+                          <a:headEnd type="none" w="med" len="med"/>
+                          <a:tailEnd type="none" w="med" len="med"/>
+                        </a:lnR>
+                        <a:lnT>
+                          <a:noFill/>
+                        </a:lnT>
+                        <a:lnB w="12700" cap="flat" cmpd="sng" algn="ctr">
+                          <a:noFill/>
+                          <a:prstDash val="solid"/>
+                          <a:round/>
+                          <a:headEnd type="none" w="med" len="med"/>
+                          <a:tailEnd type="none" w="med" len="med"/>
+                        </a:lnB>
+                        <a:lnTlToBr w="12700" cmpd="sng">
+                          <a:noFill/>
+                          <a:prstDash val="solid"/>
+                        </a:lnTlToBr>
+                        <a:lnBlToTr w="12700" cmpd="sng">
+                          <a:noFill/>
+                          <a:prstDash val="solid"/>
+                        </a:lnBlToTr>
+                      </a:tcPr>
+                    </a:tc>
+                    <a:extLst>
+                      <a:ext uri="{0D108BD9-81ED-4DB2-BD59-A6C34878D82A}">
+                        <a16:rowId xmlns:a16="http://schemas.microsoft.com/office/drawing/2014/main" val="4096631183"/>
+                      </a:ext>
+                    </a:extLst>
+                  </a:tr>
+                </a:tbl>
+              </a:graphicData>
+            </a:graphic>
+          </p:graphicFrame>
+        </mc:Fallback>
+      </mc:AlternateContent>
+      <p:cxnSp>
+        <p:nvCxnSpPr>
+          <p:cNvPr id="3" name="Straight Arrow Connector 2">
+            <a:extLst>
+              <a:ext uri="{FF2B5EF4-FFF2-40B4-BE49-F238E27FC236}">
+                <a16:creationId xmlns:a16="http://schemas.microsoft.com/office/drawing/2014/main" id="{9E704468-C1DE-0352-85DE-0D1ED89ADE1E}"/>
+              </a:ext>
+            </a:extLst>
+          </p:cNvPr>
+          <p:cNvCxnSpPr>
+            <a:cxnSpLocks/>
+          </p:cNvCxnSpPr>
+          <p:nvPr/>
+        </p:nvCxnSpPr>
+        <p:spPr>
+          <a:xfrm>
+            <a:off x="3827722" y="2296632"/>
+            <a:ext cx="648588" cy="0"/>
+          </a:xfrm>
+          <a:prstGeom prst="straightConnector1">
+            <a:avLst/>
+          </a:prstGeom>
+          <a:ln w="12700">
+            <a:solidFill>
+              <a:srgbClr val="C00000"/>
+            </a:solidFill>
+            <a:tailEnd type="triangle"/>
+          </a:ln>
+        </p:spPr>
+        <p:style>
+          <a:lnRef idx="1">
+            <a:schemeClr val="accent1"/>
+          </a:lnRef>
+          <a:fillRef idx="0">
+            <a:schemeClr val="accent1"/>
+          </a:fillRef>
+          <a:effectRef idx="0">
+            <a:schemeClr val="accent1"/>
+          </a:effectRef>
+          <a:fontRef idx="minor">
+            <a:schemeClr val="tx1"/>
+          </a:fontRef>
+        </p:style>
+      </p:cxnSp>
+      <p:cxnSp>
+        <p:nvCxnSpPr>
+          <p:cNvPr id="4" name="Straight Arrow Connector 3">
+            <a:extLst>
+              <a:ext uri="{FF2B5EF4-FFF2-40B4-BE49-F238E27FC236}">
+                <a16:creationId xmlns:a16="http://schemas.microsoft.com/office/drawing/2014/main" id="{58599542-7312-50DE-5811-C308C4B0608C}"/>
+              </a:ext>
+            </a:extLst>
+          </p:cNvPr>
+          <p:cNvCxnSpPr>
+            <a:cxnSpLocks/>
+          </p:cNvCxnSpPr>
+          <p:nvPr/>
+        </p:nvCxnSpPr>
+        <p:spPr>
+          <a:xfrm>
+            <a:off x="4678325" y="2317898"/>
+            <a:ext cx="648587" cy="701749"/>
+          </a:xfrm>
+          <a:prstGeom prst="straightConnector1">
+            <a:avLst/>
+          </a:prstGeom>
+          <a:ln w="12700">
+            <a:solidFill>
+              <a:srgbClr val="C00000"/>
+            </a:solidFill>
+            <a:tailEnd type="triangle"/>
+          </a:ln>
+        </p:spPr>
+        <p:style>
+          <a:lnRef idx="1">
+            <a:schemeClr val="accent1"/>
+          </a:lnRef>
+          <a:fillRef idx="0">
+            <a:schemeClr val="accent1"/>
+          </a:fillRef>
+          <a:effectRef idx="0">
+            <a:schemeClr val="accent1"/>
+          </a:effectRef>
+          <a:fontRef idx="minor">
+            <a:schemeClr val="tx1"/>
+          </a:fontRef>
+        </p:style>
+      </p:cxnSp>
+      <p:cxnSp>
+        <p:nvCxnSpPr>
+          <p:cNvPr id="5" name="Straight Arrow Connector 4">
+            <a:extLst>
+              <a:ext uri="{FF2B5EF4-FFF2-40B4-BE49-F238E27FC236}">
+                <a16:creationId xmlns:a16="http://schemas.microsoft.com/office/drawing/2014/main" id="{7B4E717C-FF7E-B755-F067-1761A9CB3812}"/>
+              </a:ext>
+            </a:extLst>
+          </p:cNvPr>
+          <p:cNvCxnSpPr>
+            <a:cxnSpLocks/>
+          </p:cNvCxnSpPr>
+          <p:nvPr/>
+        </p:nvCxnSpPr>
+        <p:spPr>
+          <a:xfrm flipV="1">
+            <a:off x="5582095" y="2073349"/>
+            <a:ext cx="484224" cy="946298"/>
+          </a:xfrm>
+          <a:prstGeom prst="straightConnector1">
+            <a:avLst/>
+          </a:prstGeom>
+          <a:ln w="12700">
+            <a:solidFill>
+              <a:srgbClr val="C00000"/>
+            </a:solidFill>
+            <a:tailEnd type="triangle"/>
+          </a:ln>
+        </p:spPr>
+        <p:style>
+          <a:lnRef idx="1">
+            <a:schemeClr val="accent1"/>
+          </a:lnRef>
+          <a:fillRef idx="0">
+            <a:schemeClr val="accent1"/>
+          </a:fillRef>
+          <a:effectRef idx="0">
+            <a:schemeClr val="accent1"/>
+          </a:effectRef>
+          <a:fontRef idx="minor">
+            <a:schemeClr val="tx1"/>
+          </a:fontRef>
+        </p:style>
+      </p:cxnSp>
+      <p:cxnSp>
+        <p:nvCxnSpPr>
+          <p:cNvPr id="6" name="Straight Arrow Connector 5">
+            <a:extLst>
+              <a:ext uri="{FF2B5EF4-FFF2-40B4-BE49-F238E27FC236}">
+                <a16:creationId xmlns:a16="http://schemas.microsoft.com/office/drawing/2014/main" id="{67E9507B-3615-BDE5-19C5-905805668260}"/>
+              </a:ext>
+            </a:extLst>
+          </p:cNvPr>
+          <p:cNvCxnSpPr>
+            <a:cxnSpLocks/>
+          </p:cNvCxnSpPr>
+          <p:nvPr/>
+        </p:nvCxnSpPr>
+        <p:spPr>
+          <a:xfrm>
+            <a:off x="6613451" y="2573079"/>
+            <a:ext cx="457200" cy="855921"/>
+          </a:xfrm>
+          <a:prstGeom prst="straightConnector1">
+            <a:avLst/>
+          </a:prstGeom>
+          <a:ln w="12700">
+            <a:solidFill>
+              <a:srgbClr val="C00000"/>
+            </a:solidFill>
+            <a:tailEnd type="triangle"/>
+          </a:ln>
+        </p:spPr>
+        <p:style>
+          <a:lnRef idx="1">
+            <a:schemeClr val="accent1"/>
+          </a:lnRef>
+          <a:fillRef idx="0">
+            <a:schemeClr val="accent1"/>
+          </a:fillRef>
+          <a:effectRef idx="0">
+            <a:schemeClr val="accent1"/>
+          </a:effectRef>
+          <a:fontRef idx="minor">
+            <a:schemeClr val="tx1"/>
+          </a:fontRef>
+        </p:style>
+      </p:cxnSp>
+      <p:cxnSp>
+        <p:nvCxnSpPr>
+          <p:cNvPr id="7" name="Straight Arrow Connector 6">
+            <a:extLst>
+              <a:ext uri="{FF2B5EF4-FFF2-40B4-BE49-F238E27FC236}">
+                <a16:creationId xmlns:a16="http://schemas.microsoft.com/office/drawing/2014/main" id="{B0D711F1-9548-8283-49B5-2FD9F2B27A12}"/>
+              </a:ext>
+            </a:extLst>
+          </p:cNvPr>
+          <p:cNvCxnSpPr>
+            <a:cxnSpLocks/>
+          </p:cNvCxnSpPr>
+          <p:nvPr/>
+        </p:nvCxnSpPr>
+        <p:spPr>
+          <a:xfrm flipV="1">
+            <a:off x="7272669" y="2392326"/>
+            <a:ext cx="627322" cy="1026041"/>
+          </a:xfrm>
+          <a:prstGeom prst="straightConnector1">
+            <a:avLst/>
+          </a:prstGeom>
+          <a:ln w="12700">
+            <a:solidFill>
+              <a:srgbClr val="C00000"/>
+            </a:solidFill>
+            <a:tailEnd type="triangle"/>
+          </a:ln>
+        </p:spPr>
+        <p:style>
+          <a:lnRef idx="1">
+            <a:schemeClr val="accent1"/>
+          </a:lnRef>
+          <a:fillRef idx="0">
+            <a:schemeClr val="accent1"/>
+          </a:fillRef>
+          <a:effectRef idx="0">
+            <a:schemeClr val="accent1"/>
+          </a:effectRef>
+          <a:fontRef idx="minor">
+            <a:schemeClr val="tx1"/>
+          </a:fontRef>
+        </p:style>
+      </p:cxnSp>
+    </p:spTree>
+    <p:extLst>
+      <p:ext uri="{BB962C8B-B14F-4D97-AF65-F5344CB8AC3E}">
+        <p14:creationId xmlns:p14="http://schemas.microsoft.com/office/powerpoint/2010/main" val="1606618359"/>
+      </p:ext>
+    </p:extLst>
+  </p:cSld>
+  <p:clrMapOvr>
+    <a:masterClrMapping/>
+  </p:clrMapOvr>
+</p:sld>
+</file>
+
 <file path=ppt/theme/theme1.xml><?xml version="1.0" encoding="utf-8"?>
 <a:theme xmlns:a="http://schemas.openxmlformats.org/drawingml/2006/main" name="Office Theme">
   <a:themeElements>
